--- a/Python.pptx
+++ b/Python.pptx
@@ -5,7 +5,7 @@
     <p:sldMasterId id="2147483648" r:id="rId1"/>
   </p:sldMasterIdLst>
   <p:handoutMasterIdLst>
-    <p:handoutMasterId r:id="rId31"/>
+    <p:handoutMasterId r:id="rId50"/>
   </p:handoutMasterIdLst>
   <p:sldIdLst>
     <p:sldId id="256" r:id="rId2"/>
@@ -33,10 +33,29 @@
     <p:sldId id="278" r:id="rId24"/>
     <p:sldId id="279" r:id="rId25"/>
     <p:sldId id="280" r:id="rId26"/>
-    <p:sldId id="281" r:id="rId27"/>
-    <p:sldId id="282" r:id="rId28"/>
-    <p:sldId id="283" r:id="rId29"/>
-    <p:sldId id="284" r:id="rId30"/>
+    <p:sldId id="294" r:id="rId27"/>
+    <p:sldId id="286" r:id="rId28"/>
+    <p:sldId id="295" r:id="rId29"/>
+    <p:sldId id="296" r:id="rId30"/>
+    <p:sldId id="287" r:id="rId31"/>
+    <p:sldId id="288" r:id="rId32"/>
+    <p:sldId id="289" r:id="rId33"/>
+    <p:sldId id="290" r:id="rId34"/>
+    <p:sldId id="291" r:id="rId35"/>
+    <p:sldId id="292" r:id="rId36"/>
+    <p:sldId id="293" r:id="rId37"/>
+    <p:sldId id="298" r:id="rId38"/>
+    <p:sldId id="299" r:id="rId39"/>
+    <p:sldId id="300" r:id="rId40"/>
+    <p:sldId id="301" r:id="rId41"/>
+    <p:sldId id="302" r:id="rId42"/>
+    <p:sldId id="303" r:id="rId43"/>
+    <p:sldId id="304" r:id="rId44"/>
+    <p:sldId id="297" r:id="rId45"/>
+    <p:sldId id="281" r:id="rId46"/>
+    <p:sldId id="282" r:id="rId47"/>
+    <p:sldId id="283" r:id="rId48"/>
+    <p:sldId id="284" r:id="rId49"/>
   </p:sldIdLst>
   <p:sldSz cx="12192000" cy="6858000"/>
   <p:notesSz cx="7010400" cy="9296400"/>
@@ -225,7 +244,7 @@
           <a:p>
             <a:fld id="{4013861F-EE12-45EA-9330-934740D5E93A}" type="datetimeFigureOut">
               <a:rPr lang="en-US" smtClean="0"/>
-              <a:t>12/4/2019</a:t>
+              <a:t>12/8/2019</a:t>
             </a:fld>
             <a:endParaRPr lang="en-US"/>
           </a:p>
@@ -437,7 +456,7 @@
           <a:p>
             <a:fld id="{2DB14208-7906-41C6-880E-BD22D53BAB3A}" type="datetimeFigureOut">
               <a:rPr lang="en-US" smtClean="0"/>
-              <a:t>12/4/2019</a:t>
+              <a:t>12/8/2019</a:t>
             </a:fld>
             <a:endParaRPr lang="en-US"/>
           </a:p>
@@ -605,7 +624,7 @@
           <a:p>
             <a:fld id="{2DB14208-7906-41C6-880E-BD22D53BAB3A}" type="datetimeFigureOut">
               <a:rPr lang="en-US" smtClean="0"/>
-              <a:t>12/4/2019</a:t>
+              <a:t>12/8/2019</a:t>
             </a:fld>
             <a:endParaRPr lang="en-US"/>
           </a:p>
@@ -783,7 +802,7 @@
           <a:p>
             <a:fld id="{2DB14208-7906-41C6-880E-BD22D53BAB3A}" type="datetimeFigureOut">
               <a:rPr lang="en-US" smtClean="0"/>
-              <a:t>12/4/2019</a:t>
+              <a:t>12/8/2019</a:t>
             </a:fld>
             <a:endParaRPr lang="en-US"/>
           </a:p>
@@ -951,7 +970,7 @@
           <a:p>
             <a:fld id="{2DB14208-7906-41C6-880E-BD22D53BAB3A}" type="datetimeFigureOut">
               <a:rPr lang="en-US" smtClean="0"/>
-              <a:t>12/4/2019</a:t>
+              <a:t>12/8/2019</a:t>
             </a:fld>
             <a:endParaRPr lang="en-US"/>
           </a:p>
@@ -1196,7 +1215,7 @@
           <a:p>
             <a:fld id="{2DB14208-7906-41C6-880E-BD22D53BAB3A}" type="datetimeFigureOut">
               <a:rPr lang="en-US" smtClean="0"/>
-              <a:t>12/4/2019</a:t>
+              <a:t>12/8/2019</a:t>
             </a:fld>
             <a:endParaRPr lang="en-US"/>
           </a:p>
@@ -1425,7 +1444,7 @@
           <a:p>
             <a:fld id="{2DB14208-7906-41C6-880E-BD22D53BAB3A}" type="datetimeFigureOut">
               <a:rPr lang="en-US" smtClean="0"/>
-              <a:t>12/4/2019</a:t>
+              <a:t>12/8/2019</a:t>
             </a:fld>
             <a:endParaRPr lang="en-US"/>
           </a:p>
@@ -1789,7 +1808,7 @@
           <a:p>
             <a:fld id="{2DB14208-7906-41C6-880E-BD22D53BAB3A}" type="datetimeFigureOut">
               <a:rPr lang="en-US" smtClean="0"/>
-              <a:t>12/4/2019</a:t>
+              <a:t>12/8/2019</a:t>
             </a:fld>
             <a:endParaRPr lang="en-US"/>
           </a:p>
@@ -1906,7 +1925,7 @@
           <a:p>
             <a:fld id="{2DB14208-7906-41C6-880E-BD22D53BAB3A}" type="datetimeFigureOut">
               <a:rPr lang="en-US" smtClean="0"/>
-              <a:t>12/4/2019</a:t>
+              <a:t>12/8/2019</a:t>
             </a:fld>
             <a:endParaRPr lang="en-US"/>
           </a:p>
@@ -2001,7 +2020,7 @@
           <a:p>
             <a:fld id="{2DB14208-7906-41C6-880E-BD22D53BAB3A}" type="datetimeFigureOut">
               <a:rPr lang="en-US" smtClean="0"/>
-              <a:t>12/4/2019</a:t>
+              <a:t>12/8/2019</a:t>
             </a:fld>
             <a:endParaRPr lang="en-US"/>
           </a:p>
@@ -2276,7 +2295,7 @@
           <a:p>
             <a:fld id="{2DB14208-7906-41C6-880E-BD22D53BAB3A}" type="datetimeFigureOut">
               <a:rPr lang="en-US" smtClean="0"/>
-              <a:t>12/4/2019</a:t>
+              <a:t>12/8/2019</a:t>
             </a:fld>
             <a:endParaRPr lang="en-US"/>
           </a:p>
@@ -2531,7 +2550,7 @@
           <a:p>
             <a:fld id="{2DB14208-7906-41C6-880E-BD22D53BAB3A}" type="datetimeFigureOut">
               <a:rPr lang="en-US" smtClean="0"/>
-              <a:t>12/4/2019</a:t>
+              <a:t>12/8/2019</a:t>
             </a:fld>
             <a:endParaRPr lang="en-US"/>
           </a:p>
@@ -2746,7 +2765,7 @@
           <a:p>
             <a:fld id="{2DB14208-7906-41C6-880E-BD22D53BAB3A}" type="datetimeFigureOut">
               <a:rPr lang="en-US" smtClean="0"/>
-              <a:t>12/4/2019</a:t>
+              <a:t>12/8/2019</a:t>
             </a:fld>
             <a:endParaRPr lang="en-US"/>
           </a:p>
@@ -8864,7 +8883,7 @@
           <p:cNvPr id="2" name="Title 1">
             <a:extLst>
               <a:ext uri="{FF2B5EF4-FFF2-40B4-BE49-F238E27FC236}">
-                <a16:creationId xmlns:a16="http://schemas.microsoft.com/office/drawing/2014/main" id="{AD431ACD-7099-4EAF-9DE3-A333D7335DC1}"/>
+                <a16:creationId xmlns:a16="http://schemas.microsoft.com/office/drawing/2014/main" id="{AC91ABBC-C3CE-480A-9476-7D60E65E21FF}"/>
               </a:ext>
             </a:extLst>
           </p:cNvPr>
@@ -8872,40 +8891,29 @@
             <a:spLocks noGrp="1"/>
           </p:cNvSpPr>
           <p:nvPr>
-            <p:ph type="title"/>
+            <p:ph type="ctrTitle"/>
           </p:nvPr>
         </p:nvSpPr>
-        <p:spPr>
-          <a:xfrm>
-            <a:off x="297712" y="777254"/>
-            <a:ext cx="11056088" cy="832606"/>
-          </a:xfrm>
-        </p:spPr>
+        <p:spPr/>
         <p:txBody>
           <a:bodyPr/>
           <a:lstStyle/>
           <a:p>
             <a:r>
-              <a:rPr lang="en-US" dirty="0" err="1">
+              <a:rPr lang="en-US" dirty="0">
                 <a:latin typeface="Arial Black" panose="020B0A04020102020204" pitchFamily="34" charset="0"/>
               </a:rPr>
-              <a:t>Mysql</a:t>
-            </a:r>
-            <a:r>
-              <a:rPr lang="en-US" dirty="0">
-                <a:latin typeface="Arial Black" panose="020B0A04020102020204" pitchFamily="34" charset="0"/>
-              </a:rPr>
-              <a:t> Connector</a:t>
-            </a:r>
-          </a:p>
-        </p:txBody>
-      </p:sp>
-      <p:sp>
-        <p:nvSpPr>
-          <p:cNvPr id="3" name="Content Placeholder 2">
+              <a:t>SQL Commands</a:t>
+            </a:r>
+          </a:p>
+        </p:txBody>
+      </p:sp>
+      <p:sp>
+        <p:nvSpPr>
+          <p:cNvPr id="3" name="Subtitle 2">
             <a:extLst>
               <a:ext uri="{FF2B5EF4-FFF2-40B4-BE49-F238E27FC236}">
-                <a16:creationId xmlns:a16="http://schemas.microsoft.com/office/drawing/2014/main" id="{35547CFE-5781-4F85-8E9F-9E5A51607868}"/>
+                <a16:creationId xmlns:a16="http://schemas.microsoft.com/office/drawing/2014/main" id="{BA4C9628-FCD5-4E3E-A281-E5634B149994}"/>
               </a:ext>
             </a:extLst>
           </p:cNvPr>
@@ -8913,224 +8921,22 @@
             <a:spLocks noGrp="1"/>
           </p:cNvSpPr>
           <p:nvPr>
-            <p:ph idx="1"/>
+            <p:ph type="subTitle" idx="1"/>
           </p:nvPr>
         </p:nvSpPr>
-        <p:spPr>
-          <a:xfrm>
-            <a:off x="297712" y="1623704"/>
-            <a:ext cx="11632018" cy="4936583"/>
-          </a:xfrm>
-        </p:spPr>
-        <p:txBody>
-          <a:bodyPr>
-            <a:normAutofit fontScale="85000" lnSpcReduction="20000"/>
-          </a:bodyPr>
+        <p:spPr/>
+        <p:txBody>
+          <a:bodyPr/>
           <a:lstStyle/>
           <a:p>
-            <a:pPr marL="0" indent="0">
-              <a:buNone/>
-            </a:pPr>
-            <a:r>
-              <a:rPr lang="en-US" dirty="0"/>
-              <a:t>import </a:t>
-            </a:r>
-            <a:r>
-              <a:rPr lang="en-US" dirty="0" err="1"/>
-              <a:t>mysql.connector</a:t>
-            </a:r>
-            <a:br>
-              <a:rPr lang="en-US" dirty="0"/>
-            </a:br>
-            <a:br>
-              <a:rPr lang="en-US" dirty="0"/>
-            </a:br>
-            <a:r>
-              <a:rPr lang="en-US" dirty="0" err="1"/>
-              <a:t>mydb</a:t>
-            </a:r>
-            <a:r>
-              <a:rPr lang="en-US" dirty="0"/>
-              <a:t> = </a:t>
-            </a:r>
-            <a:r>
-              <a:rPr lang="en-US" dirty="0" err="1"/>
-              <a:t>mysql.connector.connect</a:t>
-            </a:r>
-            <a:r>
-              <a:rPr lang="en-US" dirty="0"/>
-              <a:t>(</a:t>
-            </a:r>
-            <a:br>
-              <a:rPr lang="en-US" dirty="0"/>
-            </a:br>
-            <a:r>
-              <a:rPr lang="en-US" sz="2200" dirty="0"/>
-              <a:t>  host="localhost",</a:t>
-            </a:r>
-            <a:br>
-              <a:rPr lang="en-US" sz="2200" dirty="0"/>
-            </a:br>
-            <a:r>
-              <a:rPr lang="en-US" sz="2200" dirty="0"/>
-              <a:t>  user="</a:t>
-            </a:r>
-            <a:r>
-              <a:rPr lang="en-US" sz="2200" i="1" dirty="0" err="1"/>
-              <a:t>yourusername</a:t>
-            </a:r>
-            <a:r>
-              <a:rPr lang="en-US" sz="2200" dirty="0"/>
-              <a:t>",</a:t>
-            </a:r>
-            <a:br>
-              <a:rPr lang="en-US" sz="2200" dirty="0"/>
-            </a:br>
-            <a:r>
-              <a:rPr lang="en-US" sz="2200" dirty="0"/>
-              <a:t>  passwd="</a:t>
-            </a:r>
-            <a:r>
-              <a:rPr lang="en-US" sz="2200" i="1" dirty="0" err="1"/>
-              <a:t>yourpassword</a:t>
-            </a:r>
-            <a:r>
-              <a:rPr lang="en-US" sz="2200" dirty="0"/>
-              <a:t>"</a:t>
-            </a:r>
-            <a:br>
-              <a:rPr lang="en-US" dirty="0"/>
-            </a:br>
-            <a:r>
-              <a:rPr lang="en-US" dirty="0"/>
-              <a:t>)</a:t>
-            </a:r>
-            <a:br>
-              <a:rPr lang="en-US" dirty="0"/>
-            </a:br>
-            <a:br>
-              <a:rPr lang="en-US" dirty="0"/>
-            </a:br>
-            <a:r>
-              <a:rPr lang="en-US" dirty="0" err="1"/>
-              <a:t>mycursor</a:t>
-            </a:r>
-            <a:r>
-              <a:rPr lang="en-US" dirty="0"/>
-              <a:t> = </a:t>
-            </a:r>
-            <a:r>
-              <a:rPr lang="en-US" dirty="0" err="1"/>
-              <a:t>mydb.cursor</a:t>
-            </a:r>
-            <a:r>
-              <a:rPr lang="en-US" dirty="0"/>
-              <a:t>()</a:t>
-            </a:r>
-            <a:br>
-              <a:rPr lang="en-US" dirty="0"/>
-            </a:br>
-            <a:br>
-              <a:rPr lang="en-US" dirty="0"/>
-            </a:br>
-            <a:r>
-              <a:rPr lang="en-US" dirty="0" err="1"/>
-              <a:t>mycursor.execute</a:t>
-            </a:r>
-            <a:r>
-              <a:rPr lang="en-US" dirty="0"/>
-              <a:t>("CREATE DATABASE </a:t>
-            </a:r>
-            <a:r>
-              <a:rPr lang="en-US" dirty="0" err="1"/>
-              <a:t>mydatabase</a:t>
-            </a:r>
-            <a:r>
-              <a:rPr lang="en-US" dirty="0"/>
-              <a:t>")</a:t>
-            </a:r>
-            <a:br>
-              <a:rPr lang="en-US" dirty="0"/>
-            </a:br>
-            <a:br>
-              <a:rPr lang="en-US" dirty="0"/>
-            </a:br>
-            <a:r>
-              <a:rPr lang="en-US" dirty="0" err="1"/>
-              <a:t>mycursor.execute</a:t>
-            </a:r>
-            <a:r>
-              <a:rPr lang="en-US" dirty="0"/>
-              <a:t>("SHOW DATABASES")</a:t>
-            </a:r>
-            <a:br>
-              <a:rPr lang="en-US" dirty="0"/>
-            </a:br>
-            <a:r>
-              <a:rPr lang="en-US" dirty="0"/>
-              <a:t>for x in </a:t>
-            </a:r>
-            <a:r>
-              <a:rPr lang="en-US" dirty="0" err="1"/>
-              <a:t>mycursor</a:t>
-            </a:r>
-            <a:r>
-              <a:rPr lang="en-US" dirty="0"/>
-              <a:t>:</a:t>
-            </a:r>
-            <a:br>
-              <a:rPr lang="en-US" dirty="0"/>
-            </a:br>
-            <a:r>
-              <a:rPr lang="en-US" dirty="0"/>
-              <a:t>  print(x)</a:t>
-            </a:r>
-          </a:p>
-          <a:p>
-            <a:pPr marL="0" indent="0">
-              <a:buNone/>
-            </a:pPr>
-            <a:endParaRPr lang="en-US" dirty="0"/>
-          </a:p>
-          <a:p>
-            <a:pPr marL="0" indent="0">
-              <a:buNone/>
-            </a:pPr>
-            <a:r>
-              <a:rPr lang="en-US" dirty="0" err="1"/>
-              <a:t>mycursor.execute</a:t>
-            </a:r>
-            <a:r>
-              <a:rPr lang="en-US" dirty="0"/>
-              <a:t>("</a:t>
-            </a:r>
-            <a:r>
-              <a:rPr lang="en-US" sz="2200" dirty="0"/>
-              <a:t>CREATE TABLE </a:t>
-            </a:r>
-            <a:r>
-              <a:rPr lang="en-US" sz="2400" dirty="0" err="1"/>
-              <a:t>mydatabase</a:t>
-            </a:r>
-            <a:r>
-              <a:rPr lang="en-US" sz="2400" dirty="0"/>
-              <a:t> .</a:t>
-            </a:r>
-            <a:r>
-              <a:rPr lang="en-US" sz="2200" dirty="0"/>
-              <a:t>customers (name VARCHAR(255), address VARCHAR(255))</a:t>
-            </a:r>
-            <a:r>
-              <a:rPr lang="en-US" dirty="0"/>
-              <a:t>")</a:t>
-            </a:r>
+            <a:endParaRPr lang="en-US"/>
           </a:p>
         </p:txBody>
       </p:sp>
     </p:spTree>
     <p:extLst>
       <p:ext uri="{BB962C8B-B14F-4D97-AF65-F5344CB8AC3E}">
-        <p14:creationId xmlns:p14="http://schemas.microsoft.com/office/powerpoint/2010/main" val="614624238"/>
+        <p14:creationId xmlns:p14="http://schemas.microsoft.com/office/powerpoint/2010/main" val="748321270"/>
       </p:ext>
     </p:extLst>
   </p:cSld>
@@ -9162,7 +8968,7 @@
           <p:cNvPr id="2" name="Title 1">
             <a:extLst>
               <a:ext uri="{FF2B5EF4-FFF2-40B4-BE49-F238E27FC236}">
-                <a16:creationId xmlns:a16="http://schemas.microsoft.com/office/drawing/2014/main" id="{AD431ACD-7099-4EAF-9DE3-A333D7335DC1}"/>
+                <a16:creationId xmlns:a16="http://schemas.microsoft.com/office/drawing/2014/main" id="{95131B0B-D1C0-47E5-949C-C3023D44D591}"/>
               </a:ext>
             </a:extLst>
           </p:cNvPr>
@@ -9173,27 +8979,16 @@
             <p:ph type="title"/>
           </p:nvPr>
         </p:nvSpPr>
-        <p:spPr>
-          <a:xfrm>
-            <a:off x="297712" y="777254"/>
-            <a:ext cx="11056088" cy="832606"/>
-          </a:xfrm>
-        </p:spPr>
+        <p:spPr/>
         <p:txBody>
           <a:bodyPr/>
           <a:lstStyle/>
           <a:p>
             <a:r>
-              <a:rPr lang="en-US" dirty="0" err="1">
+              <a:rPr lang="en-US" dirty="0">
                 <a:latin typeface="Arial Black" panose="020B0A04020102020204" pitchFamily="34" charset="0"/>
               </a:rPr>
-              <a:t>Mysql</a:t>
-            </a:r>
-            <a:r>
-              <a:rPr lang="en-US" dirty="0">
-                <a:latin typeface="Arial Black" panose="020B0A04020102020204" pitchFamily="34" charset="0"/>
-              </a:rPr>
-              <a:t> Insert</a:t>
+              <a:t>Database Table</a:t>
             </a:r>
           </a:p>
         </p:txBody>
@@ -9203,7 +8998,7 @@
           <p:cNvPr id="3" name="Content Placeholder 2">
             <a:extLst>
               <a:ext uri="{FF2B5EF4-FFF2-40B4-BE49-F238E27FC236}">
-                <a16:creationId xmlns:a16="http://schemas.microsoft.com/office/drawing/2014/main" id="{35547CFE-5781-4F85-8E9F-9E5A51607868}"/>
+                <a16:creationId xmlns:a16="http://schemas.microsoft.com/office/drawing/2014/main" id="{87303297-CEAA-40D1-9817-6C406BA6026D}"/>
               </a:ext>
             </a:extLst>
           </p:cNvPr>
@@ -9214,16 +9009,9 @@
             <p:ph idx="1"/>
           </p:nvPr>
         </p:nvSpPr>
-        <p:spPr>
-          <a:xfrm>
-            <a:off x="297712" y="1623704"/>
-            <a:ext cx="11632018" cy="4936583"/>
-          </a:xfrm>
-        </p:spPr>
-        <p:txBody>
-          <a:bodyPr>
-            <a:normAutofit fontScale="85000" lnSpcReduction="20000"/>
-          </a:bodyPr>
+        <p:spPr/>
+        <p:txBody>
+          <a:bodyPr/>
           <a:lstStyle/>
           <a:p>
             <a:pPr marL="0" indent="0">
@@ -9231,206 +9019,45 @@
             </a:pPr>
             <a:r>
               <a:rPr lang="en-US" dirty="0"/>
-              <a:t>import </a:t>
-            </a:r>
-            <a:r>
-              <a:rPr lang="en-US" dirty="0" err="1"/>
-              <a:t>mysql.connector</a:t>
-            </a:r>
-            <a:br>
-              <a:rPr lang="en-US" dirty="0"/>
-            </a:br>
-            <a:br>
-              <a:rPr lang="en-US" dirty="0"/>
-            </a:br>
-            <a:r>
-              <a:rPr lang="en-US" dirty="0" err="1"/>
-              <a:t>mydb</a:t>
-            </a:r>
-            <a:r>
-              <a:rPr lang="en-US" dirty="0"/>
-              <a:t> = </a:t>
-            </a:r>
-            <a:r>
-              <a:rPr lang="en-US" dirty="0" err="1"/>
-              <a:t>mysql.connector.connect</a:t>
-            </a:r>
-            <a:r>
-              <a:rPr lang="en-US" dirty="0"/>
-              <a:t>(</a:t>
-            </a:r>
-            <a:br>
-              <a:rPr lang="en-US" dirty="0"/>
-            </a:br>
-            <a:r>
-              <a:rPr lang="en-US" sz="2400" dirty="0"/>
-              <a:t>  host="localhost",</a:t>
-            </a:r>
-            <a:br>
-              <a:rPr lang="en-US" sz="2400" dirty="0"/>
-            </a:br>
-            <a:r>
-              <a:rPr lang="en-US" sz="2400" dirty="0"/>
-              <a:t>  user="</a:t>
-            </a:r>
-            <a:r>
-              <a:rPr lang="en-US" sz="2400" i="1" dirty="0" err="1"/>
-              <a:t>yourusername</a:t>
-            </a:r>
-            <a:r>
-              <a:rPr lang="en-US" sz="2400" dirty="0"/>
-              <a:t>",</a:t>
-            </a:r>
-            <a:br>
-              <a:rPr lang="en-US" sz="2400" dirty="0"/>
-            </a:br>
-            <a:r>
-              <a:rPr lang="en-US" sz="2400" dirty="0"/>
-              <a:t>  passwd="</a:t>
-            </a:r>
-            <a:r>
-              <a:rPr lang="en-US" sz="2400" i="1" dirty="0" err="1"/>
-              <a:t>yourpassword</a:t>
-            </a:r>
-            <a:r>
-              <a:rPr lang="en-US" sz="2400" dirty="0"/>
-              <a:t>",</a:t>
-            </a:r>
-            <a:br>
-              <a:rPr lang="en-US" sz="2400" dirty="0"/>
-            </a:br>
-            <a:r>
-              <a:rPr lang="en-US" sz="2400" dirty="0"/>
-              <a:t>  database="</a:t>
-            </a:r>
-            <a:r>
-              <a:rPr lang="en-US" sz="2400" dirty="0" err="1"/>
-              <a:t>mydatabase</a:t>
-            </a:r>
-            <a:r>
-              <a:rPr lang="en-US" sz="2400" dirty="0"/>
-              <a:t>"</a:t>
-            </a:r>
-            <a:br>
-              <a:rPr lang="en-US" dirty="0"/>
-            </a:br>
-            <a:r>
-              <a:rPr lang="en-US" dirty="0"/>
-              <a:t>)</a:t>
-            </a:r>
-            <a:br>
-              <a:rPr lang="en-US" dirty="0"/>
-            </a:br>
-            <a:br>
-              <a:rPr lang="en-US" dirty="0"/>
-            </a:br>
-            <a:r>
-              <a:rPr lang="en-US" dirty="0" err="1"/>
-              <a:t>mycursor</a:t>
-            </a:r>
-            <a:r>
-              <a:rPr lang="en-US" dirty="0"/>
-              <a:t> = </a:t>
-            </a:r>
-            <a:r>
-              <a:rPr lang="en-US" dirty="0" err="1"/>
-              <a:t>mydb.cursor</a:t>
-            </a:r>
-            <a:r>
-              <a:rPr lang="en-US" dirty="0"/>
-              <a:t>()</a:t>
-            </a:r>
-            <a:br>
-              <a:rPr lang="en-US" dirty="0"/>
-            </a:br>
-            <a:br>
-              <a:rPr lang="en-US" dirty="0"/>
-            </a:br>
-            <a:r>
-              <a:rPr lang="en-US" dirty="0" err="1"/>
-              <a:t>sql</a:t>
-            </a:r>
-            <a:r>
-              <a:rPr lang="en-US" dirty="0"/>
-              <a:t> = "INSERT INTO customers (name, address) VALUES (%s, %s)"</a:t>
-            </a:r>
-            <a:br>
-              <a:rPr lang="en-US" dirty="0"/>
-            </a:br>
-            <a:r>
-              <a:rPr lang="en-US" dirty="0" err="1"/>
-              <a:t>val</a:t>
-            </a:r>
-            <a:r>
-              <a:rPr lang="en-US" dirty="0"/>
-              <a:t> = ("John", "Highway 21")</a:t>
-            </a:r>
-            <a:br>
-              <a:rPr lang="en-US" dirty="0"/>
-            </a:br>
-            <a:r>
-              <a:rPr lang="en-US" dirty="0" err="1"/>
-              <a:t>mycursor.execute</a:t>
-            </a:r>
-            <a:r>
-              <a:rPr lang="en-US" dirty="0"/>
-              <a:t>(</a:t>
-            </a:r>
-            <a:r>
-              <a:rPr lang="en-US" dirty="0" err="1"/>
-              <a:t>sql</a:t>
-            </a:r>
-            <a:r>
-              <a:rPr lang="en-US" dirty="0"/>
-              <a:t>, </a:t>
-            </a:r>
-            <a:r>
-              <a:rPr lang="en-US" dirty="0" err="1"/>
-              <a:t>val</a:t>
-            </a:r>
-            <a:r>
-              <a:rPr lang="en-US" dirty="0"/>
-              <a:t>)</a:t>
-            </a:r>
-            <a:br>
-              <a:rPr lang="en-US" dirty="0"/>
-            </a:br>
-            <a:br>
-              <a:rPr lang="en-US" b="1" dirty="0"/>
-            </a:br>
-            <a:r>
-              <a:rPr lang="en-US" b="1" dirty="0" err="1"/>
-              <a:t>mydb.commit</a:t>
-            </a:r>
-            <a:r>
-              <a:rPr lang="en-US" b="1" dirty="0"/>
-              <a:t>()</a:t>
-            </a:r>
-            <a:br>
-              <a:rPr lang="en-US" b="1" dirty="0"/>
-            </a:br>
-            <a:br>
-              <a:rPr lang="en-US" dirty="0"/>
-            </a:br>
-            <a:r>
-              <a:rPr lang="en-US" dirty="0"/>
-              <a:t>print(</a:t>
-            </a:r>
-            <a:r>
-              <a:rPr lang="en-US" dirty="0" err="1"/>
-              <a:t>mycursor.rowcount</a:t>
-            </a:r>
-            <a:r>
-              <a:rPr lang="en-US" dirty="0"/>
-              <a:t>, "record inserted.")</a:t>
-            </a:r>
-          </a:p>
-        </p:txBody>
-      </p:sp>
+              <a:t>Here is a Sample DB table with name “Customers”</a:t>
+            </a:r>
+          </a:p>
+        </p:txBody>
+      </p:sp>
+      <p:pic>
+        <p:nvPicPr>
+          <p:cNvPr id="4" name="Picture 3">
+            <a:extLst>
+              <a:ext uri="{FF2B5EF4-FFF2-40B4-BE49-F238E27FC236}">
+                <a16:creationId xmlns:a16="http://schemas.microsoft.com/office/drawing/2014/main" id="{E6D124D0-7912-4A90-B72C-C2A0F86B47B1}"/>
+              </a:ext>
+            </a:extLst>
+          </p:cNvPr>
+          <p:cNvPicPr>
+            <a:picLocks noChangeAspect="1"/>
+          </p:cNvPicPr>
+          <p:nvPr/>
+        </p:nvPicPr>
+        <p:blipFill>
+          <a:blip r:embed="rId2"/>
+          <a:stretch>
+            <a:fillRect/>
+          </a:stretch>
+        </p:blipFill>
+        <p:spPr>
+          <a:xfrm>
+            <a:off x="838200" y="2651267"/>
+            <a:ext cx="10345594" cy="3429479"/>
+          </a:xfrm>
+          <a:prstGeom prst="rect">
+            <a:avLst/>
+          </a:prstGeom>
+        </p:spPr>
+      </p:pic>
     </p:spTree>
     <p:extLst>
       <p:ext uri="{BB962C8B-B14F-4D97-AF65-F5344CB8AC3E}">
-        <p14:creationId xmlns:p14="http://schemas.microsoft.com/office/powerpoint/2010/main" val="3881282778"/>
+        <p14:creationId xmlns:p14="http://schemas.microsoft.com/office/powerpoint/2010/main" val="24722977"/>
       </p:ext>
     </p:extLst>
   </p:cSld>
@@ -9462,7 +9089,7 @@
           <p:cNvPr id="2" name="Title 1">
             <a:extLst>
               <a:ext uri="{FF2B5EF4-FFF2-40B4-BE49-F238E27FC236}">
-                <a16:creationId xmlns:a16="http://schemas.microsoft.com/office/drawing/2014/main" id="{41B18959-72BD-4E44-8268-3BF886C40BEA}"/>
+                <a16:creationId xmlns:a16="http://schemas.microsoft.com/office/drawing/2014/main" id="{DA67D955-F692-4DEE-B263-5C42DE3282C1}"/>
               </a:ext>
             </a:extLst>
           </p:cNvPr>
@@ -9484,7 +9111,7 @@
               <a:rPr lang="en-US" dirty="0">
                 <a:latin typeface="Arial Black" panose="020B0A04020102020204" pitchFamily="34" charset="0"/>
               </a:rPr>
-              <a:t>Python MySQL Select From</a:t>
+              <a:t>CREATE TABLE</a:t>
             </a:r>
           </a:p>
         </p:txBody>
@@ -9494,7 +9121,7 @@
           <p:cNvPr id="3" name="Content Placeholder 2">
             <a:extLst>
               <a:ext uri="{FF2B5EF4-FFF2-40B4-BE49-F238E27FC236}">
-                <a16:creationId xmlns:a16="http://schemas.microsoft.com/office/drawing/2014/main" id="{CAEA1989-31AF-4C1E-8681-C039B426E472}"/>
+                <a16:creationId xmlns:a16="http://schemas.microsoft.com/office/drawing/2014/main" id="{588CC84A-6B51-4C76-A9C4-C66EB2063402}"/>
               </a:ext>
             </a:extLst>
           </p:cNvPr>
@@ -9508,184 +9135,207 @@
         <p:spPr/>
         <p:txBody>
           <a:bodyPr>
-            <a:normAutofit fontScale="85000" lnSpcReduction="20000"/>
+            <a:normAutofit fontScale="92500" lnSpcReduction="20000"/>
           </a:bodyPr>
           <a:lstStyle/>
           <a:p>
-            <a:pPr marL="0" indent="0">
-              <a:buNone/>
-            </a:pPr>
-            <a:r>
-              <a:rPr lang="en-US" dirty="0"/>
-              <a:t>import </a:t>
+            <a:r>
+              <a:rPr lang="en-US" dirty="0">
+                <a:solidFill>
+                  <a:srgbClr val="00B050"/>
+                </a:solidFill>
+              </a:rPr>
+              <a:t>CREATE TABLE </a:t>
+            </a:r>
+            <a:r>
+              <a:rPr lang="en-US" i="1" dirty="0" err="1">
+                <a:solidFill>
+                  <a:srgbClr val="00B050"/>
+                </a:solidFill>
+              </a:rPr>
+              <a:t>table_name</a:t>
+            </a:r>
+            <a:r>
+              <a:rPr lang="en-US" i="1" dirty="0">
+                <a:solidFill>
+                  <a:srgbClr val="00B050"/>
+                </a:solidFill>
+              </a:rPr>
+              <a:t> </a:t>
+            </a:r>
+            <a:r>
+              <a:rPr lang="en-US" dirty="0">
+                <a:solidFill>
+                  <a:srgbClr val="00B050"/>
+                </a:solidFill>
+              </a:rPr>
+              <a:t>(</a:t>
+            </a:r>
+            <a:br>
+              <a:rPr lang="en-US" dirty="0">
+                <a:solidFill>
+                  <a:srgbClr val="00B050"/>
+                </a:solidFill>
+              </a:rPr>
+            </a:br>
+            <a:r>
+              <a:rPr lang="en-US" i="1" dirty="0">
+                <a:solidFill>
+                  <a:srgbClr val="00B050"/>
+                </a:solidFill>
+              </a:rPr>
+              <a:t>    column1 datatype</a:t>
+            </a:r>
+            <a:r>
+              <a:rPr lang="en-US" dirty="0">
+                <a:solidFill>
+                  <a:srgbClr val="00B050"/>
+                </a:solidFill>
+              </a:rPr>
+              <a:t>,</a:t>
+            </a:r>
+            <a:br>
+              <a:rPr lang="en-US" dirty="0">
+                <a:solidFill>
+                  <a:srgbClr val="00B050"/>
+                </a:solidFill>
+              </a:rPr>
+            </a:br>
+            <a:r>
+              <a:rPr lang="en-US" i="1" dirty="0">
+                <a:solidFill>
+                  <a:srgbClr val="00B050"/>
+                </a:solidFill>
+              </a:rPr>
+              <a:t>    column2 datatype</a:t>
+            </a:r>
+            <a:r>
+              <a:rPr lang="en-US" dirty="0">
+                <a:solidFill>
+                  <a:srgbClr val="00B050"/>
+                </a:solidFill>
+              </a:rPr>
+              <a:t>,</a:t>
+            </a:r>
+            <a:br>
+              <a:rPr lang="en-US" dirty="0">
+                <a:solidFill>
+                  <a:srgbClr val="00B050"/>
+                </a:solidFill>
+              </a:rPr>
+            </a:br>
+            <a:r>
+              <a:rPr lang="en-US" i="1" dirty="0">
+                <a:solidFill>
+                  <a:srgbClr val="00B050"/>
+                </a:solidFill>
+              </a:rPr>
+              <a:t>    column3 datatype</a:t>
+            </a:r>
+            <a:r>
+              <a:rPr lang="en-US" dirty="0">
+                <a:solidFill>
+                  <a:srgbClr val="00B050"/>
+                </a:solidFill>
+              </a:rPr>
+              <a:t>,</a:t>
+            </a:r>
+            <a:br>
+              <a:rPr lang="en-US" dirty="0">
+                <a:solidFill>
+                  <a:srgbClr val="00B050"/>
+                </a:solidFill>
+              </a:rPr>
+            </a:br>
+            <a:r>
+              <a:rPr lang="en-US" dirty="0">
+                <a:solidFill>
+                  <a:srgbClr val="00B050"/>
+                </a:solidFill>
+              </a:rPr>
+              <a:t>   ....</a:t>
+            </a:r>
+            <a:br>
+              <a:rPr lang="en-US" dirty="0">
+                <a:solidFill>
+                  <a:srgbClr val="00B050"/>
+                </a:solidFill>
+              </a:rPr>
+            </a:br>
+            <a:r>
+              <a:rPr lang="en-US" dirty="0">
+                <a:solidFill>
+                  <a:srgbClr val="00B050"/>
+                </a:solidFill>
+              </a:rPr>
+              <a:t>);</a:t>
+            </a:r>
+          </a:p>
+          <a:p>
+            <a:endParaRPr lang="en-US" dirty="0"/>
+          </a:p>
+          <a:p>
+            <a:r>
+              <a:rPr lang="en-US" dirty="0"/>
+              <a:t>CREATE TABLE Persons (</a:t>
+            </a:r>
+            <a:br>
+              <a:rPr lang="en-US" dirty="0"/>
+            </a:br>
+            <a:r>
+              <a:rPr lang="en-US" dirty="0"/>
+              <a:t>    </a:t>
             </a:r>
             <a:r>
               <a:rPr lang="en-US" dirty="0" err="1"/>
-              <a:t>mysql.connector</a:t>
-            </a:r>
-            <a:br>
-              <a:rPr lang="en-US" dirty="0"/>
-            </a:br>
-            <a:br>
-              <a:rPr lang="en-US" dirty="0"/>
-            </a:br>
+              <a:t>PersonID</a:t>
+            </a:r>
+            <a:r>
+              <a:rPr lang="en-US" dirty="0"/>
+              <a:t> int,</a:t>
+            </a:r>
+            <a:br>
+              <a:rPr lang="en-US" dirty="0"/>
+            </a:br>
+            <a:r>
+              <a:rPr lang="en-US" dirty="0"/>
+              <a:t>    </a:t>
+            </a:r>
             <a:r>
               <a:rPr lang="en-US" dirty="0" err="1"/>
-              <a:t>mydb</a:t>
-            </a:r>
-            <a:r>
-              <a:rPr lang="en-US" dirty="0"/>
-              <a:t> = </a:t>
-            </a:r>
-            <a:r>
-              <a:rPr lang="en-US" dirty="0" err="1"/>
-              <a:t>mysql.connector.connect</a:t>
-            </a:r>
-            <a:r>
-              <a:rPr lang="en-US" dirty="0"/>
-              <a:t>(</a:t>
-            </a:r>
-            <a:br>
-              <a:rPr lang="en-US" dirty="0"/>
-            </a:br>
-            <a:r>
-              <a:rPr lang="en-US" sz="2400" dirty="0"/>
-              <a:t>  host="localhost",</a:t>
-            </a:r>
-            <a:br>
-              <a:rPr lang="en-US" sz="2400" dirty="0"/>
-            </a:br>
-            <a:r>
-              <a:rPr lang="en-US" sz="2400" dirty="0"/>
-              <a:t>  user="</a:t>
-            </a:r>
-            <a:r>
-              <a:rPr lang="en-US" sz="2400" i="1" dirty="0" err="1"/>
-              <a:t>yourusername</a:t>
-            </a:r>
-            <a:r>
-              <a:rPr lang="en-US" sz="2400" dirty="0"/>
-              <a:t>",</a:t>
-            </a:r>
-            <a:br>
-              <a:rPr lang="en-US" sz="2400" dirty="0"/>
-            </a:br>
-            <a:r>
-              <a:rPr lang="en-US" sz="2400" dirty="0"/>
-              <a:t>  passwd="</a:t>
-            </a:r>
-            <a:r>
-              <a:rPr lang="en-US" sz="2400" i="1" dirty="0" err="1"/>
-              <a:t>yourpassword</a:t>
-            </a:r>
-            <a:r>
-              <a:rPr lang="en-US" sz="2400" dirty="0"/>
-              <a:t>",</a:t>
-            </a:r>
-            <a:br>
-              <a:rPr lang="en-US" sz="2400" dirty="0"/>
-            </a:br>
-            <a:r>
-              <a:rPr lang="en-US" sz="2400" dirty="0"/>
-              <a:t>  database="</a:t>
-            </a:r>
-            <a:r>
-              <a:rPr lang="en-US" sz="2400" dirty="0" err="1"/>
-              <a:t>mydatabase</a:t>
-            </a:r>
-            <a:r>
-              <a:rPr lang="en-US" sz="2400" dirty="0"/>
-              <a:t>"</a:t>
-            </a:r>
-            <a:br>
-              <a:rPr lang="en-US" dirty="0"/>
-            </a:br>
-            <a:r>
-              <a:rPr lang="en-US" dirty="0"/>
-              <a:t>)</a:t>
-            </a:r>
-            <a:br>
-              <a:rPr lang="en-US" dirty="0"/>
-            </a:br>
-            <a:br>
-              <a:rPr lang="en-US" dirty="0"/>
-            </a:br>
-            <a:r>
-              <a:rPr lang="en-US" dirty="0" err="1"/>
-              <a:t>mycursor</a:t>
-            </a:r>
-            <a:r>
-              <a:rPr lang="en-US" dirty="0"/>
-              <a:t> = </a:t>
-            </a:r>
-            <a:r>
-              <a:rPr lang="en-US" dirty="0" err="1"/>
-              <a:t>mydb.cursor</a:t>
-            </a:r>
-            <a:r>
-              <a:rPr lang="en-US" dirty="0"/>
-              <a:t>()</a:t>
-            </a:r>
-            <a:br>
-              <a:rPr lang="en-US" dirty="0"/>
-            </a:br>
-            <a:br>
-              <a:rPr lang="en-US" dirty="0"/>
-            </a:br>
-            <a:r>
-              <a:rPr lang="en-US" dirty="0" err="1"/>
-              <a:t>mycursor.execute</a:t>
-            </a:r>
-            <a:r>
-              <a:rPr lang="en-US" dirty="0"/>
-              <a:t>("SELECT * FROM customers")</a:t>
-            </a:r>
-            <a:br>
-              <a:rPr lang="en-US" dirty="0"/>
-            </a:br>
-            <a:br>
-              <a:rPr lang="en-US" dirty="0"/>
-            </a:br>
-            <a:r>
-              <a:rPr lang="en-US" dirty="0" err="1"/>
-              <a:t>myresult</a:t>
-            </a:r>
-            <a:r>
-              <a:rPr lang="en-US" dirty="0"/>
-              <a:t> = </a:t>
-            </a:r>
-            <a:r>
-              <a:rPr lang="en-US" dirty="0" err="1"/>
-              <a:t>mycursor.fetchall</a:t>
-            </a:r>
-            <a:r>
-              <a:rPr lang="en-US" dirty="0"/>
-              <a:t>()</a:t>
-            </a:r>
-            <a:br>
-              <a:rPr lang="en-US" dirty="0"/>
-            </a:br>
-            <a:br>
-              <a:rPr lang="en-US" dirty="0"/>
-            </a:br>
-            <a:r>
-              <a:rPr lang="en-US" dirty="0"/>
-              <a:t>for x in </a:t>
-            </a:r>
-            <a:r>
-              <a:rPr lang="en-US" dirty="0" err="1"/>
-              <a:t>myresult</a:t>
-            </a:r>
-            <a:r>
-              <a:rPr lang="en-US" dirty="0"/>
-              <a:t>:</a:t>
-            </a:r>
-            <a:br>
-              <a:rPr lang="en-US" dirty="0"/>
-            </a:br>
-            <a:r>
-              <a:rPr lang="en-US" dirty="0"/>
-              <a:t>  print(x)</a:t>
+              <a:t>LastName</a:t>
+            </a:r>
+            <a:r>
+              <a:rPr lang="en-US" dirty="0"/>
+              <a:t> varchar(255),</a:t>
+            </a:r>
+            <a:br>
+              <a:rPr lang="en-US" dirty="0"/>
+            </a:br>
+            <a:r>
+              <a:rPr lang="en-US" dirty="0"/>
+              <a:t>    FirstName varchar(255),</a:t>
+            </a:r>
+            <a:br>
+              <a:rPr lang="en-US" dirty="0"/>
+            </a:br>
+            <a:r>
+              <a:rPr lang="en-US" dirty="0"/>
+              <a:t>    Address varchar(255),</a:t>
+            </a:r>
+            <a:br>
+              <a:rPr lang="en-US" dirty="0"/>
+            </a:br>
+            <a:r>
+              <a:rPr lang="en-US" dirty="0"/>
+              <a:t>    City varchar(255)</a:t>
+            </a:r>
+            <a:br>
+              <a:rPr lang="en-US" dirty="0"/>
+            </a:br>
+            <a:r>
+              <a:rPr lang="en-US" dirty="0"/>
+              <a:t>);</a:t>
             </a:r>
           </a:p>
         </p:txBody>
@@ -9693,7 +9343,7 @@
     </p:spTree>
     <p:extLst>
       <p:ext uri="{BB962C8B-B14F-4D97-AF65-F5344CB8AC3E}">
-        <p14:creationId xmlns:p14="http://schemas.microsoft.com/office/powerpoint/2010/main" val="3457508924"/>
+        <p14:creationId xmlns:p14="http://schemas.microsoft.com/office/powerpoint/2010/main" val="2575727909"/>
       </p:ext>
     </p:extLst>
   </p:cSld>
@@ -9725,7 +9375,7 @@
           <p:cNvPr id="2" name="Title 1">
             <a:extLst>
               <a:ext uri="{FF2B5EF4-FFF2-40B4-BE49-F238E27FC236}">
-                <a16:creationId xmlns:a16="http://schemas.microsoft.com/office/drawing/2014/main" id="{41B18959-72BD-4E44-8268-3BF886C40BEA}"/>
+                <a16:creationId xmlns:a16="http://schemas.microsoft.com/office/drawing/2014/main" id="{00848C8C-F48C-4ADD-9457-378783131A4C}"/>
               </a:ext>
             </a:extLst>
           </p:cNvPr>
@@ -9747,7 +9397,7 @@
               <a:rPr lang="en-US" dirty="0">
                 <a:latin typeface="Arial Black" panose="020B0A04020102020204" pitchFamily="34" charset="0"/>
               </a:rPr>
-              <a:t>Python MySQL Update From</a:t>
+              <a:t>INSERT INTO Statement</a:t>
             </a:r>
           </a:p>
         </p:txBody>
@@ -9757,7 +9407,7 @@
           <p:cNvPr id="3" name="Content Placeholder 2">
             <a:extLst>
               <a:ext uri="{FF2B5EF4-FFF2-40B4-BE49-F238E27FC236}">
-                <a16:creationId xmlns:a16="http://schemas.microsoft.com/office/drawing/2014/main" id="{CAEA1989-31AF-4C1E-8681-C039B426E472}"/>
+                <a16:creationId xmlns:a16="http://schemas.microsoft.com/office/drawing/2014/main" id="{70F99C81-5BD3-4E02-BB65-336AA12DF7F8}"/>
               </a:ext>
             </a:extLst>
           </p:cNvPr>
@@ -9768,218 +9418,233 @@
             <p:ph idx="1"/>
           </p:nvPr>
         </p:nvSpPr>
-        <p:spPr>
-          <a:xfrm>
-            <a:off x="838200" y="1623704"/>
-            <a:ext cx="10515600" cy="4936583"/>
-          </a:xfrm>
-        </p:spPr>
-        <p:txBody>
-          <a:bodyPr>
-            <a:normAutofit fontScale="77500" lnSpcReduction="20000"/>
-          </a:bodyPr>
+        <p:spPr/>
+        <p:txBody>
+          <a:bodyPr/>
           <a:lstStyle/>
           <a:p>
-            <a:pPr marL="0" indent="0">
-              <a:buNone/>
-            </a:pPr>
-            <a:r>
-              <a:rPr lang="en-US" dirty="0"/>
-              <a:t>import </a:t>
-            </a:r>
-            <a:r>
-              <a:rPr lang="en-US" dirty="0" err="1"/>
-              <a:t>mysql.connector</a:t>
-            </a:r>
-            <a:br>
-              <a:rPr lang="en-US" dirty="0"/>
-            </a:br>
-            <a:br>
-              <a:rPr lang="en-US" dirty="0"/>
-            </a:br>
-            <a:r>
-              <a:rPr lang="en-US" dirty="0" err="1"/>
-              <a:t>mydb</a:t>
-            </a:r>
-            <a:r>
-              <a:rPr lang="en-US" dirty="0"/>
-              <a:t> = </a:t>
-            </a:r>
-            <a:r>
-              <a:rPr lang="en-US" dirty="0" err="1"/>
-              <a:t>mysql.connector.connect</a:t>
-            </a:r>
-            <a:r>
-              <a:rPr lang="en-US" dirty="0"/>
-              <a:t>(</a:t>
-            </a:r>
-            <a:br>
-              <a:rPr lang="en-US" dirty="0"/>
-            </a:br>
-            <a:r>
-              <a:rPr lang="en-US" dirty="0"/>
-              <a:t>  host="localhost",</a:t>
-            </a:r>
-            <a:br>
-              <a:rPr lang="en-US" dirty="0"/>
-            </a:br>
-            <a:r>
-              <a:rPr lang="en-US" dirty="0"/>
-              <a:t>  user="</a:t>
-            </a:r>
-            <a:r>
-              <a:rPr lang="en-US" i="1" dirty="0" err="1"/>
-              <a:t>yourusername</a:t>
-            </a:r>
-            <a:r>
-              <a:rPr lang="en-US" dirty="0"/>
-              <a:t>",</a:t>
-            </a:r>
-            <a:br>
-              <a:rPr lang="en-US" dirty="0"/>
-            </a:br>
-            <a:r>
-              <a:rPr lang="en-US" dirty="0"/>
-              <a:t>  passwd="</a:t>
-            </a:r>
-            <a:r>
-              <a:rPr lang="en-US" i="1" dirty="0" err="1"/>
-              <a:t>yourpassword</a:t>
-            </a:r>
-            <a:r>
-              <a:rPr lang="en-US" dirty="0"/>
-              <a:t>",</a:t>
-            </a:r>
-            <a:br>
-              <a:rPr lang="en-US" dirty="0"/>
-            </a:br>
-            <a:r>
-              <a:rPr lang="en-US" dirty="0"/>
-              <a:t>  database="</a:t>
-            </a:r>
-            <a:r>
-              <a:rPr lang="en-US" dirty="0" err="1"/>
-              <a:t>mydatabase</a:t>
-            </a:r>
-            <a:r>
-              <a:rPr lang="en-US" dirty="0"/>
-              <a:t>"</a:t>
-            </a:r>
-            <a:br>
-              <a:rPr lang="en-US" dirty="0"/>
-            </a:br>
-            <a:r>
-              <a:rPr lang="en-US" dirty="0"/>
-              <a:t>)</a:t>
-            </a:r>
-            <a:br>
-              <a:rPr lang="en-US" dirty="0"/>
-            </a:br>
-            <a:br>
-              <a:rPr lang="en-US" dirty="0"/>
-            </a:br>
-            <a:r>
-              <a:rPr lang="en-US" dirty="0" err="1"/>
-              <a:t>mycursor</a:t>
-            </a:r>
-            <a:r>
-              <a:rPr lang="en-US" dirty="0"/>
-              <a:t> = </a:t>
-            </a:r>
-            <a:r>
-              <a:rPr lang="en-US" dirty="0" err="1"/>
-              <a:t>mydb.cursor</a:t>
-            </a:r>
-            <a:r>
-              <a:rPr lang="en-US" dirty="0"/>
-              <a:t>()</a:t>
-            </a:r>
-            <a:br>
-              <a:rPr lang="en-US" dirty="0"/>
-            </a:br>
-            <a:br>
-              <a:rPr lang="en-US" dirty="0"/>
-            </a:br>
-            <a:r>
-              <a:rPr lang="en-US" dirty="0" err="1"/>
-              <a:t>sql</a:t>
-            </a:r>
-            <a:r>
-              <a:rPr lang="en-US" dirty="0"/>
-              <a:t> = "UPDATE customers SET address = %s WHERE address = %s"</a:t>
-            </a:r>
-            <a:br>
-              <a:rPr lang="en-US" dirty="0"/>
-            </a:br>
-            <a:r>
-              <a:rPr lang="en-US" dirty="0" err="1"/>
-              <a:t>val</a:t>
-            </a:r>
-            <a:r>
-              <a:rPr lang="en-US" dirty="0"/>
-              <a:t> = ("Valley 345", "Canyon 123")</a:t>
-            </a:r>
-            <a:br>
-              <a:rPr lang="en-US" dirty="0"/>
-            </a:br>
-            <a:br>
-              <a:rPr lang="en-US" dirty="0"/>
-            </a:br>
-            <a:r>
-              <a:rPr lang="en-US" dirty="0" err="1"/>
-              <a:t>mycursor.execute</a:t>
-            </a:r>
-            <a:r>
-              <a:rPr lang="en-US" dirty="0"/>
-              <a:t>(</a:t>
-            </a:r>
-            <a:r>
-              <a:rPr lang="en-US" dirty="0" err="1"/>
-              <a:t>sql</a:t>
-            </a:r>
-            <a:r>
-              <a:rPr lang="en-US" dirty="0"/>
-              <a:t>, </a:t>
-            </a:r>
-            <a:r>
-              <a:rPr lang="en-US" dirty="0" err="1"/>
-              <a:t>val</a:t>
-            </a:r>
-            <a:r>
-              <a:rPr lang="en-US" dirty="0"/>
-              <a:t>)</a:t>
-            </a:r>
-            <a:br>
-              <a:rPr lang="en-US" dirty="0"/>
-            </a:br>
-            <a:br>
-              <a:rPr lang="en-US" dirty="0"/>
-            </a:br>
-            <a:r>
-              <a:rPr lang="en-US" dirty="0" err="1"/>
-              <a:t>mydb.commit</a:t>
-            </a:r>
-            <a:r>
-              <a:rPr lang="en-US" dirty="0"/>
-              <a:t>()</a:t>
-            </a:r>
-            <a:br>
-              <a:rPr lang="en-US" dirty="0"/>
-            </a:br>
-            <a:br>
-              <a:rPr lang="en-US" dirty="0"/>
-            </a:br>
-            <a:r>
-              <a:rPr lang="en-US" dirty="0"/>
-              <a:t>print(</a:t>
-            </a:r>
-            <a:r>
-              <a:rPr lang="en-US" dirty="0" err="1"/>
-              <a:t>mycursor.rowcount</a:t>
-            </a:r>
-            <a:r>
-              <a:rPr lang="en-US" dirty="0"/>
-              <a:t>, "record(s) affected")</a:t>
+            <a:r>
+              <a:rPr lang="en-US" dirty="0">
+                <a:solidFill>
+                  <a:srgbClr val="00B050"/>
+                </a:solidFill>
+              </a:rPr>
+              <a:t>INSERT INTO </a:t>
+            </a:r>
+            <a:r>
+              <a:rPr lang="en-US" i="1" dirty="0" err="1">
+                <a:solidFill>
+                  <a:srgbClr val="00B050"/>
+                </a:solidFill>
+              </a:rPr>
+              <a:t>table_name</a:t>
+            </a:r>
+            <a:r>
+              <a:rPr lang="en-US" dirty="0">
+                <a:solidFill>
+                  <a:srgbClr val="00B050"/>
+                </a:solidFill>
+              </a:rPr>
+              <a:t> (</a:t>
+            </a:r>
+            <a:r>
+              <a:rPr lang="en-US" i="1" dirty="0">
+                <a:solidFill>
+                  <a:srgbClr val="00B050"/>
+                </a:solidFill>
+              </a:rPr>
+              <a:t>column1</a:t>
+            </a:r>
+            <a:r>
+              <a:rPr lang="en-US" dirty="0">
+                <a:solidFill>
+                  <a:srgbClr val="00B050"/>
+                </a:solidFill>
+              </a:rPr>
+              <a:t>,</a:t>
+            </a:r>
+            <a:r>
+              <a:rPr lang="en-US" i="1" dirty="0">
+                <a:solidFill>
+                  <a:srgbClr val="00B050"/>
+                </a:solidFill>
+              </a:rPr>
+              <a:t> column2</a:t>
+            </a:r>
+            <a:r>
+              <a:rPr lang="en-US" dirty="0">
+                <a:solidFill>
+                  <a:srgbClr val="00B050"/>
+                </a:solidFill>
+              </a:rPr>
+              <a:t>,</a:t>
+            </a:r>
+            <a:r>
+              <a:rPr lang="en-US" i="1" dirty="0">
+                <a:solidFill>
+                  <a:srgbClr val="00B050"/>
+                </a:solidFill>
+              </a:rPr>
+              <a:t> column3</a:t>
+            </a:r>
+            <a:r>
+              <a:rPr lang="en-US" dirty="0">
+                <a:solidFill>
+                  <a:srgbClr val="00B050"/>
+                </a:solidFill>
+              </a:rPr>
+              <a:t>, ...)</a:t>
+            </a:r>
+            <a:br>
+              <a:rPr lang="en-US" dirty="0">
+                <a:solidFill>
+                  <a:srgbClr val="00B050"/>
+                </a:solidFill>
+              </a:rPr>
+            </a:br>
+            <a:r>
+              <a:rPr lang="en-US" dirty="0">
+                <a:solidFill>
+                  <a:srgbClr val="00B050"/>
+                </a:solidFill>
+              </a:rPr>
+              <a:t>VALUES (</a:t>
+            </a:r>
+            <a:r>
+              <a:rPr lang="en-US" i="1" dirty="0">
+                <a:solidFill>
+                  <a:srgbClr val="00B050"/>
+                </a:solidFill>
+              </a:rPr>
+              <a:t>value1</a:t>
+            </a:r>
+            <a:r>
+              <a:rPr lang="en-US" dirty="0">
+                <a:solidFill>
+                  <a:srgbClr val="00B050"/>
+                </a:solidFill>
+              </a:rPr>
+              <a:t>,</a:t>
+            </a:r>
+            <a:r>
+              <a:rPr lang="en-US" i="1" dirty="0">
+                <a:solidFill>
+                  <a:srgbClr val="00B050"/>
+                </a:solidFill>
+              </a:rPr>
+              <a:t> value2</a:t>
+            </a:r>
+            <a:r>
+              <a:rPr lang="en-US" dirty="0">
+                <a:solidFill>
+                  <a:srgbClr val="00B050"/>
+                </a:solidFill>
+              </a:rPr>
+              <a:t>,</a:t>
+            </a:r>
+            <a:r>
+              <a:rPr lang="en-US" i="1" dirty="0">
+                <a:solidFill>
+                  <a:srgbClr val="00B050"/>
+                </a:solidFill>
+              </a:rPr>
+              <a:t> value3</a:t>
+            </a:r>
+            <a:r>
+              <a:rPr lang="en-US" dirty="0">
+                <a:solidFill>
+                  <a:srgbClr val="00B050"/>
+                </a:solidFill>
+              </a:rPr>
+              <a:t>, ...);</a:t>
+            </a:r>
+          </a:p>
+          <a:p>
+            <a:endParaRPr lang="en-US" dirty="0">
+              <a:solidFill>
+                <a:srgbClr val="00B050"/>
+              </a:solidFill>
+            </a:endParaRPr>
+          </a:p>
+          <a:p>
+            <a:r>
+              <a:rPr lang="en-US" dirty="0">
+                <a:solidFill>
+                  <a:srgbClr val="00B050"/>
+                </a:solidFill>
+              </a:rPr>
+              <a:t>INSERT INTO </a:t>
+            </a:r>
+            <a:r>
+              <a:rPr lang="en-US" i="1" dirty="0" err="1">
+                <a:solidFill>
+                  <a:srgbClr val="00B050"/>
+                </a:solidFill>
+              </a:rPr>
+              <a:t>table_name</a:t>
+            </a:r>
+            <a:br>
+              <a:rPr lang="en-US" dirty="0">
+                <a:solidFill>
+                  <a:srgbClr val="00B050"/>
+                </a:solidFill>
+              </a:rPr>
+            </a:br>
+            <a:r>
+              <a:rPr lang="en-US" dirty="0">
+                <a:solidFill>
+                  <a:srgbClr val="00B050"/>
+                </a:solidFill>
+              </a:rPr>
+              <a:t>VALUES (</a:t>
+            </a:r>
+            <a:r>
+              <a:rPr lang="en-US" i="1" dirty="0">
+                <a:solidFill>
+                  <a:srgbClr val="00B050"/>
+                </a:solidFill>
+              </a:rPr>
+              <a:t>value1</a:t>
+            </a:r>
+            <a:r>
+              <a:rPr lang="en-US" dirty="0">
+                <a:solidFill>
+                  <a:srgbClr val="00B050"/>
+                </a:solidFill>
+              </a:rPr>
+              <a:t>,</a:t>
+            </a:r>
+            <a:r>
+              <a:rPr lang="en-US" i="1" dirty="0">
+                <a:solidFill>
+                  <a:srgbClr val="00B050"/>
+                </a:solidFill>
+              </a:rPr>
+              <a:t> value2</a:t>
+            </a:r>
+            <a:r>
+              <a:rPr lang="en-US" dirty="0">
+                <a:solidFill>
+                  <a:srgbClr val="00B050"/>
+                </a:solidFill>
+              </a:rPr>
+              <a:t>,</a:t>
+            </a:r>
+            <a:r>
+              <a:rPr lang="en-US" i="1" dirty="0">
+                <a:solidFill>
+                  <a:srgbClr val="00B050"/>
+                </a:solidFill>
+              </a:rPr>
+              <a:t> value3</a:t>
+            </a:r>
+            <a:r>
+              <a:rPr lang="en-US" dirty="0">
+                <a:solidFill>
+                  <a:srgbClr val="00B050"/>
+                </a:solidFill>
+              </a:rPr>
+              <a:t>, ...);</a:t>
             </a:r>
           </a:p>
         </p:txBody>
@@ -9987,7 +9652,7 @@
     </p:spTree>
     <p:extLst>
       <p:ext uri="{BB962C8B-B14F-4D97-AF65-F5344CB8AC3E}">
-        <p14:creationId xmlns:p14="http://schemas.microsoft.com/office/powerpoint/2010/main" val="4021558613"/>
+        <p14:creationId xmlns:p14="http://schemas.microsoft.com/office/powerpoint/2010/main" val="1110585947"/>
       </p:ext>
     </p:extLst>
   </p:cSld>
@@ -10110,6 +9775,2285 @@
 </p:sld>
 </file>
 
+<file path=ppt/slides/slide30.xml><?xml version="1.0" encoding="utf-8"?>
+<p:sld xmlns:a="http://schemas.openxmlformats.org/drawingml/2006/main" xmlns:r="http://schemas.openxmlformats.org/officeDocument/2006/relationships" xmlns:p="http://schemas.openxmlformats.org/presentationml/2006/main">
+  <p:cSld>
+    <p:spTree>
+      <p:nvGrpSpPr>
+        <p:cNvPr id="1" name=""/>
+        <p:cNvGrpSpPr/>
+        <p:nvPr/>
+      </p:nvGrpSpPr>
+      <p:grpSpPr>
+        <a:xfrm>
+          <a:off x="0" y="0"/>
+          <a:ext cx="0" cy="0"/>
+          <a:chOff x="0" y="0"/>
+          <a:chExt cx="0" cy="0"/>
+        </a:xfrm>
+      </p:grpSpPr>
+      <p:sp>
+        <p:nvSpPr>
+          <p:cNvPr id="2" name="Title 1">
+            <a:extLst>
+              <a:ext uri="{FF2B5EF4-FFF2-40B4-BE49-F238E27FC236}">
+                <a16:creationId xmlns:a16="http://schemas.microsoft.com/office/drawing/2014/main" id="{5796BB46-7398-4A43-A441-2F94CBC95F54}"/>
+              </a:ext>
+            </a:extLst>
+          </p:cNvPr>
+          <p:cNvSpPr>
+            <a:spLocks noGrp="1"/>
+          </p:cNvSpPr>
+          <p:nvPr>
+            <p:ph type="title"/>
+          </p:nvPr>
+        </p:nvSpPr>
+        <p:spPr/>
+        <p:txBody>
+          <a:bodyPr>
+            <a:normAutofit/>
+          </a:bodyPr>
+          <a:lstStyle/>
+          <a:p>
+            <a:r>
+              <a:rPr lang="en-US" dirty="0">
+                <a:latin typeface="Arial Black" panose="020B0A04020102020204" pitchFamily="34" charset="0"/>
+              </a:rPr>
+              <a:t>SQL SELECT Statement</a:t>
+            </a:r>
+          </a:p>
+        </p:txBody>
+      </p:sp>
+      <p:sp>
+        <p:nvSpPr>
+          <p:cNvPr id="3" name="Content Placeholder 2">
+            <a:extLst>
+              <a:ext uri="{FF2B5EF4-FFF2-40B4-BE49-F238E27FC236}">
+                <a16:creationId xmlns:a16="http://schemas.microsoft.com/office/drawing/2014/main" id="{E5959C80-C8EE-4DAD-A9AC-471F948C52D5}"/>
+              </a:ext>
+            </a:extLst>
+          </p:cNvPr>
+          <p:cNvSpPr>
+            <a:spLocks noGrp="1"/>
+          </p:cNvSpPr>
+          <p:nvPr>
+            <p:ph idx="1"/>
+          </p:nvPr>
+        </p:nvSpPr>
+        <p:spPr/>
+        <p:txBody>
+          <a:bodyPr/>
+          <a:lstStyle/>
+          <a:p>
+            <a:r>
+              <a:rPr lang="en-US" dirty="0">
+                <a:solidFill>
+                  <a:srgbClr val="00B050"/>
+                </a:solidFill>
+              </a:rPr>
+              <a:t>SELECT </a:t>
+            </a:r>
+            <a:r>
+              <a:rPr lang="en-US" i="1" dirty="0">
+                <a:solidFill>
+                  <a:srgbClr val="00B050"/>
+                </a:solidFill>
+              </a:rPr>
+              <a:t>column1</a:t>
+            </a:r>
+            <a:r>
+              <a:rPr lang="en-US" dirty="0">
+                <a:solidFill>
+                  <a:srgbClr val="00B050"/>
+                </a:solidFill>
+              </a:rPr>
+              <a:t>,</a:t>
+            </a:r>
+            <a:r>
+              <a:rPr lang="en-US" i="1" dirty="0">
+                <a:solidFill>
+                  <a:srgbClr val="00B050"/>
+                </a:solidFill>
+              </a:rPr>
+              <a:t> column2, ...</a:t>
+            </a:r>
+            <a:br>
+              <a:rPr lang="en-US" dirty="0">
+                <a:solidFill>
+                  <a:srgbClr val="00B050"/>
+                </a:solidFill>
+              </a:rPr>
+            </a:br>
+            <a:r>
+              <a:rPr lang="en-US" dirty="0">
+                <a:solidFill>
+                  <a:srgbClr val="00B050"/>
+                </a:solidFill>
+              </a:rPr>
+              <a:t>FROM </a:t>
+            </a:r>
+            <a:r>
+              <a:rPr lang="en-US" i="1" dirty="0" err="1">
+                <a:solidFill>
+                  <a:srgbClr val="00B050"/>
+                </a:solidFill>
+              </a:rPr>
+              <a:t>table_name</a:t>
+            </a:r>
+            <a:r>
+              <a:rPr lang="en-US" dirty="0">
+                <a:solidFill>
+                  <a:srgbClr val="00B050"/>
+                </a:solidFill>
+              </a:rPr>
+              <a:t>;</a:t>
+            </a:r>
+            <a:br>
+              <a:rPr lang="en-US" dirty="0">
+                <a:solidFill>
+                  <a:srgbClr val="00B050"/>
+                </a:solidFill>
+              </a:rPr>
+            </a:br>
+            <a:endParaRPr lang="en-US" dirty="0">
+              <a:solidFill>
+                <a:srgbClr val="00B050"/>
+              </a:solidFill>
+            </a:endParaRPr>
+          </a:p>
+          <a:p>
+            <a:r>
+              <a:rPr lang="en-US" dirty="0">
+                <a:solidFill>
+                  <a:srgbClr val="00B050"/>
+                </a:solidFill>
+              </a:rPr>
+              <a:t>SELECT * FROM </a:t>
+            </a:r>
+            <a:r>
+              <a:rPr lang="en-US" i="1" dirty="0" err="1">
+                <a:solidFill>
+                  <a:srgbClr val="00B050"/>
+                </a:solidFill>
+              </a:rPr>
+              <a:t>table_name</a:t>
+            </a:r>
+            <a:r>
+              <a:rPr lang="en-US" dirty="0">
+                <a:solidFill>
+                  <a:srgbClr val="00B050"/>
+                </a:solidFill>
+              </a:rPr>
+              <a:t>;</a:t>
+            </a:r>
+            <a:br>
+              <a:rPr lang="en-US" dirty="0">
+                <a:solidFill>
+                  <a:srgbClr val="00B050"/>
+                </a:solidFill>
+              </a:rPr>
+            </a:br>
+            <a:endParaRPr lang="en-US" dirty="0">
+              <a:solidFill>
+                <a:srgbClr val="00B050"/>
+              </a:solidFill>
+            </a:endParaRPr>
+          </a:p>
+          <a:p>
+            <a:r>
+              <a:rPr lang="en-US" dirty="0">
+                <a:solidFill>
+                  <a:srgbClr val="00B050"/>
+                </a:solidFill>
+              </a:rPr>
+              <a:t>SELECT DISTINCT </a:t>
+            </a:r>
+            <a:r>
+              <a:rPr lang="en-US" i="1" dirty="0">
+                <a:solidFill>
+                  <a:srgbClr val="00B050"/>
+                </a:solidFill>
+              </a:rPr>
+              <a:t>column1</a:t>
+            </a:r>
+            <a:r>
+              <a:rPr lang="en-US" dirty="0">
+                <a:solidFill>
+                  <a:srgbClr val="00B050"/>
+                </a:solidFill>
+              </a:rPr>
+              <a:t>,</a:t>
+            </a:r>
+            <a:r>
+              <a:rPr lang="en-US" i="1" dirty="0">
+                <a:solidFill>
+                  <a:srgbClr val="00B050"/>
+                </a:solidFill>
+              </a:rPr>
+              <a:t> column2, ...</a:t>
+            </a:r>
+            <a:br>
+              <a:rPr lang="en-US" dirty="0">
+                <a:solidFill>
+                  <a:srgbClr val="00B050"/>
+                </a:solidFill>
+              </a:rPr>
+            </a:br>
+            <a:r>
+              <a:rPr lang="en-US" dirty="0">
+                <a:solidFill>
+                  <a:srgbClr val="00B050"/>
+                </a:solidFill>
+              </a:rPr>
+              <a:t>FROM </a:t>
+            </a:r>
+            <a:r>
+              <a:rPr lang="en-US" i="1" dirty="0" err="1">
+                <a:solidFill>
+                  <a:srgbClr val="00B050"/>
+                </a:solidFill>
+              </a:rPr>
+              <a:t>table_name</a:t>
+            </a:r>
+            <a:r>
+              <a:rPr lang="en-US" dirty="0">
+                <a:solidFill>
+                  <a:srgbClr val="00B050"/>
+                </a:solidFill>
+              </a:rPr>
+              <a:t>;</a:t>
+            </a:r>
+            <a:br>
+              <a:rPr lang="en-US" dirty="0"/>
+            </a:br>
+            <a:endParaRPr lang="en-US" dirty="0"/>
+          </a:p>
+          <a:p>
+            <a:r>
+              <a:rPr lang="en-US" dirty="0"/>
+              <a:t>SELECT COUNT(DISTINCT Country) FROM Customers;</a:t>
+            </a:r>
+          </a:p>
+        </p:txBody>
+      </p:sp>
+    </p:spTree>
+    <p:extLst>
+      <p:ext uri="{BB962C8B-B14F-4D97-AF65-F5344CB8AC3E}">
+        <p14:creationId xmlns:p14="http://schemas.microsoft.com/office/powerpoint/2010/main" val="2614213704"/>
+      </p:ext>
+    </p:extLst>
+  </p:cSld>
+  <p:clrMapOvr>
+    <a:masterClrMapping/>
+  </p:clrMapOvr>
+</p:sld>
+</file>
+
+<file path=ppt/slides/slide31.xml><?xml version="1.0" encoding="utf-8"?>
+<p:sld xmlns:a="http://schemas.openxmlformats.org/drawingml/2006/main" xmlns:r="http://schemas.openxmlformats.org/officeDocument/2006/relationships" xmlns:p="http://schemas.openxmlformats.org/presentationml/2006/main">
+  <p:cSld>
+    <p:spTree>
+      <p:nvGrpSpPr>
+        <p:cNvPr id="1" name=""/>
+        <p:cNvGrpSpPr/>
+        <p:nvPr/>
+      </p:nvGrpSpPr>
+      <p:grpSpPr>
+        <a:xfrm>
+          <a:off x="0" y="0"/>
+          <a:ext cx="0" cy="0"/>
+          <a:chOff x="0" y="0"/>
+          <a:chExt cx="0" cy="0"/>
+        </a:xfrm>
+      </p:grpSpPr>
+      <p:sp>
+        <p:nvSpPr>
+          <p:cNvPr id="2" name="Title 1">
+            <a:extLst>
+              <a:ext uri="{FF2B5EF4-FFF2-40B4-BE49-F238E27FC236}">
+                <a16:creationId xmlns:a16="http://schemas.microsoft.com/office/drawing/2014/main" id="{B2D45B6A-17C1-462E-A566-85B76854E472}"/>
+              </a:ext>
+            </a:extLst>
+          </p:cNvPr>
+          <p:cNvSpPr>
+            <a:spLocks noGrp="1"/>
+          </p:cNvSpPr>
+          <p:nvPr>
+            <p:ph type="title"/>
+          </p:nvPr>
+        </p:nvSpPr>
+        <p:spPr/>
+        <p:txBody>
+          <a:bodyPr>
+            <a:normAutofit/>
+          </a:bodyPr>
+          <a:lstStyle/>
+          <a:p>
+            <a:r>
+              <a:rPr lang="en-US" dirty="0">
+                <a:latin typeface="Arial Black" panose="020B0A04020102020204" pitchFamily="34" charset="0"/>
+              </a:rPr>
+              <a:t>SQL WHERE Clause</a:t>
+            </a:r>
+          </a:p>
+        </p:txBody>
+      </p:sp>
+      <p:sp>
+        <p:nvSpPr>
+          <p:cNvPr id="3" name="Content Placeholder 2">
+            <a:extLst>
+              <a:ext uri="{FF2B5EF4-FFF2-40B4-BE49-F238E27FC236}">
+                <a16:creationId xmlns:a16="http://schemas.microsoft.com/office/drawing/2014/main" id="{AD02E855-7444-4BE5-9475-CF7DB47EDCD6}"/>
+              </a:ext>
+            </a:extLst>
+          </p:cNvPr>
+          <p:cNvSpPr>
+            <a:spLocks noGrp="1"/>
+          </p:cNvSpPr>
+          <p:nvPr>
+            <p:ph idx="1"/>
+          </p:nvPr>
+        </p:nvSpPr>
+        <p:spPr/>
+        <p:txBody>
+          <a:bodyPr/>
+          <a:lstStyle/>
+          <a:p>
+            <a:r>
+              <a:rPr lang="en-US" dirty="0">
+                <a:solidFill>
+                  <a:srgbClr val="00B050"/>
+                </a:solidFill>
+              </a:rPr>
+              <a:t>SELECT </a:t>
+            </a:r>
+            <a:r>
+              <a:rPr lang="en-US" i="1" dirty="0">
+                <a:solidFill>
+                  <a:srgbClr val="00B050"/>
+                </a:solidFill>
+              </a:rPr>
+              <a:t>column1</a:t>
+            </a:r>
+            <a:r>
+              <a:rPr lang="en-US" dirty="0">
+                <a:solidFill>
+                  <a:srgbClr val="00B050"/>
+                </a:solidFill>
+              </a:rPr>
+              <a:t>,</a:t>
+            </a:r>
+            <a:r>
+              <a:rPr lang="en-US" i="1" dirty="0">
+                <a:solidFill>
+                  <a:srgbClr val="00B050"/>
+                </a:solidFill>
+              </a:rPr>
+              <a:t> column2, ...</a:t>
+            </a:r>
+            <a:br>
+              <a:rPr lang="en-US" dirty="0">
+                <a:solidFill>
+                  <a:srgbClr val="00B050"/>
+                </a:solidFill>
+              </a:rPr>
+            </a:br>
+            <a:r>
+              <a:rPr lang="en-US" dirty="0">
+                <a:solidFill>
+                  <a:srgbClr val="00B050"/>
+                </a:solidFill>
+              </a:rPr>
+              <a:t>FROM </a:t>
+            </a:r>
+            <a:r>
+              <a:rPr lang="en-US" i="1" dirty="0" err="1">
+                <a:solidFill>
+                  <a:srgbClr val="00B050"/>
+                </a:solidFill>
+              </a:rPr>
+              <a:t>table_name</a:t>
+            </a:r>
+            <a:br>
+              <a:rPr lang="en-US" dirty="0">
+                <a:solidFill>
+                  <a:srgbClr val="00B050"/>
+                </a:solidFill>
+              </a:rPr>
+            </a:br>
+            <a:r>
+              <a:rPr lang="en-US" dirty="0">
+                <a:solidFill>
+                  <a:srgbClr val="00B050"/>
+                </a:solidFill>
+              </a:rPr>
+              <a:t>WHERE </a:t>
+            </a:r>
+            <a:r>
+              <a:rPr lang="en-US" i="1" dirty="0">
+                <a:solidFill>
+                  <a:srgbClr val="00B050"/>
+                </a:solidFill>
+              </a:rPr>
+              <a:t>condition</a:t>
+            </a:r>
+            <a:r>
+              <a:rPr lang="en-US" dirty="0">
+                <a:solidFill>
+                  <a:srgbClr val="00B050"/>
+                </a:solidFill>
+              </a:rPr>
+              <a:t>;</a:t>
+            </a:r>
+            <a:br>
+              <a:rPr lang="en-US" dirty="0"/>
+            </a:br>
+            <a:endParaRPr lang="en-US" dirty="0"/>
+          </a:p>
+          <a:p>
+            <a:r>
+              <a:rPr lang="en-US" dirty="0"/>
+              <a:t>SELECT * FROM Customers</a:t>
+            </a:r>
+            <a:br>
+              <a:rPr lang="en-US" dirty="0"/>
+            </a:br>
+            <a:r>
+              <a:rPr lang="en-US" dirty="0"/>
+              <a:t>WHERE Country='Mexico’;</a:t>
+            </a:r>
+            <a:br>
+              <a:rPr lang="en-US" dirty="0"/>
+            </a:br>
+            <a:endParaRPr lang="en-US" dirty="0"/>
+          </a:p>
+          <a:p>
+            <a:r>
+              <a:rPr lang="en-US" dirty="0"/>
+              <a:t>SELECT * FROM Customers</a:t>
+            </a:r>
+            <a:br>
+              <a:rPr lang="en-US" dirty="0"/>
+            </a:br>
+            <a:r>
+              <a:rPr lang="en-US" dirty="0"/>
+              <a:t>WHERE </a:t>
+            </a:r>
+            <a:r>
+              <a:rPr lang="en-US" dirty="0" err="1"/>
+              <a:t>CustomerID</a:t>
+            </a:r>
+            <a:r>
+              <a:rPr lang="en-US" dirty="0"/>
+              <a:t>=1;</a:t>
+            </a:r>
+          </a:p>
+        </p:txBody>
+      </p:sp>
+    </p:spTree>
+    <p:extLst>
+      <p:ext uri="{BB962C8B-B14F-4D97-AF65-F5344CB8AC3E}">
+        <p14:creationId xmlns:p14="http://schemas.microsoft.com/office/powerpoint/2010/main" val="1212845088"/>
+      </p:ext>
+    </p:extLst>
+  </p:cSld>
+  <p:clrMapOvr>
+    <a:masterClrMapping/>
+  </p:clrMapOvr>
+</p:sld>
+</file>
+
+<file path=ppt/slides/slide32.xml><?xml version="1.0" encoding="utf-8"?>
+<p:sld xmlns:a="http://schemas.openxmlformats.org/drawingml/2006/main" xmlns:r="http://schemas.openxmlformats.org/officeDocument/2006/relationships" xmlns:p="http://schemas.openxmlformats.org/presentationml/2006/main">
+  <p:cSld>
+    <p:spTree>
+      <p:nvGrpSpPr>
+        <p:cNvPr id="1" name=""/>
+        <p:cNvGrpSpPr/>
+        <p:nvPr/>
+      </p:nvGrpSpPr>
+      <p:grpSpPr>
+        <a:xfrm>
+          <a:off x="0" y="0"/>
+          <a:ext cx="0" cy="0"/>
+          <a:chOff x="0" y="0"/>
+          <a:chExt cx="0" cy="0"/>
+        </a:xfrm>
+      </p:grpSpPr>
+      <p:sp>
+        <p:nvSpPr>
+          <p:cNvPr id="2" name="Title 1">
+            <a:extLst>
+              <a:ext uri="{FF2B5EF4-FFF2-40B4-BE49-F238E27FC236}">
+                <a16:creationId xmlns:a16="http://schemas.microsoft.com/office/drawing/2014/main" id="{7DB00281-B6BA-4302-B63D-14388FF00F9C}"/>
+              </a:ext>
+            </a:extLst>
+          </p:cNvPr>
+          <p:cNvSpPr>
+            <a:spLocks noGrp="1"/>
+          </p:cNvSpPr>
+          <p:nvPr>
+            <p:ph type="title"/>
+          </p:nvPr>
+        </p:nvSpPr>
+        <p:spPr/>
+        <p:txBody>
+          <a:bodyPr>
+            <a:normAutofit/>
+          </a:bodyPr>
+          <a:lstStyle/>
+          <a:p>
+            <a:r>
+              <a:rPr lang="en-US" sz="3600" dirty="0">
+                <a:latin typeface="Arial Black" panose="020B0A04020102020204" pitchFamily="34" charset="0"/>
+              </a:rPr>
+              <a:t>Operators in The WHERE Clause</a:t>
+            </a:r>
+          </a:p>
+        </p:txBody>
+      </p:sp>
+      <p:sp>
+        <p:nvSpPr>
+          <p:cNvPr id="3" name="Content Placeholder 2">
+            <a:extLst>
+              <a:ext uri="{FF2B5EF4-FFF2-40B4-BE49-F238E27FC236}">
+                <a16:creationId xmlns:a16="http://schemas.microsoft.com/office/drawing/2014/main" id="{2B31DD4D-51C6-4F0C-A6A1-23A40301C600}"/>
+              </a:ext>
+            </a:extLst>
+          </p:cNvPr>
+          <p:cNvSpPr>
+            <a:spLocks noGrp="1"/>
+          </p:cNvSpPr>
+          <p:nvPr>
+            <p:ph idx="1"/>
+          </p:nvPr>
+        </p:nvSpPr>
+        <p:spPr/>
+        <p:txBody>
+          <a:bodyPr/>
+          <a:lstStyle/>
+          <a:p>
+            <a:endParaRPr lang="en-US"/>
+          </a:p>
+        </p:txBody>
+      </p:sp>
+      <p:pic>
+        <p:nvPicPr>
+          <p:cNvPr id="4" name="Picture 3">
+            <a:extLst>
+              <a:ext uri="{FF2B5EF4-FFF2-40B4-BE49-F238E27FC236}">
+                <a16:creationId xmlns:a16="http://schemas.microsoft.com/office/drawing/2014/main" id="{CF6E455C-FB7B-43D0-9835-F3AD329F7D47}"/>
+              </a:ext>
+            </a:extLst>
+          </p:cNvPr>
+          <p:cNvPicPr>
+            <a:picLocks noChangeAspect="1"/>
+          </p:cNvPicPr>
+          <p:nvPr/>
+        </p:nvPicPr>
+        <p:blipFill>
+          <a:blip r:embed="rId2"/>
+          <a:stretch>
+            <a:fillRect/>
+          </a:stretch>
+        </p:blipFill>
+        <p:spPr>
+          <a:xfrm>
+            <a:off x="838199" y="1623705"/>
+            <a:ext cx="10515599" cy="5052466"/>
+          </a:xfrm>
+          <a:prstGeom prst="rect">
+            <a:avLst/>
+          </a:prstGeom>
+        </p:spPr>
+      </p:pic>
+    </p:spTree>
+    <p:extLst>
+      <p:ext uri="{BB962C8B-B14F-4D97-AF65-F5344CB8AC3E}">
+        <p14:creationId xmlns:p14="http://schemas.microsoft.com/office/powerpoint/2010/main" val="1767354660"/>
+      </p:ext>
+    </p:extLst>
+  </p:cSld>
+  <p:clrMapOvr>
+    <a:masterClrMapping/>
+  </p:clrMapOvr>
+</p:sld>
+</file>
+
+<file path=ppt/slides/slide33.xml><?xml version="1.0" encoding="utf-8"?>
+<p:sld xmlns:a="http://schemas.openxmlformats.org/drawingml/2006/main" xmlns:r="http://schemas.openxmlformats.org/officeDocument/2006/relationships" xmlns:p="http://schemas.openxmlformats.org/presentationml/2006/main">
+  <p:cSld>
+    <p:spTree>
+      <p:nvGrpSpPr>
+        <p:cNvPr id="1" name=""/>
+        <p:cNvGrpSpPr/>
+        <p:nvPr/>
+      </p:nvGrpSpPr>
+      <p:grpSpPr>
+        <a:xfrm>
+          <a:off x="0" y="0"/>
+          <a:ext cx="0" cy="0"/>
+          <a:chOff x="0" y="0"/>
+          <a:chExt cx="0" cy="0"/>
+        </a:xfrm>
+      </p:grpSpPr>
+      <p:sp>
+        <p:nvSpPr>
+          <p:cNvPr id="2" name="Title 1">
+            <a:extLst>
+              <a:ext uri="{FF2B5EF4-FFF2-40B4-BE49-F238E27FC236}">
+                <a16:creationId xmlns:a16="http://schemas.microsoft.com/office/drawing/2014/main" id="{8DA4D7C5-BFB0-400D-BDBB-6FB8C7969CB2}"/>
+              </a:ext>
+            </a:extLst>
+          </p:cNvPr>
+          <p:cNvSpPr>
+            <a:spLocks noGrp="1"/>
+          </p:cNvSpPr>
+          <p:nvPr>
+            <p:ph type="title"/>
+          </p:nvPr>
+        </p:nvSpPr>
+        <p:spPr/>
+        <p:txBody>
+          <a:bodyPr>
+            <a:normAutofit/>
+          </a:bodyPr>
+          <a:lstStyle/>
+          <a:p>
+            <a:r>
+              <a:rPr lang="en-US" sz="3600" dirty="0">
+                <a:latin typeface="Arial Black" panose="020B0A04020102020204" pitchFamily="34" charset="0"/>
+              </a:rPr>
+              <a:t>SQL AND, OR and NOT Operators</a:t>
+            </a:r>
+          </a:p>
+        </p:txBody>
+      </p:sp>
+      <p:sp>
+        <p:nvSpPr>
+          <p:cNvPr id="3" name="Content Placeholder 2">
+            <a:extLst>
+              <a:ext uri="{FF2B5EF4-FFF2-40B4-BE49-F238E27FC236}">
+                <a16:creationId xmlns:a16="http://schemas.microsoft.com/office/drawing/2014/main" id="{3749694A-2147-4410-9674-BEBD6ED2316F}"/>
+              </a:ext>
+            </a:extLst>
+          </p:cNvPr>
+          <p:cNvSpPr>
+            <a:spLocks noGrp="1"/>
+          </p:cNvSpPr>
+          <p:nvPr>
+            <p:ph idx="1"/>
+          </p:nvPr>
+        </p:nvSpPr>
+        <p:spPr/>
+        <p:txBody>
+          <a:bodyPr>
+            <a:normAutofit lnSpcReduction="10000"/>
+          </a:bodyPr>
+          <a:lstStyle/>
+          <a:p>
+            <a:r>
+              <a:rPr lang="en-US" dirty="0">
+                <a:solidFill>
+                  <a:srgbClr val="00B050"/>
+                </a:solidFill>
+              </a:rPr>
+              <a:t>SELECT </a:t>
+            </a:r>
+            <a:r>
+              <a:rPr lang="en-US" i="1" dirty="0">
+                <a:solidFill>
+                  <a:srgbClr val="00B050"/>
+                </a:solidFill>
+              </a:rPr>
+              <a:t>column1</a:t>
+            </a:r>
+            <a:r>
+              <a:rPr lang="en-US" dirty="0">
+                <a:solidFill>
+                  <a:srgbClr val="00B050"/>
+                </a:solidFill>
+              </a:rPr>
+              <a:t>,</a:t>
+            </a:r>
+            <a:r>
+              <a:rPr lang="en-US" i="1" dirty="0">
+                <a:solidFill>
+                  <a:srgbClr val="00B050"/>
+                </a:solidFill>
+              </a:rPr>
+              <a:t> column2, ...</a:t>
+            </a:r>
+            <a:br>
+              <a:rPr lang="en-US" dirty="0">
+                <a:solidFill>
+                  <a:srgbClr val="00B050"/>
+                </a:solidFill>
+              </a:rPr>
+            </a:br>
+            <a:r>
+              <a:rPr lang="en-US" dirty="0">
+                <a:solidFill>
+                  <a:srgbClr val="00B050"/>
+                </a:solidFill>
+              </a:rPr>
+              <a:t>FROM </a:t>
+            </a:r>
+            <a:r>
+              <a:rPr lang="en-US" i="1" dirty="0" err="1">
+                <a:solidFill>
+                  <a:srgbClr val="00B050"/>
+                </a:solidFill>
+              </a:rPr>
+              <a:t>table_name</a:t>
+            </a:r>
+            <a:br>
+              <a:rPr lang="en-US" dirty="0">
+                <a:solidFill>
+                  <a:srgbClr val="00B050"/>
+                </a:solidFill>
+              </a:rPr>
+            </a:br>
+            <a:r>
+              <a:rPr lang="en-US" dirty="0">
+                <a:solidFill>
+                  <a:srgbClr val="00B050"/>
+                </a:solidFill>
+              </a:rPr>
+              <a:t>WHERE </a:t>
+            </a:r>
+            <a:r>
+              <a:rPr lang="en-US" i="1" dirty="0">
+                <a:solidFill>
+                  <a:srgbClr val="00B050"/>
+                </a:solidFill>
+              </a:rPr>
+              <a:t>condition1</a:t>
+            </a:r>
+            <a:r>
+              <a:rPr lang="en-US" dirty="0">
+                <a:solidFill>
+                  <a:srgbClr val="00B050"/>
+                </a:solidFill>
+              </a:rPr>
+              <a:t> AND </a:t>
+            </a:r>
+            <a:r>
+              <a:rPr lang="en-US" i="1" dirty="0">
+                <a:solidFill>
+                  <a:srgbClr val="00B050"/>
+                </a:solidFill>
+              </a:rPr>
+              <a:t>condition2</a:t>
+            </a:r>
+            <a:r>
+              <a:rPr lang="en-US" dirty="0">
+                <a:solidFill>
+                  <a:srgbClr val="00B050"/>
+                </a:solidFill>
+              </a:rPr>
+              <a:t> AND </a:t>
+            </a:r>
+            <a:r>
+              <a:rPr lang="en-US" i="1" dirty="0">
+                <a:solidFill>
+                  <a:srgbClr val="00B050"/>
+                </a:solidFill>
+              </a:rPr>
+              <a:t>condition3 ...</a:t>
+            </a:r>
+            <a:r>
+              <a:rPr lang="en-US" dirty="0">
+                <a:solidFill>
+                  <a:srgbClr val="00B050"/>
+                </a:solidFill>
+              </a:rPr>
+              <a:t>;</a:t>
+            </a:r>
+            <a:br>
+              <a:rPr lang="en-US" dirty="0">
+                <a:solidFill>
+                  <a:srgbClr val="00B050"/>
+                </a:solidFill>
+              </a:rPr>
+            </a:br>
+            <a:endParaRPr lang="en-US" dirty="0">
+              <a:solidFill>
+                <a:srgbClr val="00B050"/>
+              </a:solidFill>
+            </a:endParaRPr>
+          </a:p>
+          <a:p>
+            <a:r>
+              <a:rPr lang="en-US" dirty="0">
+                <a:solidFill>
+                  <a:srgbClr val="00B050"/>
+                </a:solidFill>
+              </a:rPr>
+              <a:t>SELECT </a:t>
+            </a:r>
+            <a:r>
+              <a:rPr lang="en-US" i="1" dirty="0">
+                <a:solidFill>
+                  <a:srgbClr val="00B050"/>
+                </a:solidFill>
+              </a:rPr>
+              <a:t>column1</a:t>
+            </a:r>
+            <a:r>
+              <a:rPr lang="en-US" dirty="0">
+                <a:solidFill>
+                  <a:srgbClr val="00B050"/>
+                </a:solidFill>
+              </a:rPr>
+              <a:t>,</a:t>
+            </a:r>
+            <a:r>
+              <a:rPr lang="en-US" i="1" dirty="0">
+                <a:solidFill>
+                  <a:srgbClr val="00B050"/>
+                </a:solidFill>
+              </a:rPr>
+              <a:t> column2, ...</a:t>
+            </a:r>
+            <a:br>
+              <a:rPr lang="en-US" dirty="0">
+                <a:solidFill>
+                  <a:srgbClr val="00B050"/>
+                </a:solidFill>
+              </a:rPr>
+            </a:br>
+            <a:r>
+              <a:rPr lang="en-US" dirty="0">
+                <a:solidFill>
+                  <a:srgbClr val="00B050"/>
+                </a:solidFill>
+              </a:rPr>
+              <a:t>FROM </a:t>
+            </a:r>
+            <a:r>
+              <a:rPr lang="en-US" i="1" dirty="0" err="1">
+                <a:solidFill>
+                  <a:srgbClr val="00B050"/>
+                </a:solidFill>
+              </a:rPr>
+              <a:t>table_name</a:t>
+            </a:r>
+            <a:br>
+              <a:rPr lang="en-US" dirty="0">
+                <a:solidFill>
+                  <a:srgbClr val="00B050"/>
+                </a:solidFill>
+              </a:rPr>
+            </a:br>
+            <a:r>
+              <a:rPr lang="en-US" dirty="0">
+                <a:solidFill>
+                  <a:srgbClr val="00B050"/>
+                </a:solidFill>
+              </a:rPr>
+              <a:t>WHERE </a:t>
+            </a:r>
+            <a:r>
+              <a:rPr lang="en-US" i="1" dirty="0">
+                <a:solidFill>
+                  <a:srgbClr val="00B050"/>
+                </a:solidFill>
+              </a:rPr>
+              <a:t>condition1</a:t>
+            </a:r>
+            <a:r>
+              <a:rPr lang="en-US" dirty="0">
+                <a:solidFill>
+                  <a:srgbClr val="00B050"/>
+                </a:solidFill>
+              </a:rPr>
+              <a:t> OR </a:t>
+            </a:r>
+            <a:r>
+              <a:rPr lang="en-US" i="1" dirty="0">
+                <a:solidFill>
+                  <a:srgbClr val="00B050"/>
+                </a:solidFill>
+              </a:rPr>
+              <a:t>condition2</a:t>
+            </a:r>
+            <a:r>
+              <a:rPr lang="en-US" dirty="0">
+                <a:solidFill>
+                  <a:srgbClr val="00B050"/>
+                </a:solidFill>
+              </a:rPr>
+              <a:t> OR </a:t>
+            </a:r>
+            <a:r>
+              <a:rPr lang="en-US" i="1" dirty="0">
+                <a:solidFill>
+                  <a:srgbClr val="00B050"/>
+                </a:solidFill>
+              </a:rPr>
+              <a:t>condition3 ...</a:t>
+            </a:r>
+            <a:r>
+              <a:rPr lang="en-US" dirty="0">
+                <a:solidFill>
+                  <a:srgbClr val="00B050"/>
+                </a:solidFill>
+              </a:rPr>
+              <a:t>;</a:t>
+            </a:r>
+            <a:br>
+              <a:rPr lang="en-US" dirty="0">
+                <a:solidFill>
+                  <a:srgbClr val="00B050"/>
+                </a:solidFill>
+              </a:rPr>
+            </a:br>
+            <a:endParaRPr lang="en-US" dirty="0">
+              <a:solidFill>
+                <a:srgbClr val="00B050"/>
+              </a:solidFill>
+            </a:endParaRPr>
+          </a:p>
+          <a:p>
+            <a:r>
+              <a:rPr lang="en-US" dirty="0">
+                <a:solidFill>
+                  <a:srgbClr val="00B050"/>
+                </a:solidFill>
+              </a:rPr>
+              <a:t>SELECT </a:t>
+            </a:r>
+            <a:r>
+              <a:rPr lang="en-US" i="1" dirty="0">
+                <a:solidFill>
+                  <a:srgbClr val="00B050"/>
+                </a:solidFill>
+              </a:rPr>
+              <a:t>column1</a:t>
+            </a:r>
+            <a:r>
+              <a:rPr lang="en-US" dirty="0">
+                <a:solidFill>
+                  <a:srgbClr val="00B050"/>
+                </a:solidFill>
+              </a:rPr>
+              <a:t>,</a:t>
+            </a:r>
+            <a:r>
+              <a:rPr lang="en-US" i="1" dirty="0">
+                <a:solidFill>
+                  <a:srgbClr val="00B050"/>
+                </a:solidFill>
+              </a:rPr>
+              <a:t> column2, ...</a:t>
+            </a:r>
+            <a:br>
+              <a:rPr lang="en-US" dirty="0">
+                <a:solidFill>
+                  <a:srgbClr val="00B050"/>
+                </a:solidFill>
+              </a:rPr>
+            </a:br>
+            <a:r>
+              <a:rPr lang="en-US" dirty="0">
+                <a:solidFill>
+                  <a:srgbClr val="00B050"/>
+                </a:solidFill>
+              </a:rPr>
+              <a:t>FROM </a:t>
+            </a:r>
+            <a:r>
+              <a:rPr lang="en-US" i="1" dirty="0" err="1">
+                <a:solidFill>
+                  <a:srgbClr val="00B050"/>
+                </a:solidFill>
+              </a:rPr>
+              <a:t>table_name</a:t>
+            </a:r>
+            <a:br>
+              <a:rPr lang="en-US" dirty="0">
+                <a:solidFill>
+                  <a:srgbClr val="00B050"/>
+                </a:solidFill>
+              </a:rPr>
+            </a:br>
+            <a:r>
+              <a:rPr lang="en-US" dirty="0">
+                <a:solidFill>
+                  <a:srgbClr val="00B050"/>
+                </a:solidFill>
+              </a:rPr>
+              <a:t>WHERE NOT </a:t>
+            </a:r>
+            <a:r>
+              <a:rPr lang="en-US" i="1" dirty="0">
+                <a:solidFill>
+                  <a:srgbClr val="00B050"/>
+                </a:solidFill>
+              </a:rPr>
+              <a:t>condition</a:t>
+            </a:r>
+            <a:r>
+              <a:rPr lang="en-US" dirty="0">
+                <a:solidFill>
+                  <a:srgbClr val="00B050"/>
+                </a:solidFill>
+              </a:rPr>
+              <a:t>;</a:t>
+            </a:r>
+          </a:p>
+        </p:txBody>
+      </p:sp>
+    </p:spTree>
+    <p:extLst>
+      <p:ext uri="{BB962C8B-B14F-4D97-AF65-F5344CB8AC3E}">
+        <p14:creationId xmlns:p14="http://schemas.microsoft.com/office/powerpoint/2010/main" val="439519573"/>
+      </p:ext>
+    </p:extLst>
+  </p:cSld>
+  <p:clrMapOvr>
+    <a:masterClrMapping/>
+  </p:clrMapOvr>
+</p:sld>
+</file>
+
+<file path=ppt/slides/slide34.xml><?xml version="1.0" encoding="utf-8"?>
+<p:sld xmlns:a="http://schemas.openxmlformats.org/drawingml/2006/main" xmlns:r="http://schemas.openxmlformats.org/officeDocument/2006/relationships" xmlns:p="http://schemas.openxmlformats.org/presentationml/2006/main">
+  <p:cSld>
+    <p:spTree>
+      <p:nvGrpSpPr>
+        <p:cNvPr id="1" name=""/>
+        <p:cNvGrpSpPr/>
+        <p:nvPr/>
+      </p:nvGrpSpPr>
+      <p:grpSpPr>
+        <a:xfrm>
+          <a:off x="0" y="0"/>
+          <a:ext cx="0" cy="0"/>
+          <a:chOff x="0" y="0"/>
+          <a:chExt cx="0" cy="0"/>
+        </a:xfrm>
+      </p:grpSpPr>
+      <p:sp>
+        <p:nvSpPr>
+          <p:cNvPr id="2" name="Title 1">
+            <a:extLst>
+              <a:ext uri="{FF2B5EF4-FFF2-40B4-BE49-F238E27FC236}">
+                <a16:creationId xmlns:a16="http://schemas.microsoft.com/office/drawing/2014/main" id="{8DA4D7C5-BFB0-400D-BDBB-6FB8C7969CB2}"/>
+              </a:ext>
+            </a:extLst>
+          </p:cNvPr>
+          <p:cNvSpPr>
+            <a:spLocks noGrp="1"/>
+          </p:cNvSpPr>
+          <p:nvPr>
+            <p:ph type="title"/>
+          </p:nvPr>
+        </p:nvSpPr>
+        <p:spPr/>
+        <p:txBody>
+          <a:bodyPr>
+            <a:normAutofit/>
+          </a:bodyPr>
+          <a:lstStyle/>
+          <a:p>
+            <a:r>
+              <a:rPr lang="en-US" sz="3600" dirty="0">
+                <a:latin typeface="Arial Black" panose="020B0A04020102020204" pitchFamily="34" charset="0"/>
+              </a:rPr>
+              <a:t>SQL AND, OR and NOT Operators</a:t>
+            </a:r>
+          </a:p>
+        </p:txBody>
+      </p:sp>
+      <p:sp>
+        <p:nvSpPr>
+          <p:cNvPr id="3" name="Content Placeholder 2">
+            <a:extLst>
+              <a:ext uri="{FF2B5EF4-FFF2-40B4-BE49-F238E27FC236}">
+                <a16:creationId xmlns:a16="http://schemas.microsoft.com/office/drawing/2014/main" id="{3749694A-2147-4410-9674-BEBD6ED2316F}"/>
+              </a:ext>
+            </a:extLst>
+          </p:cNvPr>
+          <p:cNvSpPr>
+            <a:spLocks noGrp="1"/>
+          </p:cNvSpPr>
+          <p:nvPr>
+            <p:ph idx="1"/>
+          </p:nvPr>
+        </p:nvSpPr>
+        <p:spPr/>
+        <p:txBody>
+          <a:bodyPr>
+            <a:normAutofit/>
+          </a:bodyPr>
+          <a:lstStyle/>
+          <a:p>
+            <a:r>
+              <a:rPr lang="en-US" dirty="0"/>
+              <a:t>SELECT * FROM Customers</a:t>
+            </a:r>
+            <a:br>
+              <a:rPr lang="en-US" dirty="0"/>
+            </a:br>
+            <a:r>
+              <a:rPr lang="en-US" dirty="0"/>
+              <a:t>WHERE Country='Germany' AND City='Berlin';</a:t>
+            </a:r>
+            <a:br>
+              <a:rPr lang="en-US" dirty="0"/>
+            </a:br>
+            <a:endParaRPr lang="en-US" dirty="0"/>
+          </a:p>
+          <a:p>
+            <a:r>
+              <a:rPr lang="en-US" dirty="0"/>
+              <a:t>SELECT * FROM Customers</a:t>
+            </a:r>
+            <a:br>
+              <a:rPr lang="en-US" dirty="0"/>
+            </a:br>
+            <a:r>
+              <a:rPr lang="en-US" dirty="0"/>
+              <a:t>WHERE City='Berlin' OR City='München';</a:t>
+            </a:r>
+            <a:br>
+              <a:rPr lang="en-US" dirty="0"/>
+            </a:br>
+            <a:endParaRPr lang="en-US" dirty="0"/>
+          </a:p>
+          <a:p>
+            <a:r>
+              <a:rPr lang="en-US" dirty="0"/>
+              <a:t>SELECT * FROM Customers</a:t>
+            </a:r>
+            <a:br>
+              <a:rPr lang="en-US" dirty="0"/>
+            </a:br>
+            <a:r>
+              <a:rPr lang="en-US" dirty="0"/>
+              <a:t>WHERE NOT Country='Germany';</a:t>
+            </a:r>
+          </a:p>
+        </p:txBody>
+      </p:sp>
+    </p:spTree>
+    <p:extLst>
+      <p:ext uri="{BB962C8B-B14F-4D97-AF65-F5344CB8AC3E}">
+        <p14:creationId xmlns:p14="http://schemas.microsoft.com/office/powerpoint/2010/main" val="3535794165"/>
+      </p:ext>
+    </p:extLst>
+  </p:cSld>
+  <p:clrMapOvr>
+    <a:masterClrMapping/>
+  </p:clrMapOvr>
+</p:sld>
+</file>
+
+<file path=ppt/slides/slide35.xml><?xml version="1.0" encoding="utf-8"?>
+<p:sld xmlns:a="http://schemas.openxmlformats.org/drawingml/2006/main" xmlns:r="http://schemas.openxmlformats.org/officeDocument/2006/relationships" xmlns:p="http://schemas.openxmlformats.org/presentationml/2006/main">
+  <p:cSld>
+    <p:spTree>
+      <p:nvGrpSpPr>
+        <p:cNvPr id="1" name=""/>
+        <p:cNvGrpSpPr/>
+        <p:nvPr/>
+      </p:nvGrpSpPr>
+      <p:grpSpPr>
+        <a:xfrm>
+          <a:off x="0" y="0"/>
+          <a:ext cx="0" cy="0"/>
+          <a:chOff x="0" y="0"/>
+          <a:chExt cx="0" cy="0"/>
+        </a:xfrm>
+      </p:grpSpPr>
+      <p:sp>
+        <p:nvSpPr>
+          <p:cNvPr id="2" name="Title 1">
+            <a:extLst>
+              <a:ext uri="{FF2B5EF4-FFF2-40B4-BE49-F238E27FC236}">
+                <a16:creationId xmlns:a16="http://schemas.microsoft.com/office/drawing/2014/main" id="{E732C944-0273-4C2D-8AAC-20D7186B8FDA}"/>
+              </a:ext>
+            </a:extLst>
+          </p:cNvPr>
+          <p:cNvSpPr>
+            <a:spLocks noGrp="1"/>
+          </p:cNvSpPr>
+          <p:nvPr>
+            <p:ph type="title"/>
+          </p:nvPr>
+        </p:nvSpPr>
+        <p:spPr/>
+        <p:txBody>
+          <a:bodyPr>
+            <a:normAutofit/>
+          </a:bodyPr>
+          <a:lstStyle/>
+          <a:p>
+            <a:r>
+              <a:rPr lang="en-US" dirty="0">
+                <a:latin typeface="Arial Black" panose="020B0A04020102020204" pitchFamily="34" charset="0"/>
+              </a:rPr>
+              <a:t>Combining AND, OR and NOT</a:t>
+            </a:r>
+          </a:p>
+        </p:txBody>
+      </p:sp>
+      <p:sp>
+        <p:nvSpPr>
+          <p:cNvPr id="3" name="Content Placeholder 2">
+            <a:extLst>
+              <a:ext uri="{FF2B5EF4-FFF2-40B4-BE49-F238E27FC236}">
+                <a16:creationId xmlns:a16="http://schemas.microsoft.com/office/drawing/2014/main" id="{96B136B8-67CC-4F23-AC7D-9832B6382965}"/>
+              </a:ext>
+            </a:extLst>
+          </p:cNvPr>
+          <p:cNvSpPr>
+            <a:spLocks noGrp="1"/>
+          </p:cNvSpPr>
+          <p:nvPr>
+            <p:ph idx="1"/>
+          </p:nvPr>
+        </p:nvSpPr>
+        <p:spPr/>
+        <p:txBody>
+          <a:bodyPr/>
+          <a:lstStyle/>
+          <a:p>
+            <a:r>
+              <a:rPr lang="en-US" dirty="0"/>
+              <a:t>SELECT * FROM Customers</a:t>
+            </a:r>
+            <a:br>
+              <a:rPr lang="en-US" dirty="0"/>
+            </a:br>
+            <a:r>
+              <a:rPr lang="en-US" dirty="0"/>
+              <a:t>WHERE Country='Germany' AND (City='Berlin' OR City='München’);</a:t>
+            </a:r>
+            <a:br>
+              <a:rPr lang="en-US" dirty="0"/>
+            </a:br>
+            <a:endParaRPr lang="en-US" dirty="0"/>
+          </a:p>
+          <a:p>
+            <a:r>
+              <a:rPr lang="en-US" dirty="0"/>
+              <a:t>SELECT * FROM Customers</a:t>
+            </a:r>
+            <a:br>
+              <a:rPr lang="en-US" dirty="0"/>
+            </a:br>
+            <a:r>
+              <a:rPr lang="en-US" dirty="0"/>
+              <a:t>WHERE NOT Country='Germany' AND NOT Country='USA';</a:t>
+            </a:r>
+          </a:p>
+        </p:txBody>
+      </p:sp>
+    </p:spTree>
+    <p:extLst>
+      <p:ext uri="{BB962C8B-B14F-4D97-AF65-F5344CB8AC3E}">
+        <p14:creationId xmlns:p14="http://schemas.microsoft.com/office/powerpoint/2010/main" val="1608135843"/>
+      </p:ext>
+    </p:extLst>
+  </p:cSld>
+  <p:clrMapOvr>
+    <a:masterClrMapping/>
+  </p:clrMapOvr>
+</p:sld>
+</file>
+
+<file path=ppt/slides/slide36.xml><?xml version="1.0" encoding="utf-8"?>
+<p:sld xmlns:a="http://schemas.openxmlformats.org/drawingml/2006/main" xmlns:r="http://schemas.openxmlformats.org/officeDocument/2006/relationships" xmlns:p="http://schemas.openxmlformats.org/presentationml/2006/main">
+  <p:cSld>
+    <p:spTree>
+      <p:nvGrpSpPr>
+        <p:cNvPr id="1" name=""/>
+        <p:cNvGrpSpPr/>
+        <p:nvPr/>
+      </p:nvGrpSpPr>
+      <p:grpSpPr>
+        <a:xfrm>
+          <a:off x="0" y="0"/>
+          <a:ext cx="0" cy="0"/>
+          <a:chOff x="0" y="0"/>
+          <a:chExt cx="0" cy="0"/>
+        </a:xfrm>
+      </p:grpSpPr>
+      <p:sp>
+        <p:nvSpPr>
+          <p:cNvPr id="2" name="Title 1">
+            <a:extLst>
+              <a:ext uri="{FF2B5EF4-FFF2-40B4-BE49-F238E27FC236}">
+                <a16:creationId xmlns:a16="http://schemas.microsoft.com/office/drawing/2014/main" id="{337489A1-C750-41F6-803B-92537A8F46F3}"/>
+              </a:ext>
+            </a:extLst>
+          </p:cNvPr>
+          <p:cNvSpPr>
+            <a:spLocks noGrp="1"/>
+          </p:cNvSpPr>
+          <p:nvPr>
+            <p:ph type="title"/>
+          </p:nvPr>
+        </p:nvSpPr>
+        <p:spPr/>
+        <p:txBody>
+          <a:bodyPr>
+            <a:normAutofit/>
+          </a:bodyPr>
+          <a:lstStyle/>
+          <a:p>
+            <a:r>
+              <a:rPr lang="en-US" dirty="0">
+                <a:latin typeface="Arial Black" panose="020B0A04020102020204" pitchFamily="34" charset="0"/>
+              </a:rPr>
+              <a:t>SQL ORDER BY Keyword</a:t>
+            </a:r>
+          </a:p>
+        </p:txBody>
+      </p:sp>
+      <p:sp>
+        <p:nvSpPr>
+          <p:cNvPr id="3" name="Content Placeholder 2">
+            <a:extLst>
+              <a:ext uri="{FF2B5EF4-FFF2-40B4-BE49-F238E27FC236}">
+                <a16:creationId xmlns:a16="http://schemas.microsoft.com/office/drawing/2014/main" id="{9EBA2A4E-854C-43A9-A352-1EB6FD3BCE06}"/>
+              </a:ext>
+            </a:extLst>
+          </p:cNvPr>
+          <p:cNvSpPr>
+            <a:spLocks noGrp="1"/>
+          </p:cNvSpPr>
+          <p:nvPr>
+            <p:ph idx="1"/>
+          </p:nvPr>
+        </p:nvSpPr>
+        <p:spPr/>
+        <p:txBody>
+          <a:bodyPr>
+            <a:normAutofit fontScale="92500" lnSpcReduction="10000"/>
+          </a:bodyPr>
+          <a:lstStyle/>
+          <a:p>
+            <a:r>
+              <a:rPr lang="en-US" dirty="0">
+                <a:solidFill>
+                  <a:srgbClr val="00B050"/>
+                </a:solidFill>
+              </a:rPr>
+              <a:t>SELECT </a:t>
+            </a:r>
+            <a:r>
+              <a:rPr lang="en-US" i="1" dirty="0">
+                <a:solidFill>
+                  <a:srgbClr val="00B050"/>
+                </a:solidFill>
+              </a:rPr>
+              <a:t>column1</a:t>
+            </a:r>
+            <a:r>
+              <a:rPr lang="en-US" dirty="0">
+                <a:solidFill>
+                  <a:srgbClr val="00B050"/>
+                </a:solidFill>
+              </a:rPr>
+              <a:t>,</a:t>
+            </a:r>
+            <a:r>
+              <a:rPr lang="en-US" i="1" dirty="0">
+                <a:solidFill>
+                  <a:srgbClr val="00B050"/>
+                </a:solidFill>
+              </a:rPr>
+              <a:t> column2, ...</a:t>
+            </a:r>
+            <a:br>
+              <a:rPr lang="en-US" dirty="0">
+                <a:solidFill>
+                  <a:srgbClr val="00B050"/>
+                </a:solidFill>
+              </a:rPr>
+            </a:br>
+            <a:r>
+              <a:rPr lang="en-US" dirty="0">
+                <a:solidFill>
+                  <a:srgbClr val="00B050"/>
+                </a:solidFill>
+              </a:rPr>
+              <a:t>FROM </a:t>
+            </a:r>
+            <a:r>
+              <a:rPr lang="en-US" i="1" dirty="0" err="1">
+                <a:solidFill>
+                  <a:srgbClr val="00B050"/>
+                </a:solidFill>
+              </a:rPr>
+              <a:t>table_name</a:t>
+            </a:r>
+            <a:br>
+              <a:rPr lang="en-US" dirty="0">
+                <a:solidFill>
+                  <a:srgbClr val="00B050"/>
+                </a:solidFill>
+              </a:rPr>
+            </a:br>
+            <a:r>
+              <a:rPr lang="en-US" dirty="0">
+                <a:solidFill>
+                  <a:srgbClr val="00B050"/>
+                </a:solidFill>
+              </a:rPr>
+              <a:t>ORDER BY </a:t>
+            </a:r>
+            <a:r>
+              <a:rPr lang="en-US" i="1" dirty="0">
+                <a:solidFill>
+                  <a:srgbClr val="00B050"/>
+                </a:solidFill>
+              </a:rPr>
+              <a:t>column1, column2, ... </a:t>
+            </a:r>
+            <a:r>
+              <a:rPr lang="en-US" dirty="0">
+                <a:solidFill>
+                  <a:srgbClr val="00B050"/>
+                </a:solidFill>
+              </a:rPr>
+              <a:t>ASC|DESC;</a:t>
+            </a:r>
+          </a:p>
+          <a:p>
+            <a:endParaRPr lang="en-US" dirty="0"/>
+          </a:p>
+          <a:p>
+            <a:r>
+              <a:rPr lang="en-US" dirty="0"/>
+              <a:t>SELECT * FROM Customers</a:t>
+            </a:r>
+            <a:br>
+              <a:rPr lang="en-US" dirty="0"/>
+            </a:br>
+            <a:r>
+              <a:rPr lang="en-US" dirty="0"/>
+              <a:t>ORDER BY Country;</a:t>
+            </a:r>
+          </a:p>
+          <a:p>
+            <a:r>
+              <a:rPr lang="en-US" dirty="0"/>
+              <a:t>SELECT * FROM Customers</a:t>
+            </a:r>
+            <a:br>
+              <a:rPr lang="en-US" dirty="0"/>
+            </a:br>
+            <a:r>
+              <a:rPr lang="en-US" dirty="0"/>
+              <a:t>ORDER BY Country DESC;</a:t>
+            </a:r>
+          </a:p>
+          <a:p>
+            <a:r>
+              <a:rPr lang="en-US" dirty="0"/>
+              <a:t>SELECT * FROM Customers</a:t>
+            </a:r>
+            <a:br>
+              <a:rPr lang="en-US" dirty="0"/>
+            </a:br>
+            <a:r>
+              <a:rPr lang="en-US" dirty="0"/>
+              <a:t>ORDER BY Country, </a:t>
+            </a:r>
+            <a:r>
+              <a:rPr lang="en-US" dirty="0" err="1"/>
+              <a:t>CustomerName</a:t>
+            </a:r>
+            <a:r>
+              <a:rPr lang="en-US" dirty="0"/>
+              <a:t>;</a:t>
+            </a:r>
+          </a:p>
+          <a:p>
+            <a:r>
+              <a:rPr lang="en-US" dirty="0"/>
+              <a:t>SELECT * FROM Customers</a:t>
+            </a:r>
+            <a:br>
+              <a:rPr lang="en-US" dirty="0"/>
+            </a:br>
+            <a:r>
+              <a:rPr lang="en-US" dirty="0"/>
+              <a:t>ORDER BY Country ASC, </a:t>
+            </a:r>
+            <a:r>
+              <a:rPr lang="en-US" dirty="0" err="1"/>
+              <a:t>CustomerName</a:t>
+            </a:r>
+            <a:r>
+              <a:rPr lang="en-US" dirty="0"/>
+              <a:t> DESC;</a:t>
+            </a:r>
+          </a:p>
+        </p:txBody>
+      </p:sp>
+    </p:spTree>
+    <p:extLst>
+      <p:ext uri="{BB962C8B-B14F-4D97-AF65-F5344CB8AC3E}">
+        <p14:creationId xmlns:p14="http://schemas.microsoft.com/office/powerpoint/2010/main" val="3108917159"/>
+      </p:ext>
+    </p:extLst>
+  </p:cSld>
+  <p:clrMapOvr>
+    <a:masterClrMapping/>
+  </p:clrMapOvr>
+</p:sld>
+</file>
+
+<file path=ppt/slides/slide37.xml><?xml version="1.0" encoding="utf-8"?>
+<p:sld xmlns:a="http://schemas.openxmlformats.org/drawingml/2006/main" xmlns:r="http://schemas.openxmlformats.org/officeDocument/2006/relationships" xmlns:p="http://schemas.openxmlformats.org/presentationml/2006/main">
+  <p:cSld>
+    <p:spTree>
+      <p:nvGrpSpPr>
+        <p:cNvPr id="1" name=""/>
+        <p:cNvGrpSpPr/>
+        <p:nvPr/>
+      </p:nvGrpSpPr>
+      <p:grpSpPr>
+        <a:xfrm>
+          <a:off x="0" y="0"/>
+          <a:ext cx="0" cy="0"/>
+          <a:chOff x="0" y="0"/>
+          <a:chExt cx="0" cy="0"/>
+        </a:xfrm>
+      </p:grpSpPr>
+      <p:sp>
+        <p:nvSpPr>
+          <p:cNvPr id="2" name="Title 1">
+            <a:extLst>
+              <a:ext uri="{FF2B5EF4-FFF2-40B4-BE49-F238E27FC236}">
+                <a16:creationId xmlns:a16="http://schemas.microsoft.com/office/drawing/2014/main" id="{9280F07D-C643-427D-90DF-9DA08AABE39A}"/>
+              </a:ext>
+            </a:extLst>
+          </p:cNvPr>
+          <p:cNvSpPr>
+            <a:spLocks noGrp="1"/>
+          </p:cNvSpPr>
+          <p:nvPr>
+            <p:ph type="title"/>
+          </p:nvPr>
+        </p:nvSpPr>
+        <p:spPr/>
+        <p:txBody>
+          <a:bodyPr>
+            <a:normAutofit/>
+          </a:bodyPr>
+          <a:lstStyle/>
+          <a:p>
+            <a:r>
+              <a:rPr lang="en-US" dirty="0">
+                <a:latin typeface="Arial Black" panose="020B0A04020102020204" pitchFamily="34" charset="0"/>
+              </a:rPr>
+              <a:t>UPDATE Statement</a:t>
+            </a:r>
+          </a:p>
+        </p:txBody>
+      </p:sp>
+      <p:sp>
+        <p:nvSpPr>
+          <p:cNvPr id="3" name="Content Placeholder 2">
+            <a:extLst>
+              <a:ext uri="{FF2B5EF4-FFF2-40B4-BE49-F238E27FC236}">
+                <a16:creationId xmlns:a16="http://schemas.microsoft.com/office/drawing/2014/main" id="{2BF66411-ED5A-49A7-B0D6-9C569B7C22F9}"/>
+              </a:ext>
+            </a:extLst>
+          </p:cNvPr>
+          <p:cNvSpPr>
+            <a:spLocks noGrp="1"/>
+          </p:cNvSpPr>
+          <p:nvPr>
+            <p:ph idx="1"/>
+          </p:nvPr>
+        </p:nvSpPr>
+        <p:spPr/>
+        <p:txBody>
+          <a:bodyPr/>
+          <a:lstStyle/>
+          <a:p>
+            <a:r>
+              <a:rPr lang="en-US" dirty="0">
+                <a:solidFill>
+                  <a:srgbClr val="00B050"/>
+                </a:solidFill>
+              </a:rPr>
+              <a:t>UPDATE </a:t>
+            </a:r>
+            <a:r>
+              <a:rPr lang="en-US" i="1" dirty="0" err="1">
+                <a:solidFill>
+                  <a:srgbClr val="00B050"/>
+                </a:solidFill>
+              </a:rPr>
+              <a:t>table_name</a:t>
+            </a:r>
+            <a:br>
+              <a:rPr lang="en-US" dirty="0">
+                <a:solidFill>
+                  <a:srgbClr val="00B050"/>
+                </a:solidFill>
+              </a:rPr>
+            </a:br>
+            <a:r>
+              <a:rPr lang="en-US" dirty="0">
+                <a:solidFill>
+                  <a:srgbClr val="00B050"/>
+                </a:solidFill>
+              </a:rPr>
+              <a:t>SET </a:t>
+            </a:r>
+            <a:r>
+              <a:rPr lang="en-US" i="1" dirty="0">
+                <a:solidFill>
+                  <a:srgbClr val="00B050"/>
+                </a:solidFill>
+              </a:rPr>
+              <a:t>column1 </a:t>
+            </a:r>
+            <a:r>
+              <a:rPr lang="en-US" dirty="0">
+                <a:solidFill>
+                  <a:srgbClr val="00B050"/>
+                </a:solidFill>
+              </a:rPr>
+              <a:t>=</a:t>
+            </a:r>
+            <a:r>
+              <a:rPr lang="en-US" i="1" dirty="0">
+                <a:solidFill>
+                  <a:srgbClr val="00B050"/>
+                </a:solidFill>
+              </a:rPr>
+              <a:t> value1</a:t>
+            </a:r>
+            <a:r>
+              <a:rPr lang="en-US" dirty="0">
+                <a:solidFill>
+                  <a:srgbClr val="00B050"/>
+                </a:solidFill>
+              </a:rPr>
+              <a:t>,</a:t>
+            </a:r>
+            <a:r>
+              <a:rPr lang="en-US" i="1" dirty="0">
+                <a:solidFill>
+                  <a:srgbClr val="00B050"/>
+                </a:solidFill>
+              </a:rPr>
+              <a:t> column2 </a:t>
+            </a:r>
+            <a:r>
+              <a:rPr lang="en-US" dirty="0">
+                <a:solidFill>
+                  <a:srgbClr val="00B050"/>
+                </a:solidFill>
+              </a:rPr>
+              <a:t>=</a:t>
+            </a:r>
+            <a:r>
+              <a:rPr lang="en-US" i="1" dirty="0">
+                <a:solidFill>
+                  <a:srgbClr val="00B050"/>
+                </a:solidFill>
+              </a:rPr>
+              <a:t> value2</a:t>
+            </a:r>
+            <a:r>
+              <a:rPr lang="en-US" dirty="0">
+                <a:solidFill>
+                  <a:srgbClr val="00B050"/>
+                </a:solidFill>
+              </a:rPr>
+              <a:t>, ...</a:t>
+            </a:r>
+            <a:br>
+              <a:rPr lang="en-US" dirty="0">
+                <a:solidFill>
+                  <a:srgbClr val="00B050"/>
+                </a:solidFill>
+              </a:rPr>
+            </a:br>
+            <a:r>
+              <a:rPr lang="en-US" dirty="0">
+                <a:solidFill>
+                  <a:srgbClr val="00B050"/>
+                </a:solidFill>
+              </a:rPr>
+              <a:t>WHERE </a:t>
+            </a:r>
+            <a:r>
+              <a:rPr lang="en-US" i="1" dirty="0">
+                <a:solidFill>
+                  <a:srgbClr val="00B050"/>
+                </a:solidFill>
+              </a:rPr>
+              <a:t>condition</a:t>
+            </a:r>
+            <a:r>
+              <a:rPr lang="en-US" dirty="0">
+                <a:solidFill>
+                  <a:srgbClr val="00B050"/>
+                </a:solidFill>
+              </a:rPr>
+              <a:t>;</a:t>
+            </a:r>
+          </a:p>
+          <a:p>
+            <a:r>
+              <a:rPr lang="en-US" dirty="0"/>
+              <a:t>UPDATE Customers</a:t>
+            </a:r>
+            <a:br>
+              <a:rPr lang="en-US" dirty="0"/>
+            </a:br>
+            <a:r>
+              <a:rPr lang="en-US" dirty="0"/>
+              <a:t>SET </a:t>
+            </a:r>
+            <a:r>
+              <a:rPr lang="en-US" dirty="0" err="1"/>
+              <a:t>ContactName</a:t>
+            </a:r>
+            <a:r>
+              <a:rPr lang="en-US" dirty="0"/>
+              <a:t> = 'Alfred Schmidt', City= 'Frankfurt'</a:t>
+            </a:r>
+            <a:br>
+              <a:rPr lang="en-US" dirty="0"/>
+            </a:br>
+            <a:r>
+              <a:rPr lang="en-US" dirty="0"/>
+              <a:t>WHERE </a:t>
+            </a:r>
+            <a:r>
+              <a:rPr lang="en-US" dirty="0" err="1"/>
+              <a:t>CustomerID</a:t>
+            </a:r>
+            <a:r>
+              <a:rPr lang="en-US" dirty="0"/>
+              <a:t> = 1;</a:t>
+            </a:r>
+          </a:p>
+          <a:p>
+            <a:r>
+              <a:rPr lang="en-US" dirty="0"/>
+              <a:t>UPDATE Customers</a:t>
+            </a:r>
+            <a:br>
+              <a:rPr lang="en-US" dirty="0"/>
+            </a:br>
+            <a:r>
+              <a:rPr lang="en-US" dirty="0"/>
+              <a:t>SET </a:t>
+            </a:r>
+            <a:r>
+              <a:rPr lang="en-US" dirty="0" err="1"/>
+              <a:t>ContactName</a:t>
+            </a:r>
+            <a:r>
+              <a:rPr lang="en-US" dirty="0"/>
+              <a:t>='Juan'</a:t>
+            </a:r>
+            <a:br>
+              <a:rPr lang="en-US" dirty="0"/>
+            </a:br>
+            <a:r>
+              <a:rPr lang="en-US" dirty="0"/>
+              <a:t>WHERE Country='Mexico';</a:t>
+            </a:r>
+          </a:p>
+        </p:txBody>
+      </p:sp>
+    </p:spTree>
+    <p:extLst>
+      <p:ext uri="{BB962C8B-B14F-4D97-AF65-F5344CB8AC3E}">
+        <p14:creationId xmlns:p14="http://schemas.microsoft.com/office/powerpoint/2010/main" val="2375883063"/>
+      </p:ext>
+    </p:extLst>
+  </p:cSld>
+  <p:clrMapOvr>
+    <a:masterClrMapping/>
+  </p:clrMapOvr>
+</p:sld>
+</file>
+
+<file path=ppt/slides/slide38.xml><?xml version="1.0" encoding="utf-8"?>
+<p:sld xmlns:a="http://schemas.openxmlformats.org/drawingml/2006/main" xmlns:r="http://schemas.openxmlformats.org/officeDocument/2006/relationships" xmlns:p="http://schemas.openxmlformats.org/presentationml/2006/main">
+  <p:cSld>
+    <p:spTree>
+      <p:nvGrpSpPr>
+        <p:cNvPr id="1" name=""/>
+        <p:cNvGrpSpPr/>
+        <p:nvPr/>
+      </p:nvGrpSpPr>
+      <p:grpSpPr>
+        <a:xfrm>
+          <a:off x="0" y="0"/>
+          <a:ext cx="0" cy="0"/>
+          <a:chOff x="0" y="0"/>
+          <a:chExt cx="0" cy="0"/>
+        </a:xfrm>
+      </p:grpSpPr>
+      <p:sp>
+        <p:nvSpPr>
+          <p:cNvPr id="2" name="Title 1">
+            <a:extLst>
+              <a:ext uri="{FF2B5EF4-FFF2-40B4-BE49-F238E27FC236}">
+                <a16:creationId xmlns:a16="http://schemas.microsoft.com/office/drawing/2014/main" id="{1C504113-9E9D-4B8D-B3BB-B8E7C66FC248}"/>
+              </a:ext>
+            </a:extLst>
+          </p:cNvPr>
+          <p:cNvSpPr>
+            <a:spLocks noGrp="1"/>
+          </p:cNvSpPr>
+          <p:nvPr>
+            <p:ph type="title"/>
+          </p:nvPr>
+        </p:nvSpPr>
+        <p:spPr/>
+        <p:txBody>
+          <a:bodyPr>
+            <a:normAutofit/>
+          </a:bodyPr>
+          <a:lstStyle/>
+          <a:p>
+            <a:r>
+              <a:rPr lang="en-US" dirty="0">
+                <a:latin typeface="Arial Black" panose="020B0A04020102020204" pitchFamily="34" charset="0"/>
+              </a:rPr>
+              <a:t>DELETE Statement</a:t>
+            </a:r>
+          </a:p>
+        </p:txBody>
+      </p:sp>
+      <p:sp>
+        <p:nvSpPr>
+          <p:cNvPr id="3" name="Content Placeholder 2">
+            <a:extLst>
+              <a:ext uri="{FF2B5EF4-FFF2-40B4-BE49-F238E27FC236}">
+                <a16:creationId xmlns:a16="http://schemas.microsoft.com/office/drawing/2014/main" id="{E492A217-C6DB-419C-AF33-9554AE2F5F85}"/>
+              </a:ext>
+            </a:extLst>
+          </p:cNvPr>
+          <p:cNvSpPr>
+            <a:spLocks noGrp="1"/>
+          </p:cNvSpPr>
+          <p:nvPr>
+            <p:ph idx="1"/>
+          </p:nvPr>
+        </p:nvSpPr>
+        <p:spPr/>
+        <p:txBody>
+          <a:bodyPr/>
+          <a:lstStyle/>
+          <a:p>
+            <a:r>
+              <a:rPr lang="en-US" dirty="0">
+                <a:solidFill>
+                  <a:srgbClr val="00B050"/>
+                </a:solidFill>
+              </a:rPr>
+              <a:t>DELETE FROM </a:t>
+            </a:r>
+            <a:r>
+              <a:rPr lang="en-US" i="1" dirty="0" err="1">
+                <a:solidFill>
+                  <a:srgbClr val="00B050"/>
+                </a:solidFill>
+              </a:rPr>
+              <a:t>table_name</a:t>
+            </a:r>
+            <a:r>
+              <a:rPr lang="en-US" dirty="0">
+                <a:solidFill>
+                  <a:srgbClr val="00B050"/>
+                </a:solidFill>
+              </a:rPr>
+              <a:t>;</a:t>
+            </a:r>
+          </a:p>
+          <a:p>
+            <a:r>
+              <a:rPr lang="en-US" dirty="0">
+                <a:solidFill>
+                  <a:srgbClr val="00B050"/>
+                </a:solidFill>
+              </a:rPr>
+              <a:t>DELETE FROM </a:t>
+            </a:r>
+            <a:r>
+              <a:rPr lang="en-US" i="1" dirty="0" err="1">
+                <a:solidFill>
+                  <a:srgbClr val="00B050"/>
+                </a:solidFill>
+              </a:rPr>
+              <a:t>table_name</a:t>
+            </a:r>
+            <a:r>
+              <a:rPr lang="en-US" i="1" dirty="0">
+                <a:solidFill>
+                  <a:srgbClr val="00B050"/>
+                </a:solidFill>
+              </a:rPr>
+              <a:t> </a:t>
+            </a:r>
+            <a:r>
+              <a:rPr lang="en-US" dirty="0">
+                <a:solidFill>
+                  <a:srgbClr val="00B050"/>
+                </a:solidFill>
+              </a:rPr>
+              <a:t>WHERE </a:t>
+            </a:r>
+            <a:r>
+              <a:rPr lang="en-US" i="1" dirty="0">
+                <a:solidFill>
+                  <a:srgbClr val="00B050"/>
+                </a:solidFill>
+              </a:rPr>
+              <a:t>condition</a:t>
+            </a:r>
+            <a:r>
+              <a:rPr lang="en-US" dirty="0">
+                <a:solidFill>
+                  <a:srgbClr val="00B050"/>
+                </a:solidFill>
+              </a:rPr>
+              <a:t>;</a:t>
+            </a:r>
+          </a:p>
+          <a:p>
+            <a:r>
+              <a:rPr lang="en-US" dirty="0"/>
+              <a:t>DELETE FROM Customers WHERE </a:t>
+            </a:r>
+            <a:r>
+              <a:rPr lang="en-US" dirty="0" err="1"/>
+              <a:t>CustomerName</a:t>
+            </a:r>
+            <a:r>
+              <a:rPr lang="en-US" dirty="0"/>
+              <a:t>='</a:t>
+            </a:r>
+            <a:r>
+              <a:rPr lang="en-US" dirty="0" err="1"/>
+              <a:t>Alfreds</a:t>
+            </a:r>
+            <a:r>
+              <a:rPr lang="en-US" dirty="0"/>
+              <a:t> </a:t>
+            </a:r>
+            <a:r>
+              <a:rPr lang="en-US" dirty="0" err="1"/>
+              <a:t>Futterkiste</a:t>
+            </a:r>
+            <a:r>
+              <a:rPr lang="en-US" dirty="0"/>
+              <a:t>';</a:t>
+            </a:r>
+          </a:p>
+        </p:txBody>
+      </p:sp>
+    </p:spTree>
+    <p:extLst>
+      <p:ext uri="{BB962C8B-B14F-4D97-AF65-F5344CB8AC3E}">
+        <p14:creationId xmlns:p14="http://schemas.microsoft.com/office/powerpoint/2010/main" val="2832520098"/>
+      </p:ext>
+    </p:extLst>
+  </p:cSld>
+  <p:clrMapOvr>
+    <a:masterClrMapping/>
+  </p:clrMapOvr>
+</p:sld>
+</file>
+
+<file path=ppt/slides/slide39.xml><?xml version="1.0" encoding="utf-8"?>
+<p:sld xmlns:a="http://schemas.openxmlformats.org/drawingml/2006/main" xmlns:r="http://schemas.openxmlformats.org/officeDocument/2006/relationships" xmlns:p="http://schemas.openxmlformats.org/presentationml/2006/main">
+  <p:cSld>
+    <p:spTree>
+      <p:nvGrpSpPr>
+        <p:cNvPr id="1" name=""/>
+        <p:cNvGrpSpPr/>
+        <p:nvPr/>
+      </p:nvGrpSpPr>
+      <p:grpSpPr>
+        <a:xfrm>
+          <a:off x="0" y="0"/>
+          <a:ext cx="0" cy="0"/>
+          <a:chOff x="0" y="0"/>
+          <a:chExt cx="0" cy="0"/>
+        </a:xfrm>
+      </p:grpSpPr>
+      <p:sp>
+        <p:nvSpPr>
+          <p:cNvPr id="2" name="Title 1">
+            <a:extLst>
+              <a:ext uri="{FF2B5EF4-FFF2-40B4-BE49-F238E27FC236}">
+                <a16:creationId xmlns:a16="http://schemas.microsoft.com/office/drawing/2014/main" id="{03A74E1B-5011-4835-8FA7-F71AF63EBF98}"/>
+              </a:ext>
+            </a:extLst>
+          </p:cNvPr>
+          <p:cNvSpPr>
+            <a:spLocks noGrp="1"/>
+          </p:cNvSpPr>
+          <p:nvPr>
+            <p:ph type="title"/>
+          </p:nvPr>
+        </p:nvSpPr>
+        <p:spPr/>
+        <p:txBody>
+          <a:bodyPr>
+            <a:normAutofit/>
+          </a:bodyPr>
+          <a:lstStyle/>
+          <a:p>
+            <a:r>
+              <a:rPr lang="en-US" sz="3600" dirty="0">
+                <a:latin typeface="Arial Black" panose="020B0A04020102020204" pitchFamily="34" charset="0"/>
+              </a:rPr>
+              <a:t>MIN() and MAX() Functions</a:t>
+            </a:r>
+          </a:p>
+        </p:txBody>
+      </p:sp>
+      <p:sp>
+        <p:nvSpPr>
+          <p:cNvPr id="3" name="Content Placeholder 2">
+            <a:extLst>
+              <a:ext uri="{FF2B5EF4-FFF2-40B4-BE49-F238E27FC236}">
+                <a16:creationId xmlns:a16="http://schemas.microsoft.com/office/drawing/2014/main" id="{0D4BD4DA-B4FF-44B0-A7B7-291EB3DF023F}"/>
+              </a:ext>
+            </a:extLst>
+          </p:cNvPr>
+          <p:cNvSpPr>
+            <a:spLocks noGrp="1"/>
+          </p:cNvSpPr>
+          <p:nvPr>
+            <p:ph idx="1"/>
+          </p:nvPr>
+        </p:nvSpPr>
+        <p:spPr/>
+        <p:txBody>
+          <a:bodyPr/>
+          <a:lstStyle/>
+          <a:p>
+            <a:r>
+              <a:rPr lang="en-US" dirty="0">
+                <a:solidFill>
+                  <a:srgbClr val="00B050"/>
+                </a:solidFill>
+              </a:rPr>
+              <a:t>SELECT MIN(</a:t>
+            </a:r>
+            <a:r>
+              <a:rPr lang="en-US" i="1" dirty="0" err="1">
+                <a:solidFill>
+                  <a:srgbClr val="00B050"/>
+                </a:solidFill>
+              </a:rPr>
+              <a:t>column_name</a:t>
+            </a:r>
+            <a:r>
+              <a:rPr lang="en-US" dirty="0">
+                <a:solidFill>
+                  <a:srgbClr val="00B050"/>
+                </a:solidFill>
+              </a:rPr>
+              <a:t>)</a:t>
+            </a:r>
+            <a:br>
+              <a:rPr lang="en-US" dirty="0">
+                <a:solidFill>
+                  <a:srgbClr val="00B050"/>
+                </a:solidFill>
+              </a:rPr>
+            </a:br>
+            <a:r>
+              <a:rPr lang="en-US" dirty="0">
+                <a:solidFill>
+                  <a:srgbClr val="00B050"/>
+                </a:solidFill>
+              </a:rPr>
+              <a:t>FROM </a:t>
+            </a:r>
+            <a:r>
+              <a:rPr lang="en-US" i="1" dirty="0" err="1">
+                <a:solidFill>
+                  <a:srgbClr val="00B050"/>
+                </a:solidFill>
+              </a:rPr>
+              <a:t>table_name</a:t>
+            </a:r>
+            <a:br>
+              <a:rPr lang="en-US" dirty="0">
+                <a:solidFill>
+                  <a:srgbClr val="00B050"/>
+                </a:solidFill>
+              </a:rPr>
+            </a:br>
+            <a:r>
+              <a:rPr lang="en-US" dirty="0">
+                <a:solidFill>
+                  <a:srgbClr val="00B050"/>
+                </a:solidFill>
+              </a:rPr>
+              <a:t>WHERE </a:t>
+            </a:r>
+            <a:r>
+              <a:rPr lang="en-US" i="1" dirty="0">
+                <a:solidFill>
+                  <a:srgbClr val="00B050"/>
+                </a:solidFill>
+              </a:rPr>
+              <a:t>condition</a:t>
+            </a:r>
+            <a:r>
+              <a:rPr lang="en-US" dirty="0">
+                <a:solidFill>
+                  <a:srgbClr val="00B050"/>
+                </a:solidFill>
+              </a:rPr>
+              <a:t>;</a:t>
+            </a:r>
+          </a:p>
+          <a:p>
+            <a:r>
+              <a:rPr lang="en-US" dirty="0">
+                <a:solidFill>
+                  <a:srgbClr val="00B050"/>
+                </a:solidFill>
+              </a:rPr>
+              <a:t>SELECT MAX(</a:t>
+            </a:r>
+            <a:r>
+              <a:rPr lang="en-US" i="1" dirty="0" err="1">
+                <a:solidFill>
+                  <a:srgbClr val="00B050"/>
+                </a:solidFill>
+              </a:rPr>
+              <a:t>column_name</a:t>
+            </a:r>
+            <a:r>
+              <a:rPr lang="en-US" dirty="0">
+                <a:solidFill>
+                  <a:srgbClr val="00B050"/>
+                </a:solidFill>
+              </a:rPr>
+              <a:t>)</a:t>
+            </a:r>
+            <a:br>
+              <a:rPr lang="en-US" dirty="0">
+                <a:solidFill>
+                  <a:srgbClr val="00B050"/>
+                </a:solidFill>
+              </a:rPr>
+            </a:br>
+            <a:r>
+              <a:rPr lang="en-US" dirty="0">
+                <a:solidFill>
+                  <a:srgbClr val="00B050"/>
+                </a:solidFill>
+              </a:rPr>
+              <a:t>FROM </a:t>
+            </a:r>
+            <a:r>
+              <a:rPr lang="en-US" i="1" dirty="0" err="1">
+                <a:solidFill>
+                  <a:srgbClr val="00B050"/>
+                </a:solidFill>
+              </a:rPr>
+              <a:t>table_name</a:t>
+            </a:r>
+            <a:br>
+              <a:rPr lang="en-US" dirty="0">
+                <a:solidFill>
+                  <a:srgbClr val="00B050"/>
+                </a:solidFill>
+              </a:rPr>
+            </a:br>
+            <a:r>
+              <a:rPr lang="en-US" dirty="0">
+                <a:solidFill>
+                  <a:srgbClr val="00B050"/>
+                </a:solidFill>
+              </a:rPr>
+              <a:t>WHERE </a:t>
+            </a:r>
+            <a:r>
+              <a:rPr lang="en-US" i="1" dirty="0">
+                <a:solidFill>
+                  <a:srgbClr val="00B050"/>
+                </a:solidFill>
+              </a:rPr>
+              <a:t>condition</a:t>
+            </a:r>
+            <a:r>
+              <a:rPr lang="en-US" dirty="0">
+                <a:solidFill>
+                  <a:srgbClr val="00B050"/>
+                </a:solidFill>
+              </a:rPr>
+              <a:t>;</a:t>
+            </a:r>
+          </a:p>
+          <a:p>
+            <a:r>
+              <a:rPr lang="en-US" dirty="0"/>
+              <a:t>SELECT MIN(Price) AS </a:t>
+            </a:r>
+            <a:r>
+              <a:rPr lang="en-US" dirty="0" err="1"/>
+              <a:t>SmallestPrice</a:t>
+            </a:r>
+            <a:br>
+              <a:rPr lang="en-US" dirty="0"/>
+            </a:br>
+            <a:r>
+              <a:rPr lang="en-US" dirty="0"/>
+              <a:t>FROM Products;</a:t>
+            </a:r>
+          </a:p>
+          <a:p>
+            <a:r>
+              <a:rPr lang="en-US" dirty="0"/>
+              <a:t>SELECT MAX(Price) AS </a:t>
+            </a:r>
+            <a:r>
+              <a:rPr lang="en-US" dirty="0" err="1"/>
+              <a:t>LargestPrice</a:t>
+            </a:r>
+            <a:br>
+              <a:rPr lang="en-US" dirty="0"/>
+            </a:br>
+            <a:r>
+              <a:rPr lang="en-US" dirty="0"/>
+              <a:t>FROM Products;</a:t>
+            </a:r>
+          </a:p>
+        </p:txBody>
+      </p:sp>
+    </p:spTree>
+    <p:extLst>
+      <p:ext uri="{BB962C8B-B14F-4D97-AF65-F5344CB8AC3E}">
+        <p14:creationId xmlns:p14="http://schemas.microsoft.com/office/powerpoint/2010/main" val="2103328032"/>
+      </p:ext>
+    </p:extLst>
+  </p:cSld>
+  <p:clrMapOvr>
+    <a:masterClrMapping/>
+  </p:clrMapOvr>
+</p:sld>
+</file>
+
 <file path=ppt/slides/slide4.xml><?xml version="1.0" encoding="utf-8"?>
 <p:sld xmlns:a="http://schemas.openxmlformats.org/drawingml/2006/main" xmlns:r="http://schemas.openxmlformats.org/officeDocument/2006/relationships" xmlns:p="http://schemas.openxmlformats.org/presentationml/2006/main">
   <p:cSld>
@@ -10319,6 +12263,2243 @@
     <p:extLst>
       <p:ext uri="{BB962C8B-B14F-4D97-AF65-F5344CB8AC3E}">
         <p14:creationId xmlns:p14="http://schemas.microsoft.com/office/powerpoint/2010/main" val="695442362"/>
+      </p:ext>
+    </p:extLst>
+  </p:cSld>
+  <p:clrMapOvr>
+    <a:masterClrMapping/>
+  </p:clrMapOvr>
+</p:sld>
+</file>
+
+<file path=ppt/slides/slide40.xml><?xml version="1.0" encoding="utf-8"?>
+<p:sld xmlns:a="http://schemas.openxmlformats.org/drawingml/2006/main" xmlns:r="http://schemas.openxmlformats.org/officeDocument/2006/relationships" xmlns:p="http://schemas.openxmlformats.org/presentationml/2006/main">
+  <p:cSld>
+    <p:spTree>
+      <p:nvGrpSpPr>
+        <p:cNvPr id="1" name=""/>
+        <p:cNvGrpSpPr/>
+        <p:nvPr/>
+      </p:nvGrpSpPr>
+      <p:grpSpPr>
+        <a:xfrm>
+          <a:off x="0" y="0"/>
+          <a:ext cx="0" cy="0"/>
+          <a:chOff x="0" y="0"/>
+          <a:chExt cx="0" cy="0"/>
+        </a:xfrm>
+      </p:grpSpPr>
+      <p:sp>
+        <p:nvSpPr>
+          <p:cNvPr id="2" name="Title 1">
+            <a:extLst>
+              <a:ext uri="{FF2B5EF4-FFF2-40B4-BE49-F238E27FC236}">
+                <a16:creationId xmlns:a16="http://schemas.microsoft.com/office/drawing/2014/main" id="{AB5829EE-8A26-4BF5-8CB5-92C36A51F7BC}"/>
+              </a:ext>
+            </a:extLst>
+          </p:cNvPr>
+          <p:cNvSpPr>
+            <a:spLocks noGrp="1"/>
+          </p:cNvSpPr>
+          <p:nvPr>
+            <p:ph type="title"/>
+          </p:nvPr>
+        </p:nvSpPr>
+        <p:spPr/>
+        <p:txBody>
+          <a:bodyPr>
+            <a:normAutofit/>
+          </a:bodyPr>
+          <a:lstStyle/>
+          <a:p>
+            <a:r>
+              <a:rPr lang="en-US" b="1" dirty="0"/>
+              <a:t>COUNT(), AVG() and SUM()</a:t>
+            </a:r>
+          </a:p>
+        </p:txBody>
+      </p:sp>
+      <p:sp>
+        <p:nvSpPr>
+          <p:cNvPr id="3" name="Content Placeholder 2">
+            <a:extLst>
+              <a:ext uri="{FF2B5EF4-FFF2-40B4-BE49-F238E27FC236}">
+                <a16:creationId xmlns:a16="http://schemas.microsoft.com/office/drawing/2014/main" id="{0A63F985-48E3-4E5D-A77E-545C52EA4900}"/>
+              </a:ext>
+            </a:extLst>
+          </p:cNvPr>
+          <p:cNvSpPr>
+            <a:spLocks noGrp="1"/>
+          </p:cNvSpPr>
+          <p:nvPr>
+            <p:ph idx="1"/>
+          </p:nvPr>
+        </p:nvSpPr>
+        <p:spPr/>
+        <p:txBody>
+          <a:bodyPr/>
+          <a:lstStyle/>
+          <a:p>
+            <a:r>
+              <a:rPr lang="en-US" dirty="0"/>
+              <a:t>SELECT COUNT(</a:t>
+            </a:r>
+            <a:r>
+              <a:rPr lang="en-US" dirty="0" err="1"/>
+              <a:t>ProductID</a:t>
+            </a:r>
+            <a:r>
+              <a:rPr lang="en-US" dirty="0"/>
+              <a:t>)</a:t>
+            </a:r>
+            <a:br>
+              <a:rPr lang="en-US" dirty="0"/>
+            </a:br>
+            <a:r>
+              <a:rPr lang="en-US" dirty="0"/>
+              <a:t>FROM Products;</a:t>
+            </a:r>
+          </a:p>
+          <a:p>
+            <a:r>
+              <a:rPr lang="en-US" dirty="0"/>
+              <a:t>SELECT AVG(Price)</a:t>
+            </a:r>
+            <a:br>
+              <a:rPr lang="en-US" dirty="0"/>
+            </a:br>
+            <a:r>
+              <a:rPr lang="en-US" dirty="0"/>
+              <a:t>FROM Products;</a:t>
+            </a:r>
+          </a:p>
+          <a:p>
+            <a:r>
+              <a:rPr lang="en-US" dirty="0"/>
+              <a:t>SELECT SUM(Quantity)</a:t>
+            </a:r>
+            <a:br>
+              <a:rPr lang="en-US" dirty="0"/>
+            </a:br>
+            <a:r>
+              <a:rPr lang="en-US" dirty="0"/>
+              <a:t>FROM </a:t>
+            </a:r>
+            <a:r>
+              <a:rPr lang="en-US" dirty="0" err="1"/>
+              <a:t>OrderDetails</a:t>
+            </a:r>
+            <a:r>
+              <a:rPr lang="en-US" dirty="0"/>
+              <a:t>;</a:t>
+            </a:r>
+          </a:p>
+        </p:txBody>
+      </p:sp>
+    </p:spTree>
+    <p:extLst>
+      <p:ext uri="{BB962C8B-B14F-4D97-AF65-F5344CB8AC3E}">
+        <p14:creationId xmlns:p14="http://schemas.microsoft.com/office/powerpoint/2010/main" val="1722579259"/>
+      </p:ext>
+    </p:extLst>
+  </p:cSld>
+  <p:clrMapOvr>
+    <a:masterClrMapping/>
+  </p:clrMapOvr>
+</p:sld>
+</file>
+
+<file path=ppt/slides/slide41.xml><?xml version="1.0" encoding="utf-8"?>
+<p:sld xmlns:a="http://schemas.openxmlformats.org/drawingml/2006/main" xmlns:r="http://schemas.openxmlformats.org/officeDocument/2006/relationships" xmlns:p="http://schemas.openxmlformats.org/presentationml/2006/main">
+  <p:cSld>
+    <p:spTree>
+      <p:nvGrpSpPr>
+        <p:cNvPr id="1" name=""/>
+        <p:cNvGrpSpPr/>
+        <p:nvPr/>
+      </p:nvGrpSpPr>
+      <p:grpSpPr>
+        <a:xfrm>
+          <a:off x="0" y="0"/>
+          <a:ext cx="0" cy="0"/>
+          <a:chOff x="0" y="0"/>
+          <a:chExt cx="0" cy="0"/>
+        </a:xfrm>
+      </p:grpSpPr>
+      <p:sp>
+        <p:nvSpPr>
+          <p:cNvPr id="2" name="Title 1">
+            <a:extLst>
+              <a:ext uri="{FF2B5EF4-FFF2-40B4-BE49-F238E27FC236}">
+                <a16:creationId xmlns:a16="http://schemas.microsoft.com/office/drawing/2014/main" id="{CBA0E66E-6B05-48C2-BF9A-DE49925B1DF5}"/>
+              </a:ext>
+            </a:extLst>
+          </p:cNvPr>
+          <p:cNvSpPr>
+            <a:spLocks noGrp="1"/>
+          </p:cNvSpPr>
+          <p:nvPr>
+            <p:ph type="title"/>
+          </p:nvPr>
+        </p:nvSpPr>
+        <p:spPr/>
+        <p:txBody>
+          <a:bodyPr>
+            <a:normAutofit/>
+          </a:bodyPr>
+          <a:lstStyle/>
+          <a:p>
+            <a:r>
+              <a:rPr lang="en-US" dirty="0">
+                <a:latin typeface="Arial Black" panose="020B0A04020102020204" pitchFamily="34" charset="0"/>
+              </a:rPr>
+              <a:t>LIKE Operator</a:t>
+            </a:r>
+          </a:p>
+        </p:txBody>
+      </p:sp>
+      <p:sp>
+        <p:nvSpPr>
+          <p:cNvPr id="3" name="Content Placeholder 2">
+            <a:extLst>
+              <a:ext uri="{FF2B5EF4-FFF2-40B4-BE49-F238E27FC236}">
+                <a16:creationId xmlns:a16="http://schemas.microsoft.com/office/drawing/2014/main" id="{219B54A9-D9B1-4709-89E4-E40418A0D354}"/>
+              </a:ext>
+            </a:extLst>
+          </p:cNvPr>
+          <p:cNvSpPr>
+            <a:spLocks noGrp="1"/>
+          </p:cNvSpPr>
+          <p:nvPr>
+            <p:ph idx="1"/>
+          </p:nvPr>
+        </p:nvSpPr>
+        <p:spPr>
+          <a:xfrm>
+            <a:off x="838200" y="1623705"/>
+            <a:ext cx="10515600" cy="5106704"/>
+          </a:xfrm>
+        </p:spPr>
+        <p:txBody>
+          <a:bodyPr>
+            <a:normAutofit lnSpcReduction="10000"/>
+          </a:bodyPr>
+          <a:lstStyle/>
+          <a:p>
+            <a:pPr marL="0" indent="0">
+              <a:buNone/>
+            </a:pPr>
+            <a:r>
+              <a:rPr lang="en-US" sz="2400" dirty="0"/>
+              <a:t>wildcards for LIKE operator:</a:t>
+            </a:r>
+          </a:p>
+          <a:p>
+            <a:r>
+              <a:rPr lang="en-US" sz="2400" dirty="0">
+                <a:highlight>
+                  <a:srgbClr val="FFFF00"/>
+                </a:highlight>
+              </a:rPr>
+              <a:t>%</a:t>
+            </a:r>
+            <a:r>
+              <a:rPr lang="en-US" sz="2400" dirty="0"/>
+              <a:t>  The percent sign represents zero, one, or multiple characters</a:t>
+            </a:r>
+          </a:p>
+          <a:p>
+            <a:r>
+              <a:rPr lang="en-US" sz="2400" dirty="0">
+                <a:highlight>
+                  <a:srgbClr val="FFFF00"/>
+                </a:highlight>
+              </a:rPr>
+              <a:t>_</a:t>
+            </a:r>
+            <a:r>
+              <a:rPr lang="en-US" sz="2400" dirty="0"/>
+              <a:t>  The underscore represents a single character</a:t>
+            </a:r>
+          </a:p>
+          <a:p>
+            <a:endParaRPr lang="en-US" sz="2400" dirty="0"/>
+          </a:p>
+          <a:p>
+            <a:r>
+              <a:rPr lang="en-US" sz="2400" dirty="0">
+                <a:solidFill>
+                  <a:srgbClr val="00B050"/>
+                </a:solidFill>
+              </a:rPr>
+              <a:t>SELECT </a:t>
+            </a:r>
+            <a:r>
+              <a:rPr lang="en-US" sz="2400" i="1" dirty="0">
+                <a:solidFill>
+                  <a:srgbClr val="00B050"/>
+                </a:solidFill>
+              </a:rPr>
+              <a:t>column1, column2, ...</a:t>
+            </a:r>
+            <a:br>
+              <a:rPr lang="en-US" sz="2400" dirty="0">
+                <a:solidFill>
+                  <a:srgbClr val="00B050"/>
+                </a:solidFill>
+              </a:rPr>
+            </a:br>
+            <a:r>
+              <a:rPr lang="en-US" sz="2400" dirty="0">
+                <a:solidFill>
+                  <a:srgbClr val="00B050"/>
+                </a:solidFill>
+              </a:rPr>
+              <a:t>FROM </a:t>
+            </a:r>
+            <a:r>
+              <a:rPr lang="en-US" sz="2400" i="1" dirty="0" err="1">
+                <a:solidFill>
+                  <a:srgbClr val="00B050"/>
+                </a:solidFill>
+              </a:rPr>
+              <a:t>table_name</a:t>
+            </a:r>
+            <a:br>
+              <a:rPr lang="en-US" sz="2400" dirty="0">
+                <a:solidFill>
+                  <a:srgbClr val="00B050"/>
+                </a:solidFill>
+              </a:rPr>
+            </a:br>
+            <a:r>
+              <a:rPr lang="en-US" sz="2400" dirty="0">
+                <a:solidFill>
+                  <a:srgbClr val="00B050"/>
+                </a:solidFill>
+              </a:rPr>
+              <a:t>WHERE </a:t>
+            </a:r>
+            <a:r>
+              <a:rPr lang="en-US" sz="2400" i="1" dirty="0">
+                <a:solidFill>
+                  <a:srgbClr val="00B050"/>
+                </a:solidFill>
+              </a:rPr>
+              <a:t>column</a:t>
+            </a:r>
+            <a:r>
+              <a:rPr lang="en-US" sz="2400" dirty="0">
+                <a:solidFill>
+                  <a:srgbClr val="00B050"/>
+                </a:solidFill>
+              </a:rPr>
+              <a:t> LIKE </a:t>
+            </a:r>
+            <a:r>
+              <a:rPr lang="en-US" sz="2400" i="1" dirty="0">
+                <a:solidFill>
+                  <a:srgbClr val="00B050"/>
+                </a:solidFill>
+              </a:rPr>
+              <a:t>pattern</a:t>
+            </a:r>
+            <a:r>
+              <a:rPr lang="en-US" sz="2400" dirty="0">
+                <a:solidFill>
+                  <a:srgbClr val="00B050"/>
+                </a:solidFill>
+              </a:rPr>
+              <a:t>;</a:t>
+            </a:r>
+          </a:p>
+          <a:p>
+            <a:endParaRPr lang="en-US" sz="2400" dirty="0">
+              <a:solidFill>
+                <a:srgbClr val="00B050"/>
+              </a:solidFill>
+            </a:endParaRPr>
+          </a:p>
+          <a:p>
+            <a:r>
+              <a:rPr lang="en-US" dirty="0"/>
+              <a:t>SELECT * FROM Customers</a:t>
+            </a:r>
+            <a:br>
+              <a:rPr lang="en-US" sz="2400" dirty="0"/>
+            </a:br>
+            <a:r>
+              <a:rPr lang="en-US" dirty="0"/>
+              <a:t>WHERE City LIKE '</a:t>
+            </a:r>
+            <a:r>
+              <a:rPr lang="en-US" dirty="0" err="1"/>
+              <a:t>ber</a:t>
+            </a:r>
+            <a:r>
+              <a:rPr lang="en-US" dirty="0"/>
+              <a:t>%';</a:t>
+            </a:r>
+            <a:endParaRPr lang="en-US" sz="2400" dirty="0">
+              <a:solidFill>
+                <a:srgbClr val="00B050"/>
+              </a:solidFill>
+            </a:endParaRPr>
+          </a:p>
+          <a:p>
+            <a:r>
+              <a:rPr lang="en-US" dirty="0"/>
+              <a:t>SELECT * FROM Customers WHERE City LIKE '%es%’;</a:t>
+            </a:r>
+          </a:p>
+          <a:p>
+            <a:r>
+              <a:rPr lang="en-US" dirty="0"/>
+              <a:t>SELECT * FROM Customers WHERE City LIKE '_</a:t>
+            </a:r>
+            <a:r>
+              <a:rPr lang="en-US" dirty="0" err="1"/>
+              <a:t>ondon</a:t>
+            </a:r>
+            <a:r>
+              <a:rPr lang="en-US" dirty="0"/>
+              <a:t>';</a:t>
+            </a:r>
+            <a:endParaRPr lang="en-US" sz="2400" dirty="0"/>
+          </a:p>
+        </p:txBody>
+      </p:sp>
+      <p:pic>
+        <p:nvPicPr>
+          <p:cNvPr id="4" name="Picture 3">
+            <a:extLst>
+              <a:ext uri="{FF2B5EF4-FFF2-40B4-BE49-F238E27FC236}">
+                <a16:creationId xmlns:a16="http://schemas.microsoft.com/office/drawing/2014/main" id="{E8630785-6CC1-4A3C-BEFF-BD02FC18DCEE}"/>
+              </a:ext>
+            </a:extLst>
+          </p:cNvPr>
+          <p:cNvPicPr>
+            <a:picLocks noChangeAspect="1"/>
+          </p:cNvPicPr>
+          <p:nvPr/>
+        </p:nvPicPr>
+        <p:blipFill>
+          <a:blip r:embed="rId2"/>
+          <a:stretch>
+            <a:fillRect/>
+          </a:stretch>
+        </p:blipFill>
+        <p:spPr>
+          <a:xfrm>
+            <a:off x="5369442" y="2945219"/>
+            <a:ext cx="6705600" cy="2488017"/>
+          </a:xfrm>
+          <a:prstGeom prst="rect">
+            <a:avLst/>
+          </a:prstGeom>
+        </p:spPr>
+      </p:pic>
+    </p:spTree>
+    <p:extLst>
+      <p:ext uri="{BB962C8B-B14F-4D97-AF65-F5344CB8AC3E}">
+        <p14:creationId xmlns:p14="http://schemas.microsoft.com/office/powerpoint/2010/main" val="1825520086"/>
+      </p:ext>
+    </p:extLst>
+  </p:cSld>
+  <p:clrMapOvr>
+    <a:masterClrMapping/>
+  </p:clrMapOvr>
+</p:sld>
+</file>
+
+<file path=ppt/slides/slide42.xml><?xml version="1.0" encoding="utf-8"?>
+<p:sld xmlns:a="http://schemas.openxmlformats.org/drawingml/2006/main" xmlns:r="http://schemas.openxmlformats.org/officeDocument/2006/relationships" xmlns:p="http://schemas.openxmlformats.org/presentationml/2006/main">
+  <p:cSld>
+    <p:spTree>
+      <p:nvGrpSpPr>
+        <p:cNvPr id="1" name=""/>
+        <p:cNvGrpSpPr/>
+        <p:nvPr/>
+      </p:nvGrpSpPr>
+      <p:grpSpPr>
+        <a:xfrm>
+          <a:off x="0" y="0"/>
+          <a:ext cx="0" cy="0"/>
+          <a:chOff x="0" y="0"/>
+          <a:chExt cx="0" cy="0"/>
+        </a:xfrm>
+      </p:grpSpPr>
+      <p:sp>
+        <p:nvSpPr>
+          <p:cNvPr id="2" name="Title 1">
+            <a:extLst>
+              <a:ext uri="{FF2B5EF4-FFF2-40B4-BE49-F238E27FC236}">
+                <a16:creationId xmlns:a16="http://schemas.microsoft.com/office/drawing/2014/main" id="{B5612CA3-AF08-4485-8204-3E31934C3FD9}"/>
+              </a:ext>
+            </a:extLst>
+          </p:cNvPr>
+          <p:cNvSpPr>
+            <a:spLocks noGrp="1"/>
+          </p:cNvSpPr>
+          <p:nvPr>
+            <p:ph type="title"/>
+          </p:nvPr>
+        </p:nvSpPr>
+        <p:spPr/>
+        <p:txBody>
+          <a:bodyPr>
+            <a:normAutofit/>
+          </a:bodyPr>
+          <a:lstStyle/>
+          <a:p>
+            <a:r>
+              <a:rPr lang="en-US" dirty="0">
+                <a:latin typeface="Arial Black" panose="020B0A04020102020204" pitchFamily="34" charset="0"/>
+              </a:rPr>
+              <a:t>IN Operator</a:t>
+            </a:r>
+          </a:p>
+        </p:txBody>
+      </p:sp>
+      <p:sp>
+        <p:nvSpPr>
+          <p:cNvPr id="3" name="Content Placeholder 2">
+            <a:extLst>
+              <a:ext uri="{FF2B5EF4-FFF2-40B4-BE49-F238E27FC236}">
+                <a16:creationId xmlns:a16="http://schemas.microsoft.com/office/drawing/2014/main" id="{ACE50367-760C-479C-9E57-DB55CB5AF8E8}"/>
+              </a:ext>
+            </a:extLst>
+          </p:cNvPr>
+          <p:cNvSpPr>
+            <a:spLocks noGrp="1"/>
+          </p:cNvSpPr>
+          <p:nvPr>
+            <p:ph idx="1"/>
+          </p:nvPr>
+        </p:nvSpPr>
+        <p:spPr/>
+        <p:txBody>
+          <a:bodyPr/>
+          <a:lstStyle/>
+          <a:p>
+            <a:r>
+              <a:rPr lang="en-US" dirty="0">
+                <a:solidFill>
+                  <a:srgbClr val="00B050"/>
+                </a:solidFill>
+              </a:rPr>
+              <a:t>SELECT </a:t>
+            </a:r>
+            <a:r>
+              <a:rPr lang="en-US" i="1" dirty="0" err="1">
+                <a:solidFill>
+                  <a:srgbClr val="00B050"/>
+                </a:solidFill>
+              </a:rPr>
+              <a:t>column_name</a:t>
+            </a:r>
+            <a:r>
+              <a:rPr lang="en-US" i="1" dirty="0">
+                <a:solidFill>
+                  <a:srgbClr val="00B050"/>
+                </a:solidFill>
+              </a:rPr>
+              <a:t>(s)</a:t>
+            </a:r>
+            <a:br>
+              <a:rPr lang="en-US" dirty="0">
+                <a:solidFill>
+                  <a:srgbClr val="00B050"/>
+                </a:solidFill>
+              </a:rPr>
+            </a:br>
+            <a:r>
+              <a:rPr lang="en-US" dirty="0">
+                <a:solidFill>
+                  <a:srgbClr val="00B050"/>
+                </a:solidFill>
+              </a:rPr>
+              <a:t>FROM </a:t>
+            </a:r>
+            <a:r>
+              <a:rPr lang="en-US" i="1" dirty="0" err="1">
+                <a:solidFill>
+                  <a:srgbClr val="00B050"/>
+                </a:solidFill>
+              </a:rPr>
+              <a:t>table_name</a:t>
+            </a:r>
+            <a:br>
+              <a:rPr lang="en-US" dirty="0">
+                <a:solidFill>
+                  <a:srgbClr val="00B050"/>
+                </a:solidFill>
+              </a:rPr>
+            </a:br>
+            <a:r>
+              <a:rPr lang="en-US" dirty="0">
+                <a:solidFill>
+                  <a:srgbClr val="00B050"/>
+                </a:solidFill>
+              </a:rPr>
+              <a:t>WHERE </a:t>
+            </a:r>
+            <a:r>
+              <a:rPr lang="en-US" i="1" dirty="0" err="1">
+                <a:solidFill>
+                  <a:srgbClr val="00B050"/>
+                </a:solidFill>
+              </a:rPr>
+              <a:t>column_name</a:t>
+            </a:r>
+            <a:r>
+              <a:rPr lang="en-US" dirty="0">
+                <a:solidFill>
+                  <a:srgbClr val="00B050"/>
+                </a:solidFill>
+              </a:rPr>
+              <a:t> IN (</a:t>
+            </a:r>
+            <a:r>
+              <a:rPr lang="en-US" i="1" dirty="0">
+                <a:solidFill>
+                  <a:srgbClr val="00B050"/>
+                </a:solidFill>
+              </a:rPr>
+              <a:t>value1</a:t>
+            </a:r>
+            <a:r>
+              <a:rPr lang="en-US" dirty="0">
+                <a:solidFill>
+                  <a:srgbClr val="00B050"/>
+                </a:solidFill>
+              </a:rPr>
+              <a:t>,</a:t>
+            </a:r>
+            <a:r>
+              <a:rPr lang="en-US" i="1" dirty="0">
+                <a:solidFill>
+                  <a:srgbClr val="00B050"/>
+                </a:solidFill>
+              </a:rPr>
+              <a:t> value2</a:t>
+            </a:r>
+            <a:r>
+              <a:rPr lang="en-US" dirty="0">
+                <a:solidFill>
+                  <a:srgbClr val="00B050"/>
+                </a:solidFill>
+              </a:rPr>
+              <a:t>, ...);</a:t>
+            </a:r>
+          </a:p>
+          <a:p>
+            <a:r>
+              <a:rPr lang="en-US" dirty="0">
+                <a:solidFill>
+                  <a:srgbClr val="00B050"/>
+                </a:solidFill>
+              </a:rPr>
+              <a:t>SELECT </a:t>
+            </a:r>
+            <a:r>
+              <a:rPr lang="en-US" i="1" dirty="0" err="1">
+                <a:solidFill>
+                  <a:srgbClr val="00B050"/>
+                </a:solidFill>
+              </a:rPr>
+              <a:t>column_name</a:t>
+            </a:r>
+            <a:r>
+              <a:rPr lang="en-US" i="1" dirty="0">
+                <a:solidFill>
+                  <a:srgbClr val="00B050"/>
+                </a:solidFill>
+              </a:rPr>
+              <a:t>(s)</a:t>
+            </a:r>
+            <a:br>
+              <a:rPr lang="en-US" dirty="0">
+                <a:solidFill>
+                  <a:srgbClr val="00B050"/>
+                </a:solidFill>
+              </a:rPr>
+            </a:br>
+            <a:r>
+              <a:rPr lang="en-US" dirty="0">
+                <a:solidFill>
+                  <a:srgbClr val="00B050"/>
+                </a:solidFill>
+              </a:rPr>
+              <a:t>FROM </a:t>
+            </a:r>
+            <a:r>
+              <a:rPr lang="en-US" i="1" dirty="0" err="1">
+                <a:solidFill>
+                  <a:srgbClr val="00B050"/>
+                </a:solidFill>
+              </a:rPr>
+              <a:t>table_name</a:t>
+            </a:r>
+            <a:br>
+              <a:rPr lang="en-US" dirty="0">
+                <a:solidFill>
+                  <a:srgbClr val="00B050"/>
+                </a:solidFill>
+              </a:rPr>
+            </a:br>
+            <a:r>
+              <a:rPr lang="en-US" dirty="0">
+                <a:solidFill>
+                  <a:srgbClr val="00B050"/>
+                </a:solidFill>
+              </a:rPr>
+              <a:t>WHERE </a:t>
+            </a:r>
+            <a:r>
+              <a:rPr lang="en-US" i="1" dirty="0" err="1">
+                <a:solidFill>
+                  <a:srgbClr val="00B050"/>
+                </a:solidFill>
+              </a:rPr>
+              <a:t>column_name</a:t>
+            </a:r>
+            <a:r>
+              <a:rPr lang="en-US" dirty="0">
+                <a:solidFill>
+                  <a:srgbClr val="00B050"/>
+                </a:solidFill>
+              </a:rPr>
+              <a:t> IN (</a:t>
+            </a:r>
+            <a:r>
+              <a:rPr lang="en-US" i="1" dirty="0">
+                <a:solidFill>
+                  <a:srgbClr val="00B050"/>
+                </a:solidFill>
+              </a:rPr>
+              <a:t>SELECT STATEMENT</a:t>
+            </a:r>
+            <a:r>
+              <a:rPr lang="en-US" dirty="0">
+                <a:solidFill>
+                  <a:srgbClr val="00B050"/>
+                </a:solidFill>
+              </a:rPr>
+              <a:t>);</a:t>
+            </a:r>
+          </a:p>
+          <a:p>
+            <a:r>
+              <a:rPr lang="en-US" dirty="0"/>
+              <a:t>SELECT * FROM Customers</a:t>
+            </a:r>
+            <a:br>
+              <a:rPr lang="en-US" dirty="0"/>
+            </a:br>
+            <a:r>
+              <a:rPr lang="en-US" dirty="0"/>
+              <a:t>WHERE Country IN ('Germany', 'France', 'UK’);</a:t>
+            </a:r>
+          </a:p>
+          <a:p>
+            <a:r>
+              <a:rPr lang="en-US" dirty="0"/>
+              <a:t>SELECT * FROM Customers</a:t>
+            </a:r>
+            <a:br>
+              <a:rPr lang="en-US" dirty="0"/>
+            </a:br>
+            <a:r>
+              <a:rPr lang="en-US" dirty="0"/>
+              <a:t>WHERE Country IN (SELECT Country FROM Suppliers);</a:t>
+            </a:r>
+            <a:endParaRPr lang="en-US" dirty="0">
+              <a:solidFill>
+                <a:srgbClr val="00B050"/>
+              </a:solidFill>
+            </a:endParaRPr>
+          </a:p>
+        </p:txBody>
+      </p:sp>
+    </p:spTree>
+    <p:extLst>
+      <p:ext uri="{BB962C8B-B14F-4D97-AF65-F5344CB8AC3E}">
+        <p14:creationId xmlns:p14="http://schemas.microsoft.com/office/powerpoint/2010/main" val="24805035"/>
+      </p:ext>
+    </p:extLst>
+  </p:cSld>
+  <p:clrMapOvr>
+    <a:masterClrMapping/>
+  </p:clrMapOvr>
+</p:sld>
+</file>
+
+<file path=ppt/slides/slide43.xml><?xml version="1.0" encoding="utf-8"?>
+<p:sld xmlns:a="http://schemas.openxmlformats.org/drawingml/2006/main" xmlns:r="http://schemas.openxmlformats.org/officeDocument/2006/relationships" xmlns:p="http://schemas.openxmlformats.org/presentationml/2006/main">
+  <p:cSld>
+    <p:spTree>
+      <p:nvGrpSpPr>
+        <p:cNvPr id="1" name=""/>
+        <p:cNvGrpSpPr/>
+        <p:nvPr/>
+      </p:nvGrpSpPr>
+      <p:grpSpPr>
+        <a:xfrm>
+          <a:off x="0" y="0"/>
+          <a:ext cx="0" cy="0"/>
+          <a:chOff x="0" y="0"/>
+          <a:chExt cx="0" cy="0"/>
+        </a:xfrm>
+      </p:grpSpPr>
+      <p:sp>
+        <p:nvSpPr>
+          <p:cNvPr id="2" name="Title 1">
+            <a:extLst>
+              <a:ext uri="{FF2B5EF4-FFF2-40B4-BE49-F238E27FC236}">
+                <a16:creationId xmlns:a16="http://schemas.microsoft.com/office/drawing/2014/main" id="{41E6611E-BF2B-44C7-B970-BD3D0A884411}"/>
+              </a:ext>
+            </a:extLst>
+          </p:cNvPr>
+          <p:cNvSpPr>
+            <a:spLocks noGrp="1"/>
+          </p:cNvSpPr>
+          <p:nvPr>
+            <p:ph type="title"/>
+          </p:nvPr>
+        </p:nvSpPr>
+        <p:spPr/>
+        <p:txBody>
+          <a:bodyPr>
+            <a:normAutofit/>
+          </a:bodyPr>
+          <a:lstStyle/>
+          <a:p>
+            <a:r>
+              <a:rPr lang="en-US" dirty="0">
+                <a:latin typeface="Arial Black" panose="020B0A04020102020204" pitchFamily="34" charset="0"/>
+              </a:rPr>
+              <a:t>BETWEEN Operator</a:t>
+            </a:r>
+          </a:p>
+        </p:txBody>
+      </p:sp>
+      <p:sp>
+        <p:nvSpPr>
+          <p:cNvPr id="3" name="Content Placeholder 2">
+            <a:extLst>
+              <a:ext uri="{FF2B5EF4-FFF2-40B4-BE49-F238E27FC236}">
+                <a16:creationId xmlns:a16="http://schemas.microsoft.com/office/drawing/2014/main" id="{05790EA7-CBF3-4081-B61F-311AA88E51A2}"/>
+              </a:ext>
+            </a:extLst>
+          </p:cNvPr>
+          <p:cNvSpPr>
+            <a:spLocks noGrp="1"/>
+          </p:cNvSpPr>
+          <p:nvPr>
+            <p:ph idx="1"/>
+          </p:nvPr>
+        </p:nvSpPr>
+        <p:spPr/>
+        <p:txBody>
+          <a:bodyPr/>
+          <a:lstStyle/>
+          <a:p>
+            <a:r>
+              <a:rPr lang="en-US" dirty="0">
+                <a:solidFill>
+                  <a:srgbClr val="00B050"/>
+                </a:solidFill>
+              </a:rPr>
+              <a:t>SELECT </a:t>
+            </a:r>
+            <a:r>
+              <a:rPr lang="en-US" i="1" dirty="0" err="1">
+                <a:solidFill>
+                  <a:srgbClr val="00B050"/>
+                </a:solidFill>
+              </a:rPr>
+              <a:t>column_name</a:t>
+            </a:r>
+            <a:r>
+              <a:rPr lang="en-US" i="1" dirty="0">
+                <a:solidFill>
+                  <a:srgbClr val="00B050"/>
+                </a:solidFill>
+              </a:rPr>
+              <a:t>(s)</a:t>
+            </a:r>
+            <a:br>
+              <a:rPr lang="en-US" dirty="0">
+                <a:solidFill>
+                  <a:srgbClr val="00B050"/>
+                </a:solidFill>
+              </a:rPr>
+            </a:br>
+            <a:r>
+              <a:rPr lang="en-US" dirty="0">
+                <a:solidFill>
+                  <a:srgbClr val="00B050"/>
+                </a:solidFill>
+              </a:rPr>
+              <a:t>FROM </a:t>
+            </a:r>
+            <a:r>
+              <a:rPr lang="en-US" i="1" dirty="0" err="1">
+                <a:solidFill>
+                  <a:srgbClr val="00B050"/>
+                </a:solidFill>
+              </a:rPr>
+              <a:t>table_name</a:t>
+            </a:r>
+            <a:br>
+              <a:rPr lang="en-US" dirty="0">
+                <a:solidFill>
+                  <a:srgbClr val="00B050"/>
+                </a:solidFill>
+              </a:rPr>
+            </a:br>
+            <a:r>
+              <a:rPr lang="en-US" dirty="0">
+                <a:solidFill>
+                  <a:srgbClr val="00B050"/>
+                </a:solidFill>
+              </a:rPr>
+              <a:t>WHERE </a:t>
+            </a:r>
+            <a:r>
+              <a:rPr lang="en-US" i="1" dirty="0" err="1">
+                <a:solidFill>
+                  <a:srgbClr val="00B050"/>
+                </a:solidFill>
+              </a:rPr>
+              <a:t>column_name</a:t>
+            </a:r>
+            <a:r>
+              <a:rPr lang="en-US" i="1" dirty="0">
+                <a:solidFill>
+                  <a:srgbClr val="00B050"/>
+                </a:solidFill>
+              </a:rPr>
+              <a:t> </a:t>
+            </a:r>
+            <a:r>
+              <a:rPr lang="en-US" dirty="0">
+                <a:solidFill>
+                  <a:srgbClr val="00B050"/>
+                </a:solidFill>
+              </a:rPr>
+              <a:t>BETWEEN </a:t>
+            </a:r>
+            <a:r>
+              <a:rPr lang="en-US" i="1" dirty="0">
+                <a:solidFill>
+                  <a:srgbClr val="00B050"/>
+                </a:solidFill>
+              </a:rPr>
+              <a:t>value1</a:t>
+            </a:r>
+            <a:r>
+              <a:rPr lang="en-US" dirty="0">
+                <a:solidFill>
+                  <a:srgbClr val="00B050"/>
+                </a:solidFill>
+              </a:rPr>
+              <a:t> AND </a:t>
+            </a:r>
+            <a:r>
+              <a:rPr lang="en-US" i="1" dirty="0">
+                <a:solidFill>
+                  <a:srgbClr val="00B050"/>
+                </a:solidFill>
+              </a:rPr>
+              <a:t>value2;</a:t>
+            </a:r>
+          </a:p>
+          <a:p>
+            <a:endParaRPr lang="en-US" i="1" dirty="0"/>
+          </a:p>
+          <a:p>
+            <a:r>
+              <a:rPr lang="en-US" dirty="0"/>
+              <a:t>SELECT * FROM Products</a:t>
+            </a:r>
+            <a:br>
+              <a:rPr lang="en-US" dirty="0"/>
+            </a:br>
+            <a:r>
+              <a:rPr lang="en-US" dirty="0"/>
+              <a:t>WHERE Price BETWEEN 10 AND 20;</a:t>
+            </a:r>
+          </a:p>
+          <a:p>
+            <a:r>
+              <a:rPr lang="en-US" dirty="0"/>
+              <a:t>SELECT * FROM Products</a:t>
+            </a:r>
+            <a:br>
+              <a:rPr lang="en-US" dirty="0"/>
+            </a:br>
+            <a:r>
+              <a:rPr lang="en-US" dirty="0"/>
+              <a:t>WHERE Price NOT BETWEEN 10 AND 20;</a:t>
+            </a:r>
+          </a:p>
+        </p:txBody>
+      </p:sp>
+    </p:spTree>
+    <p:extLst>
+      <p:ext uri="{BB962C8B-B14F-4D97-AF65-F5344CB8AC3E}">
+        <p14:creationId xmlns:p14="http://schemas.microsoft.com/office/powerpoint/2010/main" val="751743251"/>
+      </p:ext>
+    </p:extLst>
+  </p:cSld>
+  <p:clrMapOvr>
+    <a:masterClrMapping/>
+  </p:clrMapOvr>
+</p:sld>
+</file>
+
+<file path=ppt/slides/slide44.xml><?xml version="1.0" encoding="utf-8"?>
+<p:sld xmlns:a="http://schemas.openxmlformats.org/drawingml/2006/main" xmlns:r="http://schemas.openxmlformats.org/officeDocument/2006/relationships" xmlns:p="http://schemas.openxmlformats.org/presentationml/2006/main">
+  <p:cSld>
+    <p:spTree>
+      <p:nvGrpSpPr>
+        <p:cNvPr id="1" name=""/>
+        <p:cNvGrpSpPr/>
+        <p:nvPr/>
+      </p:nvGrpSpPr>
+      <p:grpSpPr>
+        <a:xfrm>
+          <a:off x="0" y="0"/>
+          <a:ext cx="0" cy="0"/>
+          <a:chOff x="0" y="0"/>
+          <a:chExt cx="0" cy="0"/>
+        </a:xfrm>
+      </p:grpSpPr>
+      <p:sp>
+        <p:nvSpPr>
+          <p:cNvPr id="2" name="Title 1">
+            <a:extLst>
+              <a:ext uri="{FF2B5EF4-FFF2-40B4-BE49-F238E27FC236}">
+                <a16:creationId xmlns:a16="http://schemas.microsoft.com/office/drawing/2014/main" id="{F5441D79-CA7F-4B6A-98CB-1FBB05F968C4}"/>
+              </a:ext>
+            </a:extLst>
+          </p:cNvPr>
+          <p:cNvSpPr>
+            <a:spLocks noGrp="1"/>
+          </p:cNvSpPr>
+          <p:nvPr>
+            <p:ph type="ctrTitle"/>
+          </p:nvPr>
+        </p:nvSpPr>
+        <p:spPr/>
+        <p:txBody>
+          <a:bodyPr/>
+          <a:lstStyle/>
+          <a:p>
+            <a:r>
+              <a:rPr lang="en-US" dirty="0">
+                <a:latin typeface="Arial Black" panose="020B0A04020102020204" pitchFamily="34" charset="0"/>
+              </a:rPr>
+              <a:t>Python MySQL</a:t>
+            </a:r>
+          </a:p>
+        </p:txBody>
+      </p:sp>
+      <p:sp>
+        <p:nvSpPr>
+          <p:cNvPr id="3" name="Subtitle 2">
+            <a:extLst>
+              <a:ext uri="{FF2B5EF4-FFF2-40B4-BE49-F238E27FC236}">
+                <a16:creationId xmlns:a16="http://schemas.microsoft.com/office/drawing/2014/main" id="{5FECABCD-0F13-48A8-AA0B-BBAE6EEA06E8}"/>
+              </a:ext>
+            </a:extLst>
+          </p:cNvPr>
+          <p:cNvSpPr>
+            <a:spLocks noGrp="1"/>
+          </p:cNvSpPr>
+          <p:nvPr>
+            <p:ph type="subTitle" idx="1"/>
+          </p:nvPr>
+        </p:nvSpPr>
+        <p:spPr/>
+        <p:txBody>
+          <a:bodyPr/>
+          <a:lstStyle/>
+          <a:p>
+            <a:r>
+              <a:rPr lang="en-US" dirty="0"/>
+              <a:t>Handel DB from Python</a:t>
+            </a:r>
+          </a:p>
+        </p:txBody>
+      </p:sp>
+    </p:spTree>
+    <p:extLst>
+      <p:ext uri="{BB962C8B-B14F-4D97-AF65-F5344CB8AC3E}">
+        <p14:creationId xmlns:p14="http://schemas.microsoft.com/office/powerpoint/2010/main" val="263146890"/>
+      </p:ext>
+    </p:extLst>
+  </p:cSld>
+  <p:clrMapOvr>
+    <a:masterClrMapping/>
+  </p:clrMapOvr>
+</p:sld>
+</file>
+
+<file path=ppt/slides/slide45.xml><?xml version="1.0" encoding="utf-8"?>
+<p:sld xmlns:a="http://schemas.openxmlformats.org/drawingml/2006/main" xmlns:r="http://schemas.openxmlformats.org/officeDocument/2006/relationships" xmlns:p="http://schemas.openxmlformats.org/presentationml/2006/main">
+  <p:cSld>
+    <p:spTree>
+      <p:nvGrpSpPr>
+        <p:cNvPr id="1" name=""/>
+        <p:cNvGrpSpPr/>
+        <p:nvPr/>
+      </p:nvGrpSpPr>
+      <p:grpSpPr>
+        <a:xfrm>
+          <a:off x="0" y="0"/>
+          <a:ext cx="0" cy="0"/>
+          <a:chOff x="0" y="0"/>
+          <a:chExt cx="0" cy="0"/>
+        </a:xfrm>
+      </p:grpSpPr>
+      <p:sp>
+        <p:nvSpPr>
+          <p:cNvPr id="2" name="Title 1">
+            <a:extLst>
+              <a:ext uri="{FF2B5EF4-FFF2-40B4-BE49-F238E27FC236}">
+                <a16:creationId xmlns:a16="http://schemas.microsoft.com/office/drawing/2014/main" id="{AD431ACD-7099-4EAF-9DE3-A333D7335DC1}"/>
+              </a:ext>
+            </a:extLst>
+          </p:cNvPr>
+          <p:cNvSpPr>
+            <a:spLocks noGrp="1"/>
+          </p:cNvSpPr>
+          <p:nvPr>
+            <p:ph type="title"/>
+          </p:nvPr>
+        </p:nvSpPr>
+        <p:spPr>
+          <a:xfrm>
+            <a:off x="297712" y="777254"/>
+            <a:ext cx="11056088" cy="832606"/>
+          </a:xfrm>
+        </p:spPr>
+        <p:txBody>
+          <a:bodyPr/>
+          <a:lstStyle/>
+          <a:p>
+            <a:r>
+              <a:rPr lang="en-US" dirty="0">
+                <a:latin typeface="Arial Black" panose="020B0A04020102020204" pitchFamily="34" charset="0"/>
+              </a:rPr>
+              <a:t>Python </a:t>
+            </a:r>
+            <a:r>
+              <a:rPr lang="en-US" dirty="0" err="1">
+                <a:latin typeface="Arial Black" panose="020B0A04020102020204" pitchFamily="34" charset="0"/>
+              </a:rPr>
+              <a:t>Mysql</a:t>
+            </a:r>
+            <a:r>
+              <a:rPr lang="en-US" dirty="0">
+                <a:latin typeface="Arial Black" panose="020B0A04020102020204" pitchFamily="34" charset="0"/>
+              </a:rPr>
+              <a:t> Connection</a:t>
+            </a:r>
+          </a:p>
+        </p:txBody>
+      </p:sp>
+      <p:sp>
+        <p:nvSpPr>
+          <p:cNvPr id="3" name="Content Placeholder 2">
+            <a:extLst>
+              <a:ext uri="{FF2B5EF4-FFF2-40B4-BE49-F238E27FC236}">
+                <a16:creationId xmlns:a16="http://schemas.microsoft.com/office/drawing/2014/main" id="{35547CFE-5781-4F85-8E9F-9E5A51607868}"/>
+              </a:ext>
+            </a:extLst>
+          </p:cNvPr>
+          <p:cNvSpPr>
+            <a:spLocks noGrp="1"/>
+          </p:cNvSpPr>
+          <p:nvPr>
+            <p:ph idx="1"/>
+          </p:nvPr>
+        </p:nvSpPr>
+        <p:spPr>
+          <a:xfrm>
+            <a:off x="297712" y="1623704"/>
+            <a:ext cx="11632018" cy="4936583"/>
+          </a:xfrm>
+        </p:spPr>
+        <p:txBody>
+          <a:bodyPr>
+            <a:normAutofit fontScale="85000" lnSpcReduction="20000"/>
+          </a:bodyPr>
+          <a:lstStyle/>
+          <a:p>
+            <a:pPr marL="0" indent="0">
+              <a:buNone/>
+            </a:pPr>
+            <a:r>
+              <a:rPr lang="en-US" dirty="0"/>
+              <a:t>import </a:t>
+            </a:r>
+            <a:r>
+              <a:rPr lang="en-US" dirty="0" err="1"/>
+              <a:t>mysql.connector</a:t>
+            </a:r>
+            <a:br>
+              <a:rPr lang="en-US" dirty="0"/>
+            </a:br>
+            <a:br>
+              <a:rPr lang="en-US" dirty="0"/>
+            </a:br>
+            <a:r>
+              <a:rPr lang="en-US" dirty="0" err="1"/>
+              <a:t>mydb</a:t>
+            </a:r>
+            <a:r>
+              <a:rPr lang="en-US" dirty="0"/>
+              <a:t> = </a:t>
+            </a:r>
+            <a:r>
+              <a:rPr lang="en-US" dirty="0" err="1"/>
+              <a:t>mysql.connector.connect</a:t>
+            </a:r>
+            <a:r>
+              <a:rPr lang="en-US" dirty="0"/>
+              <a:t>(</a:t>
+            </a:r>
+            <a:br>
+              <a:rPr lang="en-US" dirty="0"/>
+            </a:br>
+            <a:r>
+              <a:rPr lang="en-US" sz="2200" dirty="0"/>
+              <a:t>  host="localhost",</a:t>
+            </a:r>
+            <a:br>
+              <a:rPr lang="en-US" sz="2200" dirty="0"/>
+            </a:br>
+            <a:r>
+              <a:rPr lang="en-US" sz="2200" dirty="0"/>
+              <a:t>  user="</a:t>
+            </a:r>
+            <a:r>
+              <a:rPr lang="en-US" sz="2200" i="1" dirty="0" err="1"/>
+              <a:t>yourusername</a:t>
+            </a:r>
+            <a:r>
+              <a:rPr lang="en-US" sz="2200" dirty="0"/>
+              <a:t>",</a:t>
+            </a:r>
+            <a:br>
+              <a:rPr lang="en-US" sz="2200" dirty="0"/>
+            </a:br>
+            <a:r>
+              <a:rPr lang="en-US" sz="2200" dirty="0"/>
+              <a:t>  passwd="</a:t>
+            </a:r>
+            <a:r>
+              <a:rPr lang="en-US" sz="2200" i="1" dirty="0" err="1"/>
+              <a:t>yourpassword</a:t>
+            </a:r>
+            <a:r>
+              <a:rPr lang="en-US" sz="2200" dirty="0"/>
+              <a:t>"</a:t>
+            </a:r>
+            <a:br>
+              <a:rPr lang="en-US" dirty="0"/>
+            </a:br>
+            <a:r>
+              <a:rPr lang="en-US" dirty="0"/>
+              <a:t>)</a:t>
+            </a:r>
+            <a:br>
+              <a:rPr lang="en-US" dirty="0"/>
+            </a:br>
+            <a:br>
+              <a:rPr lang="en-US" dirty="0"/>
+            </a:br>
+            <a:r>
+              <a:rPr lang="en-US" dirty="0" err="1"/>
+              <a:t>mycursor</a:t>
+            </a:r>
+            <a:r>
+              <a:rPr lang="en-US" dirty="0"/>
+              <a:t> = </a:t>
+            </a:r>
+            <a:r>
+              <a:rPr lang="en-US" dirty="0" err="1"/>
+              <a:t>mydb.cursor</a:t>
+            </a:r>
+            <a:r>
+              <a:rPr lang="en-US" dirty="0"/>
+              <a:t>()</a:t>
+            </a:r>
+            <a:br>
+              <a:rPr lang="en-US" dirty="0"/>
+            </a:br>
+            <a:br>
+              <a:rPr lang="en-US" dirty="0"/>
+            </a:br>
+            <a:r>
+              <a:rPr lang="en-US" dirty="0" err="1"/>
+              <a:t>mycursor.execute</a:t>
+            </a:r>
+            <a:r>
+              <a:rPr lang="en-US" dirty="0"/>
+              <a:t>("CREATE DATABASE </a:t>
+            </a:r>
+            <a:r>
+              <a:rPr lang="en-US" dirty="0" err="1"/>
+              <a:t>mydatabase</a:t>
+            </a:r>
+            <a:r>
+              <a:rPr lang="en-US" dirty="0"/>
+              <a:t>")</a:t>
+            </a:r>
+            <a:br>
+              <a:rPr lang="en-US" dirty="0"/>
+            </a:br>
+            <a:br>
+              <a:rPr lang="en-US" dirty="0"/>
+            </a:br>
+            <a:r>
+              <a:rPr lang="en-US" dirty="0" err="1"/>
+              <a:t>mycursor.execute</a:t>
+            </a:r>
+            <a:r>
+              <a:rPr lang="en-US" dirty="0"/>
+              <a:t>("SHOW DATABASES")</a:t>
+            </a:r>
+            <a:br>
+              <a:rPr lang="en-US" dirty="0"/>
+            </a:br>
+            <a:r>
+              <a:rPr lang="en-US" dirty="0"/>
+              <a:t>for x in </a:t>
+            </a:r>
+            <a:r>
+              <a:rPr lang="en-US" dirty="0" err="1"/>
+              <a:t>mycursor</a:t>
+            </a:r>
+            <a:r>
+              <a:rPr lang="en-US" dirty="0"/>
+              <a:t>:</a:t>
+            </a:r>
+            <a:br>
+              <a:rPr lang="en-US" dirty="0"/>
+            </a:br>
+            <a:r>
+              <a:rPr lang="en-US" dirty="0"/>
+              <a:t>  print(x)</a:t>
+            </a:r>
+          </a:p>
+          <a:p>
+            <a:pPr marL="0" indent="0">
+              <a:buNone/>
+            </a:pPr>
+            <a:endParaRPr lang="en-US" dirty="0"/>
+          </a:p>
+          <a:p>
+            <a:pPr marL="0" indent="0">
+              <a:buNone/>
+            </a:pPr>
+            <a:r>
+              <a:rPr lang="en-US" dirty="0" err="1"/>
+              <a:t>mycursor.execute</a:t>
+            </a:r>
+            <a:r>
+              <a:rPr lang="en-US" dirty="0"/>
+              <a:t>("</a:t>
+            </a:r>
+            <a:r>
+              <a:rPr lang="en-US" sz="2200" dirty="0"/>
+              <a:t>CREATE TABLE </a:t>
+            </a:r>
+            <a:r>
+              <a:rPr lang="en-US" sz="2400" dirty="0" err="1"/>
+              <a:t>mydatabase</a:t>
+            </a:r>
+            <a:r>
+              <a:rPr lang="en-US" sz="2400" dirty="0"/>
+              <a:t> .</a:t>
+            </a:r>
+            <a:r>
+              <a:rPr lang="en-US" sz="2200" dirty="0"/>
+              <a:t>customers (name VARCHAR(255), address VARCHAR(255))</a:t>
+            </a:r>
+            <a:r>
+              <a:rPr lang="en-US" dirty="0"/>
+              <a:t>")</a:t>
+            </a:r>
+          </a:p>
+        </p:txBody>
+      </p:sp>
+    </p:spTree>
+    <p:extLst>
+      <p:ext uri="{BB962C8B-B14F-4D97-AF65-F5344CB8AC3E}">
+        <p14:creationId xmlns:p14="http://schemas.microsoft.com/office/powerpoint/2010/main" val="614624238"/>
+      </p:ext>
+    </p:extLst>
+  </p:cSld>
+  <p:clrMapOvr>
+    <a:masterClrMapping/>
+  </p:clrMapOvr>
+</p:sld>
+</file>
+
+<file path=ppt/slides/slide46.xml><?xml version="1.0" encoding="utf-8"?>
+<p:sld xmlns:a="http://schemas.openxmlformats.org/drawingml/2006/main" xmlns:r="http://schemas.openxmlformats.org/officeDocument/2006/relationships" xmlns:p="http://schemas.openxmlformats.org/presentationml/2006/main">
+  <p:cSld>
+    <p:spTree>
+      <p:nvGrpSpPr>
+        <p:cNvPr id="1" name=""/>
+        <p:cNvGrpSpPr/>
+        <p:nvPr/>
+      </p:nvGrpSpPr>
+      <p:grpSpPr>
+        <a:xfrm>
+          <a:off x="0" y="0"/>
+          <a:ext cx="0" cy="0"/>
+          <a:chOff x="0" y="0"/>
+          <a:chExt cx="0" cy="0"/>
+        </a:xfrm>
+      </p:grpSpPr>
+      <p:sp>
+        <p:nvSpPr>
+          <p:cNvPr id="2" name="Title 1">
+            <a:extLst>
+              <a:ext uri="{FF2B5EF4-FFF2-40B4-BE49-F238E27FC236}">
+                <a16:creationId xmlns:a16="http://schemas.microsoft.com/office/drawing/2014/main" id="{AD431ACD-7099-4EAF-9DE3-A333D7335DC1}"/>
+              </a:ext>
+            </a:extLst>
+          </p:cNvPr>
+          <p:cNvSpPr>
+            <a:spLocks noGrp="1"/>
+          </p:cNvSpPr>
+          <p:nvPr>
+            <p:ph type="title"/>
+          </p:nvPr>
+        </p:nvSpPr>
+        <p:spPr>
+          <a:xfrm>
+            <a:off x="297712" y="777254"/>
+            <a:ext cx="11056088" cy="832606"/>
+          </a:xfrm>
+        </p:spPr>
+        <p:txBody>
+          <a:bodyPr/>
+          <a:lstStyle/>
+          <a:p>
+            <a:r>
+              <a:rPr lang="en-US" dirty="0" err="1">
+                <a:latin typeface="Arial Black" panose="020B0A04020102020204" pitchFamily="34" charset="0"/>
+              </a:rPr>
+              <a:t>Mysql</a:t>
+            </a:r>
+            <a:r>
+              <a:rPr lang="en-US" dirty="0">
+                <a:latin typeface="Arial Black" panose="020B0A04020102020204" pitchFamily="34" charset="0"/>
+              </a:rPr>
+              <a:t> Insert</a:t>
+            </a:r>
+          </a:p>
+        </p:txBody>
+      </p:sp>
+      <p:sp>
+        <p:nvSpPr>
+          <p:cNvPr id="3" name="Content Placeholder 2">
+            <a:extLst>
+              <a:ext uri="{FF2B5EF4-FFF2-40B4-BE49-F238E27FC236}">
+                <a16:creationId xmlns:a16="http://schemas.microsoft.com/office/drawing/2014/main" id="{35547CFE-5781-4F85-8E9F-9E5A51607868}"/>
+              </a:ext>
+            </a:extLst>
+          </p:cNvPr>
+          <p:cNvSpPr>
+            <a:spLocks noGrp="1"/>
+          </p:cNvSpPr>
+          <p:nvPr>
+            <p:ph idx="1"/>
+          </p:nvPr>
+        </p:nvSpPr>
+        <p:spPr>
+          <a:xfrm>
+            <a:off x="297712" y="1623704"/>
+            <a:ext cx="11632018" cy="4936583"/>
+          </a:xfrm>
+        </p:spPr>
+        <p:txBody>
+          <a:bodyPr>
+            <a:normAutofit fontScale="85000" lnSpcReduction="20000"/>
+          </a:bodyPr>
+          <a:lstStyle/>
+          <a:p>
+            <a:pPr marL="0" indent="0">
+              <a:buNone/>
+            </a:pPr>
+            <a:r>
+              <a:rPr lang="en-US" dirty="0"/>
+              <a:t>import </a:t>
+            </a:r>
+            <a:r>
+              <a:rPr lang="en-US" dirty="0" err="1"/>
+              <a:t>mysql.connector</a:t>
+            </a:r>
+            <a:br>
+              <a:rPr lang="en-US" dirty="0"/>
+            </a:br>
+            <a:br>
+              <a:rPr lang="en-US" dirty="0"/>
+            </a:br>
+            <a:r>
+              <a:rPr lang="en-US" dirty="0" err="1"/>
+              <a:t>mydb</a:t>
+            </a:r>
+            <a:r>
+              <a:rPr lang="en-US" dirty="0"/>
+              <a:t> = </a:t>
+            </a:r>
+            <a:r>
+              <a:rPr lang="en-US" dirty="0" err="1"/>
+              <a:t>mysql.connector.connect</a:t>
+            </a:r>
+            <a:r>
+              <a:rPr lang="en-US" dirty="0"/>
+              <a:t>(</a:t>
+            </a:r>
+            <a:br>
+              <a:rPr lang="en-US" dirty="0"/>
+            </a:br>
+            <a:r>
+              <a:rPr lang="en-US" sz="2400" dirty="0"/>
+              <a:t>  host="localhost",</a:t>
+            </a:r>
+            <a:br>
+              <a:rPr lang="en-US" sz="2400" dirty="0"/>
+            </a:br>
+            <a:r>
+              <a:rPr lang="en-US" sz="2400" dirty="0"/>
+              <a:t>  user="</a:t>
+            </a:r>
+            <a:r>
+              <a:rPr lang="en-US" sz="2400" i="1" dirty="0" err="1"/>
+              <a:t>yourusername</a:t>
+            </a:r>
+            <a:r>
+              <a:rPr lang="en-US" sz="2400" dirty="0"/>
+              <a:t>",</a:t>
+            </a:r>
+            <a:br>
+              <a:rPr lang="en-US" sz="2400" dirty="0"/>
+            </a:br>
+            <a:r>
+              <a:rPr lang="en-US" sz="2400" dirty="0"/>
+              <a:t>  passwd="</a:t>
+            </a:r>
+            <a:r>
+              <a:rPr lang="en-US" sz="2400" i="1" dirty="0" err="1"/>
+              <a:t>yourpassword</a:t>
+            </a:r>
+            <a:r>
+              <a:rPr lang="en-US" sz="2400" dirty="0"/>
+              <a:t>",</a:t>
+            </a:r>
+            <a:br>
+              <a:rPr lang="en-US" sz="2400" dirty="0"/>
+            </a:br>
+            <a:r>
+              <a:rPr lang="en-US" sz="2400" dirty="0"/>
+              <a:t>  database="</a:t>
+            </a:r>
+            <a:r>
+              <a:rPr lang="en-US" sz="2400" dirty="0" err="1"/>
+              <a:t>mydatabase</a:t>
+            </a:r>
+            <a:r>
+              <a:rPr lang="en-US" sz="2400" dirty="0"/>
+              <a:t>"</a:t>
+            </a:r>
+            <a:br>
+              <a:rPr lang="en-US" dirty="0"/>
+            </a:br>
+            <a:r>
+              <a:rPr lang="en-US" dirty="0"/>
+              <a:t>)</a:t>
+            </a:r>
+            <a:br>
+              <a:rPr lang="en-US" dirty="0"/>
+            </a:br>
+            <a:br>
+              <a:rPr lang="en-US" dirty="0"/>
+            </a:br>
+            <a:r>
+              <a:rPr lang="en-US" dirty="0" err="1"/>
+              <a:t>mycursor</a:t>
+            </a:r>
+            <a:r>
+              <a:rPr lang="en-US" dirty="0"/>
+              <a:t> = </a:t>
+            </a:r>
+            <a:r>
+              <a:rPr lang="en-US" dirty="0" err="1"/>
+              <a:t>mydb.cursor</a:t>
+            </a:r>
+            <a:r>
+              <a:rPr lang="en-US" dirty="0"/>
+              <a:t>()</a:t>
+            </a:r>
+            <a:br>
+              <a:rPr lang="en-US" dirty="0"/>
+            </a:br>
+            <a:br>
+              <a:rPr lang="en-US" dirty="0"/>
+            </a:br>
+            <a:r>
+              <a:rPr lang="en-US" dirty="0" err="1"/>
+              <a:t>sql</a:t>
+            </a:r>
+            <a:r>
+              <a:rPr lang="en-US" dirty="0"/>
+              <a:t> = "INSERT INTO customers (name, address) VALUES (%s, %s)"</a:t>
+            </a:r>
+            <a:br>
+              <a:rPr lang="en-US" dirty="0"/>
+            </a:br>
+            <a:r>
+              <a:rPr lang="en-US" dirty="0" err="1"/>
+              <a:t>val</a:t>
+            </a:r>
+            <a:r>
+              <a:rPr lang="en-US" dirty="0"/>
+              <a:t> = ("John", "Highway 21")</a:t>
+            </a:r>
+            <a:br>
+              <a:rPr lang="en-US" dirty="0"/>
+            </a:br>
+            <a:r>
+              <a:rPr lang="en-US" dirty="0" err="1"/>
+              <a:t>mycursor.execute</a:t>
+            </a:r>
+            <a:r>
+              <a:rPr lang="en-US" dirty="0"/>
+              <a:t>(</a:t>
+            </a:r>
+            <a:r>
+              <a:rPr lang="en-US" dirty="0" err="1"/>
+              <a:t>sql</a:t>
+            </a:r>
+            <a:r>
+              <a:rPr lang="en-US" dirty="0"/>
+              <a:t>, </a:t>
+            </a:r>
+            <a:r>
+              <a:rPr lang="en-US" dirty="0" err="1"/>
+              <a:t>val</a:t>
+            </a:r>
+            <a:r>
+              <a:rPr lang="en-US" dirty="0"/>
+              <a:t>)</a:t>
+            </a:r>
+            <a:br>
+              <a:rPr lang="en-US" dirty="0"/>
+            </a:br>
+            <a:br>
+              <a:rPr lang="en-US" b="1" dirty="0"/>
+            </a:br>
+            <a:r>
+              <a:rPr lang="en-US" b="1" dirty="0" err="1"/>
+              <a:t>mydb.commit</a:t>
+            </a:r>
+            <a:r>
+              <a:rPr lang="en-US" b="1" dirty="0"/>
+              <a:t>()</a:t>
+            </a:r>
+            <a:br>
+              <a:rPr lang="en-US" b="1" dirty="0"/>
+            </a:br>
+            <a:br>
+              <a:rPr lang="en-US" dirty="0"/>
+            </a:br>
+            <a:r>
+              <a:rPr lang="en-US" dirty="0"/>
+              <a:t>print(</a:t>
+            </a:r>
+            <a:r>
+              <a:rPr lang="en-US" dirty="0" err="1"/>
+              <a:t>mycursor.rowcount</a:t>
+            </a:r>
+            <a:r>
+              <a:rPr lang="en-US" dirty="0"/>
+              <a:t>, "record inserted.")</a:t>
+            </a:r>
+          </a:p>
+        </p:txBody>
+      </p:sp>
+    </p:spTree>
+    <p:extLst>
+      <p:ext uri="{BB962C8B-B14F-4D97-AF65-F5344CB8AC3E}">
+        <p14:creationId xmlns:p14="http://schemas.microsoft.com/office/powerpoint/2010/main" val="3881282778"/>
+      </p:ext>
+    </p:extLst>
+  </p:cSld>
+  <p:clrMapOvr>
+    <a:masterClrMapping/>
+  </p:clrMapOvr>
+</p:sld>
+</file>
+
+<file path=ppt/slides/slide47.xml><?xml version="1.0" encoding="utf-8"?>
+<p:sld xmlns:a="http://schemas.openxmlformats.org/drawingml/2006/main" xmlns:r="http://schemas.openxmlformats.org/officeDocument/2006/relationships" xmlns:p="http://schemas.openxmlformats.org/presentationml/2006/main">
+  <p:cSld>
+    <p:spTree>
+      <p:nvGrpSpPr>
+        <p:cNvPr id="1" name=""/>
+        <p:cNvGrpSpPr/>
+        <p:nvPr/>
+      </p:nvGrpSpPr>
+      <p:grpSpPr>
+        <a:xfrm>
+          <a:off x="0" y="0"/>
+          <a:ext cx="0" cy="0"/>
+          <a:chOff x="0" y="0"/>
+          <a:chExt cx="0" cy="0"/>
+        </a:xfrm>
+      </p:grpSpPr>
+      <p:sp>
+        <p:nvSpPr>
+          <p:cNvPr id="2" name="Title 1">
+            <a:extLst>
+              <a:ext uri="{FF2B5EF4-FFF2-40B4-BE49-F238E27FC236}">
+                <a16:creationId xmlns:a16="http://schemas.microsoft.com/office/drawing/2014/main" id="{41B18959-72BD-4E44-8268-3BF886C40BEA}"/>
+              </a:ext>
+            </a:extLst>
+          </p:cNvPr>
+          <p:cNvSpPr>
+            <a:spLocks noGrp="1"/>
+          </p:cNvSpPr>
+          <p:nvPr>
+            <p:ph type="title"/>
+          </p:nvPr>
+        </p:nvSpPr>
+        <p:spPr/>
+        <p:txBody>
+          <a:bodyPr>
+            <a:normAutofit/>
+          </a:bodyPr>
+          <a:lstStyle/>
+          <a:p>
+            <a:r>
+              <a:rPr lang="en-US" dirty="0">
+                <a:latin typeface="Arial Black" panose="020B0A04020102020204" pitchFamily="34" charset="0"/>
+              </a:rPr>
+              <a:t>Python MySQL Select From</a:t>
+            </a:r>
+          </a:p>
+        </p:txBody>
+      </p:sp>
+      <p:sp>
+        <p:nvSpPr>
+          <p:cNvPr id="3" name="Content Placeholder 2">
+            <a:extLst>
+              <a:ext uri="{FF2B5EF4-FFF2-40B4-BE49-F238E27FC236}">
+                <a16:creationId xmlns:a16="http://schemas.microsoft.com/office/drawing/2014/main" id="{CAEA1989-31AF-4C1E-8681-C039B426E472}"/>
+              </a:ext>
+            </a:extLst>
+          </p:cNvPr>
+          <p:cNvSpPr>
+            <a:spLocks noGrp="1"/>
+          </p:cNvSpPr>
+          <p:nvPr>
+            <p:ph idx="1"/>
+          </p:nvPr>
+        </p:nvSpPr>
+        <p:spPr/>
+        <p:txBody>
+          <a:bodyPr>
+            <a:normAutofit fontScale="85000" lnSpcReduction="20000"/>
+          </a:bodyPr>
+          <a:lstStyle/>
+          <a:p>
+            <a:pPr marL="0" indent="0">
+              <a:buNone/>
+            </a:pPr>
+            <a:r>
+              <a:rPr lang="en-US" dirty="0"/>
+              <a:t>import </a:t>
+            </a:r>
+            <a:r>
+              <a:rPr lang="en-US" dirty="0" err="1"/>
+              <a:t>mysql.connector</a:t>
+            </a:r>
+            <a:br>
+              <a:rPr lang="en-US" dirty="0"/>
+            </a:br>
+            <a:br>
+              <a:rPr lang="en-US" dirty="0"/>
+            </a:br>
+            <a:r>
+              <a:rPr lang="en-US" dirty="0" err="1"/>
+              <a:t>mydb</a:t>
+            </a:r>
+            <a:r>
+              <a:rPr lang="en-US" dirty="0"/>
+              <a:t> = </a:t>
+            </a:r>
+            <a:r>
+              <a:rPr lang="en-US" dirty="0" err="1"/>
+              <a:t>mysql.connector.connect</a:t>
+            </a:r>
+            <a:r>
+              <a:rPr lang="en-US" dirty="0"/>
+              <a:t>(</a:t>
+            </a:r>
+            <a:br>
+              <a:rPr lang="en-US" dirty="0"/>
+            </a:br>
+            <a:r>
+              <a:rPr lang="en-US" sz="2400" dirty="0"/>
+              <a:t>  host="localhost",</a:t>
+            </a:r>
+            <a:br>
+              <a:rPr lang="en-US" sz="2400" dirty="0"/>
+            </a:br>
+            <a:r>
+              <a:rPr lang="en-US" sz="2400" dirty="0"/>
+              <a:t>  user="</a:t>
+            </a:r>
+            <a:r>
+              <a:rPr lang="en-US" sz="2400" i="1" dirty="0" err="1"/>
+              <a:t>yourusername</a:t>
+            </a:r>
+            <a:r>
+              <a:rPr lang="en-US" sz="2400" dirty="0"/>
+              <a:t>",</a:t>
+            </a:r>
+            <a:br>
+              <a:rPr lang="en-US" sz="2400" dirty="0"/>
+            </a:br>
+            <a:r>
+              <a:rPr lang="en-US" sz="2400" dirty="0"/>
+              <a:t>  passwd="</a:t>
+            </a:r>
+            <a:r>
+              <a:rPr lang="en-US" sz="2400" i="1" dirty="0" err="1"/>
+              <a:t>yourpassword</a:t>
+            </a:r>
+            <a:r>
+              <a:rPr lang="en-US" sz="2400" dirty="0"/>
+              <a:t>",</a:t>
+            </a:r>
+            <a:br>
+              <a:rPr lang="en-US" sz="2400" dirty="0"/>
+            </a:br>
+            <a:r>
+              <a:rPr lang="en-US" sz="2400" dirty="0"/>
+              <a:t>  database="</a:t>
+            </a:r>
+            <a:r>
+              <a:rPr lang="en-US" sz="2400" dirty="0" err="1"/>
+              <a:t>mydatabase</a:t>
+            </a:r>
+            <a:r>
+              <a:rPr lang="en-US" sz="2400" dirty="0"/>
+              <a:t>"</a:t>
+            </a:r>
+            <a:br>
+              <a:rPr lang="en-US" dirty="0"/>
+            </a:br>
+            <a:r>
+              <a:rPr lang="en-US" dirty="0"/>
+              <a:t>)</a:t>
+            </a:r>
+            <a:br>
+              <a:rPr lang="en-US" dirty="0"/>
+            </a:br>
+            <a:br>
+              <a:rPr lang="en-US" dirty="0"/>
+            </a:br>
+            <a:r>
+              <a:rPr lang="en-US" dirty="0" err="1"/>
+              <a:t>mycursor</a:t>
+            </a:r>
+            <a:r>
+              <a:rPr lang="en-US" dirty="0"/>
+              <a:t> = </a:t>
+            </a:r>
+            <a:r>
+              <a:rPr lang="en-US" dirty="0" err="1"/>
+              <a:t>mydb.cursor</a:t>
+            </a:r>
+            <a:r>
+              <a:rPr lang="en-US" dirty="0"/>
+              <a:t>()</a:t>
+            </a:r>
+            <a:br>
+              <a:rPr lang="en-US" dirty="0"/>
+            </a:br>
+            <a:br>
+              <a:rPr lang="en-US" dirty="0"/>
+            </a:br>
+            <a:r>
+              <a:rPr lang="en-US" dirty="0" err="1"/>
+              <a:t>mycursor.execute</a:t>
+            </a:r>
+            <a:r>
+              <a:rPr lang="en-US" dirty="0"/>
+              <a:t>("SELECT * FROM customers")</a:t>
+            </a:r>
+            <a:br>
+              <a:rPr lang="en-US" dirty="0"/>
+            </a:br>
+            <a:br>
+              <a:rPr lang="en-US" dirty="0"/>
+            </a:br>
+            <a:r>
+              <a:rPr lang="en-US" dirty="0" err="1"/>
+              <a:t>myresult</a:t>
+            </a:r>
+            <a:r>
+              <a:rPr lang="en-US" dirty="0"/>
+              <a:t> = </a:t>
+            </a:r>
+            <a:r>
+              <a:rPr lang="en-US" dirty="0" err="1"/>
+              <a:t>mycursor.fetchall</a:t>
+            </a:r>
+            <a:r>
+              <a:rPr lang="en-US" dirty="0"/>
+              <a:t>()</a:t>
+            </a:r>
+            <a:br>
+              <a:rPr lang="en-US" dirty="0"/>
+            </a:br>
+            <a:br>
+              <a:rPr lang="en-US" dirty="0"/>
+            </a:br>
+            <a:r>
+              <a:rPr lang="en-US" dirty="0"/>
+              <a:t>for x in </a:t>
+            </a:r>
+            <a:r>
+              <a:rPr lang="en-US" dirty="0" err="1"/>
+              <a:t>myresult</a:t>
+            </a:r>
+            <a:r>
+              <a:rPr lang="en-US" dirty="0"/>
+              <a:t>:</a:t>
+            </a:r>
+            <a:br>
+              <a:rPr lang="en-US" dirty="0"/>
+            </a:br>
+            <a:r>
+              <a:rPr lang="en-US" dirty="0"/>
+              <a:t>  print(x)</a:t>
+            </a:r>
+          </a:p>
+        </p:txBody>
+      </p:sp>
+    </p:spTree>
+    <p:extLst>
+      <p:ext uri="{BB962C8B-B14F-4D97-AF65-F5344CB8AC3E}">
+        <p14:creationId xmlns:p14="http://schemas.microsoft.com/office/powerpoint/2010/main" val="3457508924"/>
+      </p:ext>
+    </p:extLst>
+  </p:cSld>
+  <p:clrMapOvr>
+    <a:masterClrMapping/>
+  </p:clrMapOvr>
+</p:sld>
+</file>
+
+<file path=ppt/slides/slide48.xml><?xml version="1.0" encoding="utf-8"?>
+<p:sld xmlns:a="http://schemas.openxmlformats.org/drawingml/2006/main" xmlns:r="http://schemas.openxmlformats.org/officeDocument/2006/relationships" xmlns:p="http://schemas.openxmlformats.org/presentationml/2006/main">
+  <p:cSld>
+    <p:spTree>
+      <p:nvGrpSpPr>
+        <p:cNvPr id="1" name=""/>
+        <p:cNvGrpSpPr/>
+        <p:nvPr/>
+      </p:nvGrpSpPr>
+      <p:grpSpPr>
+        <a:xfrm>
+          <a:off x="0" y="0"/>
+          <a:ext cx="0" cy="0"/>
+          <a:chOff x="0" y="0"/>
+          <a:chExt cx="0" cy="0"/>
+        </a:xfrm>
+      </p:grpSpPr>
+      <p:sp>
+        <p:nvSpPr>
+          <p:cNvPr id="2" name="Title 1">
+            <a:extLst>
+              <a:ext uri="{FF2B5EF4-FFF2-40B4-BE49-F238E27FC236}">
+                <a16:creationId xmlns:a16="http://schemas.microsoft.com/office/drawing/2014/main" id="{41B18959-72BD-4E44-8268-3BF886C40BEA}"/>
+              </a:ext>
+            </a:extLst>
+          </p:cNvPr>
+          <p:cNvSpPr>
+            <a:spLocks noGrp="1"/>
+          </p:cNvSpPr>
+          <p:nvPr>
+            <p:ph type="title"/>
+          </p:nvPr>
+        </p:nvSpPr>
+        <p:spPr/>
+        <p:txBody>
+          <a:bodyPr>
+            <a:normAutofit/>
+          </a:bodyPr>
+          <a:lstStyle/>
+          <a:p>
+            <a:r>
+              <a:rPr lang="en-US" dirty="0">
+                <a:latin typeface="Arial Black" panose="020B0A04020102020204" pitchFamily="34" charset="0"/>
+              </a:rPr>
+              <a:t>Python MySQL Update From</a:t>
+            </a:r>
+          </a:p>
+        </p:txBody>
+      </p:sp>
+      <p:sp>
+        <p:nvSpPr>
+          <p:cNvPr id="3" name="Content Placeholder 2">
+            <a:extLst>
+              <a:ext uri="{FF2B5EF4-FFF2-40B4-BE49-F238E27FC236}">
+                <a16:creationId xmlns:a16="http://schemas.microsoft.com/office/drawing/2014/main" id="{CAEA1989-31AF-4C1E-8681-C039B426E472}"/>
+              </a:ext>
+            </a:extLst>
+          </p:cNvPr>
+          <p:cNvSpPr>
+            <a:spLocks noGrp="1"/>
+          </p:cNvSpPr>
+          <p:nvPr>
+            <p:ph idx="1"/>
+          </p:nvPr>
+        </p:nvSpPr>
+        <p:spPr>
+          <a:xfrm>
+            <a:off x="838200" y="1623704"/>
+            <a:ext cx="10515600" cy="4936583"/>
+          </a:xfrm>
+        </p:spPr>
+        <p:txBody>
+          <a:bodyPr>
+            <a:normAutofit fontScale="77500" lnSpcReduction="20000"/>
+          </a:bodyPr>
+          <a:lstStyle/>
+          <a:p>
+            <a:pPr marL="0" indent="0">
+              <a:buNone/>
+            </a:pPr>
+            <a:r>
+              <a:rPr lang="en-US" dirty="0"/>
+              <a:t>import </a:t>
+            </a:r>
+            <a:r>
+              <a:rPr lang="en-US" dirty="0" err="1"/>
+              <a:t>mysql.connector</a:t>
+            </a:r>
+            <a:br>
+              <a:rPr lang="en-US" dirty="0"/>
+            </a:br>
+            <a:br>
+              <a:rPr lang="en-US" dirty="0"/>
+            </a:br>
+            <a:r>
+              <a:rPr lang="en-US" dirty="0" err="1"/>
+              <a:t>mydb</a:t>
+            </a:r>
+            <a:r>
+              <a:rPr lang="en-US" dirty="0"/>
+              <a:t> = </a:t>
+            </a:r>
+            <a:r>
+              <a:rPr lang="en-US" dirty="0" err="1"/>
+              <a:t>mysql.connector.connect</a:t>
+            </a:r>
+            <a:r>
+              <a:rPr lang="en-US" dirty="0"/>
+              <a:t>(</a:t>
+            </a:r>
+            <a:br>
+              <a:rPr lang="en-US" dirty="0"/>
+            </a:br>
+            <a:r>
+              <a:rPr lang="en-US" dirty="0"/>
+              <a:t>  host="localhost",</a:t>
+            </a:r>
+            <a:br>
+              <a:rPr lang="en-US" dirty="0"/>
+            </a:br>
+            <a:r>
+              <a:rPr lang="en-US" dirty="0"/>
+              <a:t>  user="</a:t>
+            </a:r>
+            <a:r>
+              <a:rPr lang="en-US" i="1" dirty="0" err="1"/>
+              <a:t>yourusername</a:t>
+            </a:r>
+            <a:r>
+              <a:rPr lang="en-US" dirty="0"/>
+              <a:t>",</a:t>
+            </a:r>
+            <a:br>
+              <a:rPr lang="en-US" dirty="0"/>
+            </a:br>
+            <a:r>
+              <a:rPr lang="en-US" dirty="0"/>
+              <a:t>  passwd="</a:t>
+            </a:r>
+            <a:r>
+              <a:rPr lang="en-US" i="1" dirty="0" err="1"/>
+              <a:t>yourpassword</a:t>
+            </a:r>
+            <a:r>
+              <a:rPr lang="en-US" dirty="0"/>
+              <a:t>",</a:t>
+            </a:r>
+            <a:br>
+              <a:rPr lang="en-US" dirty="0"/>
+            </a:br>
+            <a:r>
+              <a:rPr lang="en-US" dirty="0"/>
+              <a:t>  database="</a:t>
+            </a:r>
+            <a:r>
+              <a:rPr lang="en-US" dirty="0" err="1"/>
+              <a:t>mydatabase</a:t>
+            </a:r>
+            <a:r>
+              <a:rPr lang="en-US" dirty="0"/>
+              <a:t>"</a:t>
+            </a:r>
+            <a:br>
+              <a:rPr lang="en-US" dirty="0"/>
+            </a:br>
+            <a:r>
+              <a:rPr lang="en-US" dirty="0"/>
+              <a:t>)</a:t>
+            </a:r>
+            <a:br>
+              <a:rPr lang="en-US" dirty="0"/>
+            </a:br>
+            <a:br>
+              <a:rPr lang="en-US" dirty="0"/>
+            </a:br>
+            <a:r>
+              <a:rPr lang="en-US" dirty="0" err="1"/>
+              <a:t>mycursor</a:t>
+            </a:r>
+            <a:r>
+              <a:rPr lang="en-US" dirty="0"/>
+              <a:t> = </a:t>
+            </a:r>
+            <a:r>
+              <a:rPr lang="en-US" dirty="0" err="1"/>
+              <a:t>mydb.cursor</a:t>
+            </a:r>
+            <a:r>
+              <a:rPr lang="en-US" dirty="0"/>
+              <a:t>()</a:t>
+            </a:r>
+            <a:br>
+              <a:rPr lang="en-US" dirty="0"/>
+            </a:br>
+            <a:br>
+              <a:rPr lang="en-US" dirty="0"/>
+            </a:br>
+            <a:r>
+              <a:rPr lang="en-US" dirty="0" err="1"/>
+              <a:t>sql</a:t>
+            </a:r>
+            <a:r>
+              <a:rPr lang="en-US" dirty="0"/>
+              <a:t> = "UPDATE customers SET address = %s WHERE address = %s"</a:t>
+            </a:r>
+            <a:br>
+              <a:rPr lang="en-US" dirty="0"/>
+            </a:br>
+            <a:r>
+              <a:rPr lang="en-US" dirty="0" err="1"/>
+              <a:t>val</a:t>
+            </a:r>
+            <a:r>
+              <a:rPr lang="en-US" dirty="0"/>
+              <a:t> = ("Valley 345", "Canyon 123")</a:t>
+            </a:r>
+            <a:br>
+              <a:rPr lang="en-US" dirty="0"/>
+            </a:br>
+            <a:br>
+              <a:rPr lang="en-US" dirty="0"/>
+            </a:br>
+            <a:r>
+              <a:rPr lang="en-US" dirty="0" err="1"/>
+              <a:t>mycursor.execute</a:t>
+            </a:r>
+            <a:r>
+              <a:rPr lang="en-US" dirty="0"/>
+              <a:t>(</a:t>
+            </a:r>
+            <a:r>
+              <a:rPr lang="en-US" dirty="0" err="1"/>
+              <a:t>sql</a:t>
+            </a:r>
+            <a:r>
+              <a:rPr lang="en-US" dirty="0"/>
+              <a:t>, </a:t>
+            </a:r>
+            <a:r>
+              <a:rPr lang="en-US" dirty="0" err="1"/>
+              <a:t>val</a:t>
+            </a:r>
+            <a:r>
+              <a:rPr lang="en-US" dirty="0"/>
+              <a:t>)</a:t>
+            </a:r>
+            <a:br>
+              <a:rPr lang="en-US" dirty="0"/>
+            </a:br>
+            <a:br>
+              <a:rPr lang="en-US" dirty="0"/>
+            </a:br>
+            <a:r>
+              <a:rPr lang="en-US" dirty="0" err="1"/>
+              <a:t>mydb.commit</a:t>
+            </a:r>
+            <a:r>
+              <a:rPr lang="en-US" dirty="0"/>
+              <a:t>()</a:t>
+            </a:r>
+            <a:br>
+              <a:rPr lang="en-US" dirty="0"/>
+            </a:br>
+            <a:br>
+              <a:rPr lang="en-US" dirty="0"/>
+            </a:br>
+            <a:r>
+              <a:rPr lang="en-US" dirty="0"/>
+              <a:t>print(</a:t>
+            </a:r>
+            <a:r>
+              <a:rPr lang="en-US" dirty="0" err="1"/>
+              <a:t>mycursor.rowcount</a:t>
+            </a:r>
+            <a:r>
+              <a:rPr lang="en-US" dirty="0"/>
+              <a:t>, "record(s) affected")</a:t>
+            </a:r>
+          </a:p>
+        </p:txBody>
+      </p:sp>
+    </p:spTree>
+    <p:extLst>
+      <p:ext uri="{BB962C8B-B14F-4D97-AF65-F5344CB8AC3E}">
+        <p14:creationId xmlns:p14="http://schemas.microsoft.com/office/powerpoint/2010/main" val="4021558613"/>
       </p:ext>
     </p:extLst>
   </p:cSld>
